--- a/new_doc/react share.pptx
+++ b/new_doc/react share.pptx
@@ -119,7 +119,7 @@
   </p:defaultTextStyle>
   <p:extLst>
     <p:ext uri="{EFAFB233-063F-42B5-8137-9DF3F51BA10A}">
-      <p15:sldGuideLst xmlns:p15="http://schemas.microsoft.com/office/powerpoint/2012/main">
+      <p15:sldGuideLst xmlns:p15="http://schemas.microsoft.com/office/powerpoint/2012/main" xmlns="">
         <p15:guide id="1" orient="horz" pos="2160">
           <p15:clr>
             <a:srgbClr val="A4A3A4"/>
@@ -218,7 +218,7 @@
           <a:p>
             <a:fld id="{C58C5117-CE6E-4671-B14E-C9D5B5857C24}" type="datetimeFigureOut">
               <a:rPr lang="zh-CN" altLang="en-US" smtClean="0"/>
-              <a:t>2017-04-23</a:t>
+              <a:t>24/04/17</a:t>
             </a:fld>
             <a:endParaRPr lang="zh-CN" altLang="en-US"/>
           </a:p>
@@ -617,7 +617,7 @@
           <a:p>
             <a:fld id="{962D594F-007C-4B14-9EDA-6CA324581E67}" type="datetimeFigureOut">
               <a:rPr lang="ko-KR" altLang="en-US" smtClean="0"/>
-              <a:t>2017-04-23</a:t>
+              <a:t>24/04/17</a:t>
             </a:fld>
             <a:endParaRPr lang="ko-KR" altLang="en-US"/>
           </a:p>
@@ -787,7 +787,7 @@
           <a:p>
             <a:fld id="{962D594F-007C-4B14-9EDA-6CA324581E67}" type="datetimeFigureOut">
               <a:rPr lang="ko-KR" altLang="en-US" smtClean="0"/>
-              <a:t>2017-04-23</a:t>
+              <a:t>24/04/17</a:t>
             </a:fld>
             <a:endParaRPr lang="ko-KR" altLang="en-US"/>
           </a:p>
@@ -967,7 +967,7 @@
           <a:p>
             <a:fld id="{962D594F-007C-4B14-9EDA-6CA324581E67}" type="datetimeFigureOut">
               <a:rPr lang="ko-KR" altLang="en-US" smtClean="0"/>
-              <a:t>2017-04-23</a:t>
+              <a:t>24/04/17</a:t>
             </a:fld>
             <a:endParaRPr lang="ko-KR" altLang="en-US"/>
           </a:p>
@@ -1137,7 +1137,7 @@
           <a:p>
             <a:fld id="{962D594F-007C-4B14-9EDA-6CA324581E67}" type="datetimeFigureOut">
               <a:rPr lang="ko-KR" altLang="en-US" smtClean="0"/>
-              <a:t>2017-04-23</a:t>
+              <a:t>24/04/17</a:t>
             </a:fld>
             <a:endParaRPr lang="ko-KR" altLang="en-US"/>
           </a:p>
@@ -1381,7 +1381,7 @@
           <a:p>
             <a:fld id="{962D594F-007C-4B14-9EDA-6CA324581E67}" type="datetimeFigureOut">
               <a:rPr lang="ko-KR" altLang="en-US" smtClean="0"/>
-              <a:t>2017-04-23</a:t>
+              <a:t>24/04/17</a:t>
             </a:fld>
             <a:endParaRPr lang="ko-KR" altLang="en-US"/>
           </a:p>
@@ -1613,7 +1613,7 @@
           <a:p>
             <a:fld id="{962D594F-007C-4B14-9EDA-6CA324581E67}" type="datetimeFigureOut">
               <a:rPr lang="ko-KR" altLang="en-US" smtClean="0"/>
-              <a:t>2017-04-23</a:t>
+              <a:t>24/04/17</a:t>
             </a:fld>
             <a:endParaRPr lang="ko-KR" altLang="en-US"/>
           </a:p>
@@ -1980,7 +1980,7 @@
           <a:p>
             <a:fld id="{962D594F-007C-4B14-9EDA-6CA324581E67}" type="datetimeFigureOut">
               <a:rPr lang="ko-KR" altLang="en-US" smtClean="0"/>
-              <a:t>2017-04-23</a:t>
+              <a:t>24/04/17</a:t>
             </a:fld>
             <a:endParaRPr lang="ko-KR" altLang="en-US"/>
           </a:p>
@@ -2098,7 +2098,7 @@
           <a:p>
             <a:fld id="{962D594F-007C-4B14-9EDA-6CA324581E67}" type="datetimeFigureOut">
               <a:rPr lang="ko-KR" altLang="en-US" smtClean="0"/>
-              <a:t>2017-04-23</a:t>
+              <a:t>24/04/17</a:t>
             </a:fld>
             <a:endParaRPr lang="ko-KR" altLang="en-US"/>
           </a:p>
@@ -2193,7 +2193,7 @@
           <a:p>
             <a:fld id="{962D594F-007C-4B14-9EDA-6CA324581E67}" type="datetimeFigureOut">
               <a:rPr lang="ko-KR" altLang="en-US" smtClean="0"/>
-              <a:t>2017-04-23</a:t>
+              <a:t>24/04/17</a:t>
             </a:fld>
             <a:endParaRPr lang="ko-KR" altLang="en-US"/>
           </a:p>
@@ -2470,7 +2470,7 @@
           <a:p>
             <a:fld id="{962D594F-007C-4B14-9EDA-6CA324581E67}" type="datetimeFigureOut">
               <a:rPr lang="ko-KR" altLang="en-US" smtClean="0"/>
-              <a:t>2017-04-23</a:t>
+              <a:t>24/04/17</a:t>
             </a:fld>
             <a:endParaRPr lang="ko-KR" altLang="en-US"/>
           </a:p>
@@ -2727,7 +2727,7 @@
           <a:p>
             <a:fld id="{962D594F-007C-4B14-9EDA-6CA324581E67}" type="datetimeFigureOut">
               <a:rPr lang="ko-KR" altLang="en-US" smtClean="0"/>
-              <a:t>2017-04-23</a:t>
+              <a:t>24/04/17</a:t>
             </a:fld>
             <a:endParaRPr lang="ko-KR" altLang="en-US"/>
           </a:p>
@@ -2940,7 +2940,7 @@
           <a:p>
             <a:fld id="{962D594F-007C-4B14-9EDA-6CA324581E67}" type="datetimeFigureOut">
               <a:rPr lang="ko-KR" altLang="en-US" smtClean="0"/>
-              <a:t>2017-04-23</a:t>
+              <a:t>24/04/17</a:t>
             </a:fld>
             <a:endParaRPr lang="ko-KR" altLang="en-US"/>
           </a:p>
@@ -3528,7 +3528,7 @@
   <p:timing>
     <p:tnLst>
       <p:par>
-        <p:cTn id="1" dur="indefinite" restart="never" nodeType="tmRoot"/>
+        <p:cTn xmlns:p14="http://schemas.microsoft.com/office/powerpoint/2010/main" id="1" dur="indefinite" restart="never" nodeType="tmRoot"/>
       </p:par>
     </p:tnLst>
   </p:timing>
@@ -3761,7 +3761,7 @@
   <p:timing>
     <p:tnLst>
       <p:par>
-        <p:cTn id="1" dur="indefinite" restart="never" nodeType="tmRoot"/>
+        <p:cTn xmlns:p14="http://schemas.microsoft.com/office/powerpoint/2010/main" id="1" dur="indefinite" restart="never" nodeType="tmRoot"/>
       </p:par>
     </p:tnLst>
   </p:timing>
@@ -3881,7 +3881,7 @@
   <p:timing>
     <p:tnLst>
       <p:par>
-        <p:cTn id="1" dur="indefinite" restart="never" nodeType="tmRoot"/>
+        <p:cTn xmlns:p14="http://schemas.microsoft.com/office/powerpoint/2010/main" id="1" dur="indefinite" restart="never" nodeType="tmRoot"/>
       </p:par>
     </p:tnLst>
   </p:timing>
@@ -4089,17 +4089,7 @@
                   <a:latin typeface="-윤고딕330" pitchFamily="18" charset="-127"/>
                   <a:ea typeface="-윤고딕330" pitchFamily="18" charset="-127"/>
                 </a:rPr>
-                <a:t>R</a:t>
-              </a:r>
-              <a:r>
-                <a:rPr lang="en-US" altLang="zh-CN" sz="3200" dirty="0" smtClean="0">
-                  <a:solidFill>
-                    <a:srgbClr val="7CA7C5"/>
-                  </a:solidFill>
-                  <a:latin typeface="-윤고딕330" pitchFamily="18" charset="-127"/>
-                  <a:ea typeface="-윤고딕330" pitchFamily="18" charset="-127"/>
-                </a:rPr>
-                <a:t>eact </a:t>
+                <a:t>React </a:t>
               </a:r>
               <a:r>
                 <a:rPr lang="zh-CN" altLang="en-US" sz="3200" dirty="0" smtClean="0">
@@ -4527,7 +4517,7 @@
   <p:timing>
     <p:tnLst>
       <p:par>
-        <p:cTn id="1" dur="indefinite" restart="never" nodeType="tmRoot"/>
+        <p:cTn xmlns:p14="http://schemas.microsoft.com/office/powerpoint/2010/main" id="1" dur="indefinite" restart="never" nodeType="tmRoot"/>
       </p:par>
     </p:tnLst>
   </p:timing>
@@ -5021,7 +5011,7 @@
   <p:timing>
     <p:tnLst>
       <p:par>
-        <p:cTn id="1" dur="indefinite" restart="never" nodeType="tmRoot"/>
+        <p:cTn xmlns:p14="http://schemas.microsoft.com/office/powerpoint/2010/main" id="1" dur="indefinite" restart="never" nodeType="tmRoot"/>
       </p:par>
     </p:tnLst>
   </p:timing>
@@ -5360,7 +5350,7 @@
   <p:timing>
     <p:tnLst>
       <p:par>
-        <p:cTn id="1" dur="indefinite" restart="never" nodeType="tmRoot"/>
+        <p:cTn xmlns:p14="http://schemas.microsoft.com/office/powerpoint/2010/main" id="1" dur="indefinite" restart="never" nodeType="tmRoot"/>
       </p:par>
     </p:tnLst>
   </p:timing>
@@ -5533,15 +5523,7 @@
                   <a:srgbClr val="002060"/>
                 </a:solidFill>
               </a:rPr>
-              <a:t>声明式</a:t>
-            </a:r>
-            <a:r>
-              <a:rPr lang="zh-CN" altLang="en-US" sz="2400" dirty="0">
-                <a:solidFill>
-                  <a:srgbClr val="002060"/>
-                </a:solidFill>
-              </a:rPr>
-              <a:t>设计</a:t>
+              <a:t>声明式设计</a:t>
             </a:r>
             <a:endParaRPr lang="en-US" altLang="zh-CN" sz="2400" dirty="0">
               <a:solidFill>
@@ -5630,7 +5612,7 @@
   <p:timing>
     <p:tnLst>
       <p:par>
-        <p:cTn id="1" dur="indefinite" restart="never" nodeType="tmRoot"/>
+        <p:cTn xmlns:p14="http://schemas.microsoft.com/office/powerpoint/2010/main" id="1" dur="indefinite" restart="never" nodeType="tmRoot"/>
       </p:par>
     </p:tnLst>
   </p:timing>
@@ -6078,7 +6060,7 @@
   <p:timing>
     <p:tnLst>
       <p:par>
-        <p:cTn id="1" dur="indefinite" restart="never" nodeType="tmRoot"/>
+        <p:cTn xmlns:p14="http://schemas.microsoft.com/office/powerpoint/2010/main" id="1" dur="indefinite" restart="never" nodeType="tmRoot"/>
       </p:par>
     </p:tnLst>
   </p:timing>
@@ -6487,7 +6469,7 @@
   <p:timing>
     <p:tnLst>
       <p:par>
-        <p:cTn id="1" dur="indefinite" restart="never" nodeType="tmRoot"/>
+        <p:cTn xmlns:p14="http://schemas.microsoft.com/office/powerpoint/2010/main" id="1" dur="indefinite" restart="never" nodeType="tmRoot"/>
       </p:par>
     </p:tnLst>
   </p:timing>
@@ -6666,7 +6648,7 @@
           </a:prstGeom>
           <a:noFill/>
           <a:extLst>
-            <a:ext uri="{909E8E84-426E-40DD-AFC4-6F175D3DCCD1}">
+            <a:ext uri="{909E8E84-426E-40dd-AFC4-6F175D3DCCD1}">
               <a14:hiddenFill xmlns:a14="http://schemas.microsoft.com/office/drawing/2010/main">
                 <a:solidFill>
                   <a:srgbClr val="FFFFFF"/>
@@ -6722,11 +6704,6 @@
               </a:rPr>
               <a:t>节点</a:t>
             </a:r>
-            <a:endParaRPr lang="zh-CN" altLang="en-US" dirty="0">
-              <a:solidFill>
-                <a:srgbClr val="002060"/>
-              </a:solidFill>
-            </a:endParaRPr>
           </a:p>
         </p:txBody>
       </p:sp>
@@ -6739,7 +6716,7 @@
         <p:spPr>
           <a:xfrm>
             <a:off x="532886" y="5187860"/>
-            <a:ext cx="9035550" cy="369332"/>
+            <a:ext cx="7203978" cy="646331"/>
           </a:xfrm>
           <a:prstGeom prst="rect">
             <a:avLst/>
@@ -6782,7 +6759,49 @@
                   <a:srgbClr val="002060"/>
                 </a:solidFill>
               </a:rPr>
-              <a:t>节点和状态的关联，由框架进行更新。</a:t>
+              <a:t>节点和状态的关联</a:t>
+            </a:r>
+            <a:r>
+              <a:rPr lang="zh-CN" altLang="en-US" dirty="0" smtClean="0">
+                <a:solidFill>
+                  <a:srgbClr val="002060"/>
+                </a:solidFill>
+              </a:rPr>
+              <a:t>，</a:t>
+            </a:r>
+          </a:p>
+          <a:p>
+            <a:r>
+              <a:rPr lang="zh-CN" altLang="en-US" dirty="0" smtClean="0">
+                <a:solidFill>
+                  <a:srgbClr val="002060"/>
+                </a:solidFill>
+              </a:rPr>
+              <a:t>	</a:t>
+            </a:r>
+            <a:r>
+              <a:rPr lang="en-US" altLang="zh-CN" smtClean="0">
+                <a:solidFill>
+                  <a:srgbClr val="002060"/>
+                </a:solidFill>
+              </a:rPr>
+              <a:t>               </a:t>
+            </a:r>
+            <a:r>
+              <a:rPr lang="zh-CN" altLang="en-US" smtClean="0">
+                <a:solidFill>
+                  <a:srgbClr val="002060"/>
+                </a:solidFill>
+              </a:rPr>
+              <a:t>由框架进</a:t>
+            </a:r>
+            <a:r>
+              <a:rPr lang="zh-CN" altLang="en-US" dirty="0" smtClean="0">
+                <a:solidFill>
+                  <a:srgbClr val="002060"/>
+                </a:solidFill>
+              </a:rPr>
+              <a:t>行更新。</a:t>
             </a:r>
             <a:endParaRPr lang="zh-CN" altLang="en-US" dirty="0">
               <a:solidFill>
@@ -6800,7 +6819,7 @@
         </p:nvSpPr>
         <p:spPr>
           <a:xfrm>
-            <a:off x="532886" y="5650576"/>
+            <a:off x="539552" y="5877272"/>
             <a:ext cx="5014706" cy="369332"/>
           </a:xfrm>
           <a:prstGeom prst="rect">
@@ -6846,11 +6865,6 @@
               </a:rPr>
               <a:t>树</a:t>
             </a:r>
-            <a:endParaRPr lang="zh-CN" altLang="en-US" dirty="0">
-              <a:solidFill>
-                <a:srgbClr val="002060"/>
-              </a:solidFill>
-            </a:endParaRPr>
           </a:p>
         </p:txBody>
       </p:sp>
@@ -6867,7 +6881,7 @@
   <p:timing>
     <p:tnLst>
       <p:par>
-        <p:cTn id="1" dur="indefinite" restart="never" nodeType="tmRoot">
+        <p:cTn xmlns:p14="http://schemas.microsoft.com/office/powerpoint/2010/main" id="1" dur="indefinite" restart="never" nodeType="tmRoot">
           <p:childTnLst>
             <p:seq concurrent="1" nextAc="seek">
               <p:cTn id="2" dur="indefinite" nodeType="mainSeq">
@@ -7437,7 +7451,7 @@
   <p:timing>
     <p:tnLst>
       <p:par>
-        <p:cTn id="1" dur="indefinite" restart="never" nodeType="tmRoot">
+        <p:cTn xmlns:p14="http://schemas.microsoft.com/office/powerpoint/2010/main" id="1" dur="indefinite" restart="never" nodeType="tmRoot">
           <p:childTnLst>
             <p:seq concurrent="1" nextAc="seek">
               <p:cTn id="2" dur="indefinite" nodeType="mainSeq">
@@ -7654,7 +7668,7 @@
     </a:clrScheme>
     <a:fontScheme name="Office 主题​​">
       <a:majorFont>
-        <a:latin typeface="Calibri Light" panose="020F0302020204030204"/>
+        <a:latin typeface="Calibri Light"/>
         <a:ea typeface=""/>
         <a:cs typeface=""/>
         <a:font script="Jpan" typeface="游ゴシック Light"/>
@@ -7689,7 +7703,7 @@
         <a:font script="Geor" typeface="Sylfaen"/>
       </a:majorFont>
       <a:minorFont>
-        <a:latin typeface="Calibri" panose="020F0502020204030204"/>
+        <a:latin typeface="Calibri"/>
         <a:ea typeface=""/>
         <a:cs typeface=""/>
         <a:font script="Jpan" typeface="游ゴシック"/>
@@ -7866,7 +7880,7 @@
   <a:extraClrSchemeLst/>
   <a:extLst>
     <a:ext uri="{05A4C25C-085E-4340-85A3-A5531E510DB2}">
-      <thm15:themeFamily xmlns:thm15="http://schemas.microsoft.com/office/thememl/2012/main" name="Office Theme" id="{62F939B6-93AF-4DB8-9C6B-D6C7DFDC589F}" vid="{4A3C46E8-61CC-4603-A589-7422A47A8E4A}"/>
+      <thm15:themeFamily xmlns:thm15="http://schemas.microsoft.com/office/thememl/2012/main" xmlns="" name="Office Theme" id="{62F939B6-93AF-4DB8-9C6B-D6C7DFDC589F}" vid="{4A3C46E8-61CC-4603-A589-7422A47A8E4A}"/>
     </a:ext>
   </a:extLst>
 </a:theme>
@@ -7915,7 +7929,7 @@
     </a:clrScheme>
     <a:fontScheme name="Office">
       <a:majorFont>
-        <a:latin typeface="等线 Light" panose="020F0302020204030204"/>
+        <a:latin typeface="等线 Light"/>
         <a:ea typeface=""/>
         <a:cs typeface=""/>
         <a:font script="Jpan" typeface="游ゴシック Light"/>
@@ -7950,7 +7964,7 @@
         <a:font script="Geor" typeface="Sylfaen"/>
       </a:majorFont>
       <a:minorFont>
-        <a:latin typeface="等线" panose="020F0502020204030204"/>
+        <a:latin typeface="等线"/>
         <a:ea typeface=""/>
         <a:cs typeface=""/>
         <a:font script="Jpan" typeface="游ゴシック"/>
@@ -8127,7 +8141,7 @@
   <a:extraClrSchemeLst/>
   <a:extLst>
     <a:ext uri="{05A4C25C-085E-4340-85A3-A5531E510DB2}">
-      <thm15:themeFamily xmlns:thm15="http://schemas.microsoft.com/office/thememl/2012/main" name="Office Theme" id="{62F939B6-93AF-4DB8-9C6B-D6C7DFDC589F}" vid="{4A3C46E8-61CC-4603-A589-7422A47A8E4A}"/>
+      <thm15:themeFamily xmlns:thm15="http://schemas.microsoft.com/office/thememl/2012/main" xmlns="" name="Office Theme" id="{62F939B6-93AF-4DB8-9C6B-D6C7DFDC589F}" vid="{4A3C46E8-61CC-4603-A589-7422A47A8E4A}"/>
     </a:ext>
   </a:extLst>
 </a:theme>

--- a/new_doc/react share.pptx
+++ b/new_doc/react share.pptx
@@ -5,7 +5,7 @@
     <p:sldMasterId id="2147483684" r:id="rId1"/>
   </p:sldMasterIdLst>
   <p:notesMasterIdLst>
-    <p:notesMasterId r:id="rId13"/>
+    <p:notesMasterId r:id="rId20"/>
   </p:notesMasterIdLst>
   <p:sldIdLst>
     <p:sldId id="256" r:id="rId2"/>
@@ -18,7 +18,14 @@
     <p:sldId id="268" r:id="rId9"/>
     <p:sldId id="269" r:id="rId10"/>
     <p:sldId id="270" r:id="rId11"/>
-    <p:sldId id="258" r:id="rId12"/>
+    <p:sldId id="277" r:id="rId12"/>
+    <p:sldId id="274" r:id="rId13"/>
+    <p:sldId id="271" r:id="rId14"/>
+    <p:sldId id="279" r:id="rId15"/>
+    <p:sldId id="280" r:id="rId16"/>
+    <p:sldId id="281" r:id="rId17"/>
+    <p:sldId id="282" r:id="rId18"/>
+    <p:sldId id="258" r:id="rId19"/>
   </p:sldIdLst>
   <p:sldSz cx="9144000" cy="6858000" type="screen4x3"/>
   <p:notesSz cx="6858000" cy="9144000"/>
@@ -119,7 +126,7 @@
   </p:defaultTextStyle>
   <p:extLst>
     <p:ext uri="{EFAFB233-063F-42B5-8137-9DF3F51BA10A}">
-      <p15:sldGuideLst xmlns:p15="http://schemas.microsoft.com/office/powerpoint/2012/main" xmlns="">
+      <p15:sldGuideLst xmlns:p15="http://schemas.microsoft.com/office/powerpoint/2012/main">
         <p15:guide id="1" orient="horz" pos="2160">
           <p15:clr>
             <a:srgbClr val="A4A3A4"/>
@@ -134,6 +141,18 @@
     </p:ext>
   </p:extLst>
 </p:presentation>
+</file>
+
+<file path=ppt/commentAuthors.xml><?xml version="1.0" encoding="utf-8"?>
+<p:cmAuthorLst xmlns:a="http://schemas.openxmlformats.org/drawingml/2006/main" xmlns:r="http://schemas.openxmlformats.org/officeDocument/2006/relationships" xmlns:p="http://schemas.openxmlformats.org/presentationml/2006/main">
+  <p:cmAuthor id="1" name="梅昕麟" initials="梅昕麟" lastIdx="1" clrIdx="0">
+    <p:extLst>
+      <p:ext uri="{19B8F6BF-5375-455C-9EA6-DF929625EA0E}">
+        <p15:presenceInfo xmlns:p15="http://schemas.microsoft.com/office/powerpoint/2012/main" userId="0e7d0087d61d702b" providerId="Windows Live"/>
+      </p:ext>
+    </p:extLst>
+  </p:cmAuthor>
+</p:cmAuthorLst>
 </file>
 
 <file path=ppt/notesMasters/notesMaster1.xml><?xml version="1.0" encoding="utf-8"?>
@@ -218,7 +237,7 @@
           <a:p>
             <a:fld id="{C58C5117-CE6E-4671-B14E-C9D5B5857C24}" type="datetimeFigureOut">
               <a:rPr lang="zh-CN" altLang="en-US" smtClean="0"/>
-              <a:t>24/04/17</a:t>
+              <a:t>2017-04-24</a:t>
             </a:fld>
             <a:endParaRPr lang="zh-CN" altLang="en-US"/>
           </a:p>
@@ -617,7 +636,7 @@
           <a:p>
             <a:fld id="{962D594F-007C-4B14-9EDA-6CA324581E67}" type="datetimeFigureOut">
               <a:rPr lang="ko-KR" altLang="en-US" smtClean="0"/>
-              <a:t>24/04/17</a:t>
+              <a:t>2017-04-24</a:t>
             </a:fld>
             <a:endParaRPr lang="ko-KR" altLang="en-US"/>
           </a:p>
@@ -787,7 +806,7 @@
           <a:p>
             <a:fld id="{962D594F-007C-4B14-9EDA-6CA324581E67}" type="datetimeFigureOut">
               <a:rPr lang="ko-KR" altLang="en-US" smtClean="0"/>
-              <a:t>24/04/17</a:t>
+              <a:t>2017-04-24</a:t>
             </a:fld>
             <a:endParaRPr lang="ko-KR" altLang="en-US"/>
           </a:p>
@@ -967,7 +986,7 @@
           <a:p>
             <a:fld id="{962D594F-007C-4B14-9EDA-6CA324581E67}" type="datetimeFigureOut">
               <a:rPr lang="ko-KR" altLang="en-US" smtClean="0"/>
-              <a:t>24/04/17</a:t>
+              <a:t>2017-04-24</a:t>
             </a:fld>
             <a:endParaRPr lang="ko-KR" altLang="en-US"/>
           </a:p>
@@ -1137,7 +1156,7 @@
           <a:p>
             <a:fld id="{962D594F-007C-4B14-9EDA-6CA324581E67}" type="datetimeFigureOut">
               <a:rPr lang="ko-KR" altLang="en-US" smtClean="0"/>
-              <a:t>24/04/17</a:t>
+              <a:t>2017-04-24</a:t>
             </a:fld>
             <a:endParaRPr lang="ko-KR" altLang="en-US"/>
           </a:p>
@@ -1381,7 +1400,7 @@
           <a:p>
             <a:fld id="{962D594F-007C-4B14-9EDA-6CA324581E67}" type="datetimeFigureOut">
               <a:rPr lang="ko-KR" altLang="en-US" smtClean="0"/>
-              <a:t>24/04/17</a:t>
+              <a:t>2017-04-24</a:t>
             </a:fld>
             <a:endParaRPr lang="ko-KR" altLang="en-US"/>
           </a:p>
@@ -1613,7 +1632,7 @@
           <a:p>
             <a:fld id="{962D594F-007C-4B14-9EDA-6CA324581E67}" type="datetimeFigureOut">
               <a:rPr lang="ko-KR" altLang="en-US" smtClean="0"/>
-              <a:t>24/04/17</a:t>
+              <a:t>2017-04-24</a:t>
             </a:fld>
             <a:endParaRPr lang="ko-KR" altLang="en-US"/>
           </a:p>
@@ -1980,7 +1999,7 @@
           <a:p>
             <a:fld id="{962D594F-007C-4B14-9EDA-6CA324581E67}" type="datetimeFigureOut">
               <a:rPr lang="ko-KR" altLang="en-US" smtClean="0"/>
-              <a:t>24/04/17</a:t>
+              <a:t>2017-04-24</a:t>
             </a:fld>
             <a:endParaRPr lang="ko-KR" altLang="en-US"/>
           </a:p>
@@ -2098,7 +2117,7 @@
           <a:p>
             <a:fld id="{962D594F-007C-4B14-9EDA-6CA324581E67}" type="datetimeFigureOut">
               <a:rPr lang="ko-KR" altLang="en-US" smtClean="0"/>
-              <a:t>24/04/17</a:t>
+              <a:t>2017-04-24</a:t>
             </a:fld>
             <a:endParaRPr lang="ko-KR" altLang="en-US"/>
           </a:p>
@@ -2193,7 +2212,7 @@
           <a:p>
             <a:fld id="{962D594F-007C-4B14-9EDA-6CA324581E67}" type="datetimeFigureOut">
               <a:rPr lang="ko-KR" altLang="en-US" smtClean="0"/>
-              <a:t>24/04/17</a:t>
+              <a:t>2017-04-24</a:t>
             </a:fld>
             <a:endParaRPr lang="ko-KR" altLang="en-US"/>
           </a:p>
@@ -2470,7 +2489,7 @@
           <a:p>
             <a:fld id="{962D594F-007C-4B14-9EDA-6CA324581E67}" type="datetimeFigureOut">
               <a:rPr lang="ko-KR" altLang="en-US" smtClean="0"/>
-              <a:t>24/04/17</a:t>
+              <a:t>2017-04-24</a:t>
             </a:fld>
             <a:endParaRPr lang="ko-KR" altLang="en-US"/>
           </a:p>
@@ -2727,7 +2746,7 @@
           <a:p>
             <a:fld id="{962D594F-007C-4B14-9EDA-6CA324581E67}" type="datetimeFigureOut">
               <a:rPr lang="ko-KR" altLang="en-US" smtClean="0"/>
-              <a:t>24/04/17</a:t>
+              <a:t>2017-04-24</a:t>
             </a:fld>
             <a:endParaRPr lang="ko-KR" altLang="en-US"/>
           </a:p>
@@ -2940,7 +2959,7 @@
           <a:p>
             <a:fld id="{962D594F-007C-4B14-9EDA-6CA324581E67}" type="datetimeFigureOut">
               <a:rPr lang="ko-KR" altLang="en-US" smtClean="0"/>
-              <a:t>24/04/17</a:t>
+              <a:t>2017-04-24</a:t>
             </a:fld>
             <a:endParaRPr lang="ko-KR" altLang="en-US"/>
           </a:p>
@@ -3528,7 +3547,7 @@
   <p:timing>
     <p:tnLst>
       <p:par>
-        <p:cTn xmlns:p14="http://schemas.microsoft.com/office/powerpoint/2010/main" id="1" dur="indefinite" restart="never" nodeType="tmRoot"/>
+        <p:cTn id="1" dur="indefinite" restart="never" nodeType="tmRoot"/>
       </p:par>
     </p:tnLst>
   </p:timing>
@@ -3694,8 +3713,8 @@
         </p:nvSpPr>
         <p:spPr>
           <a:xfrm>
-            <a:off x="1259632" y="1700808"/>
-            <a:ext cx="7272808" cy="1215717"/>
+            <a:off x="1043608" y="1628800"/>
+            <a:ext cx="7272808" cy="1969770"/>
           </a:xfrm>
           <a:prstGeom prst="rect">
             <a:avLst/>
@@ -3716,13 +3735,18 @@
               <a:buAutoNum type="arabicPeriod"/>
             </a:pPr>
             <a:r>
-              <a:rPr lang="en-US" altLang="zh-CN" sz="2400" dirty="0" smtClean="0">
-                <a:solidFill>
-                  <a:srgbClr val="002060"/>
-                </a:solidFill>
-              </a:rPr>
-              <a:t>]</a:t>
-            </a:r>
+              <a:rPr lang="zh-CN" altLang="en-US" sz="2400" dirty="0" smtClean="0">
+                <a:solidFill>
+                  <a:srgbClr val="002060"/>
+                </a:solidFill>
+              </a:rPr>
+              <a:t>简化开发复杂度</a:t>
+            </a:r>
+            <a:endParaRPr lang="en-US" altLang="zh-CN" sz="2400" dirty="0" smtClean="0">
+              <a:solidFill>
+                <a:srgbClr val="002060"/>
+              </a:solidFill>
+            </a:endParaRPr>
           </a:p>
           <a:p>
             <a:pPr marL="342900" indent="-342900">
@@ -3738,9 +3762,55 @@
                   <a:srgbClr val="002060"/>
                 </a:solidFill>
               </a:rPr>
-              <a:t>跨平台</a:t>
+              <a:t>跨</a:t>
+            </a:r>
+            <a:r>
+              <a:rPr lang="zh-CN" altLang="en-US" sz="2400" dirty="0" smtClean="0">
+                <a:solidFill>
+                  <a:srgbClr val="002060"/>
+                </a:solidFill>
+              </a:rPr>
+              <a:t>平台</a:t>
             </a:r>
             <a:endParaRPr lang="en-US" altLang="zh-CN" sz="2400" dirty="0" smtClean="0">
+              <a:solidFill>
+                <a:srgbClr val="002060"/>
+              </a:solidFill>
+            </a:endParaRPr>
+          </a:p>
+          <a:p>
+            <a:pPr marL="342900" indent="-342900">
+              <a:spcAft>
+                <a:spcPts val="3000"/>
+              </a:spcAft>
+              <a:buFontTx/>
+              <a:buAutoNum type="arabicPeriod"/>
+            </a:pPr>
+            <a:r>
+              <a:rPr lang="zh-CN" altLang="en-US" sz="2400" dirty="0">
+                <a:solidFill>
+                  <a:srgbClr val="002060"/>
+                </a:solidFill>
+              </a:rPr>
+              <a:t>没有任何框架可以比纯手动的优化 </a:t>
+            </a:r>
+            <a:r>
+              <a:rPr lang="en-US" altLang="zh-CN" sz="2400" dirty="0">
+                <a:solidFill>
+                  <a:srgbClr val="002060"/>
+                </a:solidFill>
+              </a:rPr>
+              <a:t>DOM </a:t>
+            </a:r>
+            <a:r>
+              <a:rPr lang="zh-CN" altLang="en-US" sz="2400" dirty="0">
+                <a:solidFill>
+                  <a:srgbClr val="002060"/>
+                </a:solidFill>
+              </a:rPr>
+              <a:t>操作更快</a:t>
+            </a:r>
+            <a:endParaRPr lang="en-US" altLang="zh-CN" sz="2400" dirty="0">
               <a:solidFill>
                 <a:srgbClr val="002060"/>
               </a:solidFill>
@@ -3761,7 +3831,7 @@
   <p:timing>
     <p:tnLst>
       <p:par>
-        <p:cTn xmlns:p14="http://schemas.microsoft.com/office/powerpoint/2010/main" id="1" dur="indefinite" restart="never" nodeType="tmRoot"/>
+        <p:cTn id="1" dur="indefinite" restart="never" nodeType="tmRoot"/>
       </p:par>
     </p:tnLst>
   </p:timing>
@@ -3769,6 +3839,2079 @@
 </file>
 
 <file path=ppt/slides/slide11.xml><?xml version="1.0" encoding="utf-8"?>
+<p:sld xmlns:a="http://schemas.openxmlformats.org/drawingml/2006/main" xmlns:r="http://schemas.openxmlformats.org/officeDocument/2006/relationships" xmlns:p="http://schemas.openxmlformats.org/presentationml/2006/main">
+  <p:cSld>
+    <p:spTree>
+      <p:nvGrpSpPr>
+        <p:cNvPr id="1" name=""/>
+        <p:cNvGrpSpPr/>
+        <p:nvPr/>
+      </p:nvGrpSpPr>
+      <p:grpSpPr>
+        <a:xfrm>
+          <a:off x="0" y="0"/>
+          <a:ext cx="0" cy="0"/>
+          <a:chOff x="0" y="0"/>
+          <a:chExt cx="0" cy="0"/>
+        </a:xfrm>
+      </p:grpSpPr>
+      <p:pic>
+        <p:nvPicPr>
+          <p:cNvPr id="1026" name="Picture 2" descr="https://github.com/fouber/blog/raw/master/201508/assets/modular-component.png"/>
+          <p:cNvPicPr>
+            <a:picLocks noChangeAspect="1" noChangeArrowheads="1"/>
+          </p:cNvPicPr>
+          <p:nvPr/>
+        </p:nvPicPr>
+        <p:blipFill>
+          <a:blip r:embed="rId2">
+            <a:extLst>
+              <a:ext uri="{28A0092B-C50C-407E-A947-70E740481C1C}">
+                <a14:useLocalDpi xmlns:a14="http://schemas.microsoft.com/office/drawing/2010/main" val="0"/>
+              </a:ext>
+            </a:extLst>
+          </a:blip>
+          <a:srcRect/>
+          <a:stretch>
+            <a:fillRect/>
+          </a:stretch>
+        </p:blipFill>
+        <p:spPr bwMode="auto">
+          <a:xfrm>
+            <a:off x="3215022" y="1988840"/>
+            <a:ext cx="4705350" cy="3648076"/>
+          </a:xfrm>
+          <a:prstGeom prst="rect">
+            <a:avLst/>
+          </a:prstGeom>
+          <a:noFill/>
+          <a:extLst>
+            <a:ext uri="{909E8E84-426E-40DD-AFC4-6F175D3DCCD1}">
+              <a14:hiddenFill xmlns:a14="http://schemas.microsoft.com/office/drawing/2010/main">
+                <a:solidFill>
+                  <a:srgbClr val="FFFFFF"/>
+                </a:solidFill>
+              </a14:hiddenFill>
+            </a:ext>
+          </a:extLst>
+        </p:spPr>
+      </p:pic>
+      <p:sp>
+        <p:nvSpPr>
+          <p:cNvPr id="5" name="TextBox 4"/>
+          <p:cNvSpPr txBox="1"/>
+          <p:nvPr/>
+        </p:nvSpPr>
+        <p:spPr>
+          <a:xfrm>
+            <a:off x="539552" y="789488"/>
+            <a:ext cx="7200800" cy="1569660"/>
+          </a:xfrm>
+          <a:prstGeom prst="rect">
+            <a:avLst/>
+          </a:prstGeom>
+          <a:noFill/>
+          <a:ln>
+            <a:solidFill>
+              <a:schemeClr val="accent1">
+                <a:alpha val="0"/>
+              </a:schemeClr>
+            </a:solidFill>
+          </a:ln>
+        </p:spPr>
+        <p:txBody>
+          <a:bodyPr wrap="square" rtlCol="0">
+            <a:spAutoFit/>
+          </a:bodyPr>
+          <a:lstStyle/>
+          <a:p>
+            <a:r>
+              <a:rPr lang="en-US" altLang="zh-CN" sz="4800" dirty="0" smtClean="0">
+                <a:solidFill>
+                  <a:srgbClr val="002060"/>
+                </a:solidFill>
+                <a:latin typeface="-윤고딕330" pitchFamily="18" charset="-127"/>
+                <a:ea typeface="-윤고딕330" pitchFamily="18" charset="-127"/>
+              </a:rPr>
+              <a:t>2.2</a:t>
+            </a:r>
+            <a:r>
+              <a:rPr lang="en-US" altLang="ko-KR" sz="4800" dirty="0" smtClean="0">
+                <a:solidFill>
+                  <a:srgbClr val="002060"/>
+                </a:solidFill>
+                <a:latin typeface="-윤고딕330" pitchFamily="18" charset="-127"/>
+                <a:ea typeface="-윤고딕330" pitchFamily="18" charset="-127"/>
+              </a:rPr>
+              <a:t> </a:t>
+            </a:r>
+            <a:r>
+              <a:rPr lang="en-US" altLang="zh-CN" sz="4800" dirty="0" smtClean="0">
+                <a:solidFill>
+                  <a:srgbClr val="7CA7C5"/>
+                </a:solidFill>
+                <a:latin typeface="-윤고딕330" pitchFamily="18" charset="-127"/>
+                <a:ea typeface="-윤고딕330" pitchFamily="18" charset="-127"/>
+              </a:rPr>
+              <a:t>React </a:t>
+            </a:r>
+            <a:r>
+              <a:rPr lang="zh-CN" altLang="en-US" sz="4800" dirty="0" smtClean="0">
+                <a:solidFill>
+                  <a:srgbClr val="7CA7C5"/>
+                </a:solidFill>
+                <a:latin typeface="-윤고딕330" pitchFamily="18" charset="-127"/>
+                <a:ea typeface="-윤고딕330" pitchFamily="18" charset="-127"/>
+              </a:rPr>
+              <a:t>组件化开发</a:t>
+            </a:r>
+            <a:endParaRPr lang="ko-KR" altLang="en-US" sz="4800" dirty="0" smtClean="0">
+              <a:solidFill>
+                <a:srgbClr val="7CA7C5"/>
+              </a:solidFill>
+              <a:latin typeface="-윤고딕330" pitchFamily="18" charset="-127"/>
+              <a:ea typeface="-윤고딕330" pitchFamily="18" charset="-127"/>
+            </a:endParaRPr>
+          </a:p>
+          <a:p>
+            <a:endParaRPr lang="ko-KR" altLang="en-US" sz="4800" dirty="0">
+              <a:ln>
+                <a:solidFill>
+                  <a:schemeClr val="bg1">
+                    <a:alpha val="0"/>
+                  </a:schemeClr>
+                </a:solidFill>
+              </a:ln>
+              <a:solidFill>
+                <a:srgbClr val="7CA7C5"/>
+              </a:solidFill>
+              <a:latin typeface="-윤고딕330" pitchFamily="18" charset="-127"/>
+              <a:ea typeface="-윤고딕330" pitchFamily="18" charset="-127"/>
+            </a:endParaRPr>
+          </a:p>
+        </p:txBody>
+      </p:sp>
+      <p:sp>
+        <p:nvSpPr>
+          <p:cNvPr id="7" name="文本框 6"/>
+          <p:cNvSpPr txBox="1"/>
+          <p:nvPr/>
+        </p:nvSpPr>
+        <p:spPr>
+          <a:xfrm>
+            <a:off x="1259632" y="2196588"/>
+            <a:ext cx="7272808" cy="2723823"/>
+          </a:xfrm>
+          <a:prstGeom prst="rect">
+            <a:avLst/>
+          </a:prstGeom>
+          <a:noFill/>
+        </p:spPr>
+        <p:txBody>
+          <a:bodyPr wrap="square" rtlCol="0">
+            <a:spAutoFit/>
+          </a:bodyPr>
+          <a:lstStyle/>
+          <a:p>
+            <a:pPr marL="342900" indent="-342900">
+              <a:spcAft>
+                <a:spcPts val="3000"/>
+              </a:spcAft>
+              <a:buFontTx/>
+              <a:buAutoNum type="arabicPeriod"/>
+            </a:pPr>
+            <a:r>
+              <a:rPr lang="zh-CN" altLang="en-US" sz="2400" dirty="0">
+                <a:solidFill>
+                  <a:srgbClr val="002060"/>
+                </a:solidFill>
+              </a:rPr>
+              <a:t>可组合</a:t>
+            </a:r>
+            <a:endParaRPr lang="en-US" altLang="zh-CN" sz="2400" dirty="0" smtClean="0">
+              <a:solidFill>
+                <a:srgbClr val="002060"/>
+              </a:solidFill>
+            </a:endParaRPr>
+          </a:p>
+          <a:p>
+            <a:pPr marL="342900" indent="-342900">
+              <a:spcAft>
+                <a:spcPts val="3000"/>
+              </a:spcAft>
+              <a:buFontTx/>
+              <a:buAutoNum type="arabicPeriod"/>
+            </a:pPr>
+            <a:r>
+              <a:rPr lang="zh-CN" altLang="en-US" sz="2400" dirty="0">
+                <a:solidFill>
+                  <a:srgbClr val="002060"/>
+                </a:solidFill>
+              </a:rPr>
+              <a:t>可重用</a:t>
+            </a:r>
+            <a:endParaRPr lang="en-US" altLang="zh-CN" sz="2400" dirty="0" smtClean="0">
+              <a:solidFill>
+                <a:srgbClr val="002060"/>
+              </a:solidFill>
+            </a:endParaRPr>
+          </a:p>
+          <a:p>
+            <a:pPr marL="342900" indent="-342900">
+              <a:spcAft>
+                <a:spcPts val="3000"/>
+              </a:spcAft>
+              <a:buFontTx/>
+              <a:buAutoNum type="arabicPeriod"/>
+            </a:pPr>
+            <a:r>
+              <a:rPr lang="zh-CN" altLang="en-US" sz="2400" dirty="0">
+                <a:solidFill>
+                  <a:srgbClr val="002060"/>
+                </a:solidFill>
+              </a:rPr>
+              <a:t>可</a:t>
+            </a:r>
+            <a:r>
+              <a:rPr lang="zh-CN" altLang="en-US" sz="2400" dirty="0" smtClean="0">
+                <a:solidFill>
+                  <a:srgbClr val="002060"/>
+                </a:solidFill>
+              </a:rPr>
+              <a:t>维护</a:t>
+            </a:r>
+            <a:endParaRPr lang="en-US" altLang="zh-CN" sz="2400" dirty="0" smtClean="0">
+              <a:solidFill>
+                <a:srgbClr val="002060"/>
+              </a:solidFill>
+            </a:endParaRPr>
+          </a:p>
+          <a:p>
+            <a:pPr marL="342900" indent="-342900">
+              <a:spcAft>
+                <a:spcPts val="3000"/>
+              </a:spcAft>
+              <a:buFontTx/>
+              <a:buAutoNum type="arabicPeriod"/>
+            </a:pPr>
+            <a:r>
+              <a:rPr lang="zh-CN" altLang="en-US" sz="2400" dirty="0">
+                <a:solidFill>
+                  <a:srgbClr val="002060"/>
+                </a:solidFill>
+              </a:rPr>
+              <a:t>可测试</a:t>
+            </a:r>
+            <a:endParaRPr lang="en-US" altLang="zh-CN" sz="2400" dirty="0">
+              <a:solidFill>
+                <a:srgbClr val="002060"/>
+              </a:solidFill>
+            </a:endParaRPr>
+          </a:p>
+        </p:txBody>
+      </p:sp>
+    </p:spTree>
+    <p:extLst>
+      <p:ext uri="{BB962C8B-B14F-4D97-AF65-F5344CB8AC3E}">
+        <p14:creationId xmlns:p14="http://schemas.microsoft.com/office/powerpoint/2010/main" val="2227615166"/>
+      </p:ext>
+    </p:extLst>
+  </p:cSld>
+  <p:clrMapOvr>
+    <a:masterClrMapping/>
+  </p:clrMapOvr>
+  <p:timing>
+    <p:tnLst>
+      <p:par>
+        <p:cTn id="1" dur="indefinite" restart="never" nodeType="tmRoot"/>
+      </p:par>
+    </p:tnLst>
+  </p:timing>
+</p:sld>
+</file>
+
+<file path=ppt/slides/slide12.xml><?xml version="1.0" encoding="utf-8"?>
+<p:sld xmlns:a="http://schemas.openxmlformats.org/drawingml/2006/main" xmlns:r="http://schemas.openxmlformats.org/officeDocument/2006/relationships" xmlns:p="http://schemas.openxmlformats.org/presentationml/2006/main">
+  <p:cSld>
+    <p:spTree>
+      <p:nvGrpSpPr>
+        <p:cNvPr id="1" name=""/>
+        <p:cNvGrpSpPr/>
+        <p:nvPr/>
+      </p:nvGrpSpPr>
+      <p:grpSpPr>
+        <a:xfrm>
+          <a:off x="0" y="0"/>
+          <a:ext cx="0" cy="0"/>
+          <a:chOff x="0" y="0"/>
+          <a:chExt cx="0" cy="0"/>
+        </a:xfrm>
+      </p:grpSpPr>
+      <p:grpSp>
+        <p:nvGrpSpPr>
+          <p:cNvPr id="6" name="그룹 5"/>
+          <p:cNvGrpSpPr/>
+          <p:nvPr/>
+        </p:nvGrpSpPr>
+        <p:grpSpPr>
+          <a:xfrm>
+            <a:off x="206896" y="216024"/>
+            <a:ext cx="5228442" cy="836712"/>
+            <a:chOff x="206896" y="216024"/>
+            <a:chExt cx="5228442" cy="836712"/>
+          </a:xfrm>
+        </p:grpSpPr>
+        <p:pic>
+          <p:nvPicPr>
+            <p:cNvPr id="2" name="그림 1"/>
+            <p:cNvPicPr>
+              <a:picLocks noChangeAspect="1"/>
+            </p:cNvPicPr>
+            <p:nvPr/>
+          </p:nvPicPr>
+          <p:blipFill>
+            <a:blip r:embed="rId2" cstate="print">
+              <a:extLst>
+                <a:ext uri="{28A0092B-C50C-407E-A947-70E740481C1C}">
+                  <a14:useLocalDpi xmlns:a14="http://schemas.microsoft.com/office/drawing/2010/main" val="0"/>
+                </a:ext>
+              </a:extLst>
+            </a:blip>
+            <a:stretch>
+              <a:fillRect/>
+            </a:stretch>
+          </p:blipFill>
+          <p:spPr>
+            <a:xfrm>
+              <a:off x="206896" y="216024"/>
+              <a:ext cx="836712" cy="836712"/>
+            </a:xfrm>
+            <a:prstGeom prst="rect">
+              <a:avLst/>
+            </a:prstGeom>
+          </p:spPr>
+        </p:pic>
+        <p:sp>
+          <p:nvSpPr>
+            <p:cNvPr id="3" name="TextBox 2"/>
+            <p:cNvSpPr txBox="1"/>
+            <p:nvPr/>
+          </p:nvSpPr>
+          <p:spPr>
+            <a:xfrm>
+              <a:off x="970842" y="370022"/>
+              <a:ext cx="4464496" cy="646331"/>
+            </a:xfrm>
+            <a:prstGeom prst="rect">
+              <a:avLst/>
+            </a:prstGeom>
+            <a:noFill/>
+            <a:ln>
+              <a:solidFill>
+                <a:schemeClr val="accent1">
+                  <a:alpha val="0"/>
+                </a:schemeClr>
+              </a:solidFill>
+            </a:ln>
+          </p:spPr>
+          <p:txBody>
+            <a:bodyPr wrap="square" rtlCol="0">
+              <a:spAutoFit/>
+            </a:bodyPr>
+            <a:lstStyle/>
+            <a:p>
+              <a:r>
+                <a:rPr lang="en-US" altLang="zh-CN" sz="3600" dirty="0" smtClean="0">
+                  <a:solidFill>
+                    <a:srgbClr val="002060"/>
+                  </a:solidFill>
+                  <a:latin typeface="-윤고딕330" pitchFamily="18" charset="-127"/>
+                  <a:ea typeface="-윤고딕330" pitchFamily="18" charset="-127"/>
+                </a:rPr>
+                <a:t>J</a:t>
+              </a:r>
+              <a:r>
+                <a:rPr lang="en-US" altLang="zh-CN" dirty="0" smtClean="0">
+                  <a:solidFill>
+                    <a:srgbClr val="7CA7C5"/>
+                  </a:solidFill>
+                  <a:latin typeface="-윤고딕330" pitchFamily="18" charset="-127"/>
+                  <a:ea typeface="-윤고딕330" pitchFamily="18" charset="-127"/>
+                </a:rPr>
+                <a:t>SX</a:t>
+              </a:r>
+              <a:endParaRPr lang="zh-CN" altLang="en-US" dirty="0">
+                <a:solidFill>
+                  <a:srgbClr val="7CA7C5"/>
+                </a:solidFill>
+                <a:latin typeface="-윤고딕330" pitchFamily="18" charset="-127"/>
+                <a:ea typeface="-윤고딕330" pitchFamily="18" charset="-127"/>
+              </a:endParaRPr>
+            </a:p>
+          </p:txBody>
+        </p:sp>
+      </p:grpSp>
+      <p:pic>
+        <p:nvPicPr>
+          <p:cNvPr id="4" name="图片 3"/>
+          <p:cNvPicPr>
+            <a:picLocks noChangeAspect="1"/>
+          </p:cNvPicPr>
+          <p:nvPr/>
+        </p:nvPicPr>
+        <p:blipFill>
+          <a:blip r:embed="rId3"/>
+          <a:stretch>
+            <a:fillRect/>
+          </a:stretch>
+        </p:blipFill>
+        <p:spPr>
+          <a:xfrm>
+            <a:off x="473669" y="1412776"/>
+            <a:ext cx="2736304" cy="1246151"/>
+          </a:xfrm>
+          <a:prstGeom prst="rect">
+            <a:avLst/>
+          </a:prstGeom>
+        </p:spPr>
+      </p:pic>
+      <p:pic>
+        <p:nvPicPr>
+          <p:cNvPr id="11" name="图片 10"/>
+          <p:cNvPicPr>
+            <a:picLocks noChangeAspect="1"/>
+          </p:cNvPicPr>
+          <p:nvPr/>
+        </p:nvPicPr>
+        <p:blipFill>
+          <a:blip r:embed="rId4"/>
+          <a:stretch>
+            <a:fillRect/>
+          </a:stretch>
+        </p:blipFill>
+        <p:spPr>
+          <a:xfrm>
+            <a:off x="473669" y="3160893"/>
+            <a:ext cx="3561905" cy="1352381"/>
+          </a:xfrm>
+          <a:prstGeom prst="rect">
+            <a:avLst/>
+          </a:prstGeom>
+        </p:spPr>
+      </p:pic>
+      <p:pic>
+        <p:nvPicPr>
+          <p:cNvPr id="12" name="图片 11"/>
+          <p:cNvPicPr>
+            <a:picLocks noChangeAspect="1"/>
+          </p:cNvPicPr>
+          <p:nvPr/>
+        </p:nvPicPr>
+        <p:blipFill>
+          <a:blip r:embed="rId5"/>
+          <a:stretch>
+            <a:fillRect/>
+          </a:stretch>
+        </p:blipFill>
+        <p:spPr>
+          <a:xfrm>
+            <a:off x="5438568" y="2084811"/>
+            <a:ext cx="2585462" cy="1752273"/>
+          </a:xfrm>
+          <a:prstGeom prst="rect">
+            <a:avLst/>
+          </a:prstGeom>
+        </p:spPr>
+      </p:pic>
+      <p:sp>
+        <p:nvSpPr>
+          <p:cNvPr id="13" name="等号 12"/>
+          <p:cNvSpPr/>
+          <p:nvPr/>
+        </p:nvSpPr>
+        <p:spPr>
+          <a:xfrm rot="5400000">
+            <a:off x="1661801" y="2733873"/>
+            <a:ext cx="360040" cy="288032"/>
+          </a:xfrm>
+          <a:prstGeom prst="mathEqual">
+            <a:avLst/>
+          </a:prstGeom>
+        </p:spPr>
+        <p:style>
+          <a:lnRef idx="2">
+            <a:schemeClr val="accent1">
+              <a:shade val="50000"/>
+            </a:schemeClr>
+          </a:lnRef>
+          <a:fillRef idx="1">
+            <a:schemeClr val="accent1"/>
+          </a:fillRef>
+          <a:effectRef idx="0">
+            <a:schemeClr val="accent1"/>
+          </a:effectRef>
+          <a:fontRef idx="minor">
+            <a:schemeClr val="lt1"/>
+          </a:fontRef>
+        </p:style>
+        <p:txBody>
+          <a:bodyPr rtlCol="0" anchor="ctr"/>
+          <a:lstStyle/>
+          <a:p>
+            <a:pPr algn="ctr"/>
+            <a:endParaRPr lang="zh-CN" altLang="en-US">
+              <a:solidFill>
+                <a:schemeClr val="tx1"/>
+              </a:solidFill>
+            </a:endParaRPr>
+          </a:p>
+        </p:txBody>
+      </p:sp>
+      <p:sp>
+        <p:nvSpPr>
+          <p:cNvPr id="14" name="右大括号 13"/>
+          <p:cNvSpPr/>
+          <p:nvPr/>
+        </p:nvSpPr>
+        <p:spPr>
+          <a:xfrm>
+            <a:off x="4280555" y="1412776"/>
+            <a:ext cx="507469" cy="3096344"/>
+          </a:xfrm>
+          <a:prstGeom prst="rightBrace">
+            <a:avLst/>
+          </a:prstGeom>
+        </p:spPr>
+        <p:style>
+          <a:lnRef idx="1">
+            <a:schemeClr val="accent1"/>
+          </a:lnRef>
+          <a:fillRef idx="0">
+            <a:schemeClr val="accent1"/>
+          </a:fillRef>
+          <a:effectRef idx="0">
+            <a:schemeClr val="accent1"/>
+          </a:effectRef>
+          <a:fontRef idx="minor">
+            <a:schemeClr val="tx1"/>
+          </a:fontRef>
+        </p:style>
+        <p:txBody>
+          <a:bodyPr rtlCol="0" anchor="ctr"/>
+          <a:lstStyle/>
+          <a:p>
+            <a:pPr algn="ctr"/>
+            <a:endParaRPr lang="zh-CN" altLang="en-US"/>
+          </a:p>
+        </p:txBody>
+      </p:sp>
+      <p:sp>
+        <p:nvSpPr>
+          <p:cNvPr id="15" name="文本框 14"/>
+          <p:cNvSpPr txBox="1"/>
+          <p:nvPr/>
+        </p:nvSpPr>
+        <p:spPr>
+          <a:xfrm>
+            <a:off x="970842" y="1701975"/>
+            <a:ext cx="7272808" cy="461665"/>
+          </a:xfrm>
+          <a:prstGeom prst="rect">
+            <a:avLst/>
+          </a:prstGeom>
+          <a:noFill/>
+        </p:spPr>
+        <p:txBody>
+          <a:bodyPr wrap="square" rtlCol="0">
+            <a:spAutoFit/>
+          </a:bodyPr>
+          <a:lstStyle/>
+          <a:p>
+            <a:pPr>
+              <a:spcAft>
+                <a:spcPts val="3000"/>
+              </a:spcAft>
+            </a:pPr>
+            <a:r>
+              <a:rPr lang="en-US" altLang="zh-CN" sz="2400" dirty="0" smtClean="0">
+                <a:solidFill>
+                  <a:srgbClr val="002060"/>
+                </a:solidFill>
+              </a:rPr>
+              <a:t>HTML in JS</a:t>
+            </a:r>
+            <a:endParaRPr lang="en-US" altLang="zh-CN" sz="2400" dirty="0" smtClean="0">
+              <a:solidFill>
+                <a:srgbClr val="002060"/>
+              </a:solidFill>
+            </a:endParaRPr>
+          </a:p>
+        </p:txBody>
+      </p:sp>
+    </p:spTree>
+    <p:extLst>
+      <p:ext uri="{BB962C8B-B14F-4D97-AF65-F5344CB8AC3E}">
+        <p14:creationId xmlns:p14="http://schemas.microsoft.com/office/powerpoint/2010/main" val="3671563737"/>
+      </p:ext>
+    </p:extLst>
+  </p:cSld>
+  <p:clrMapOvr>
+    <a:masterClrMapping/>
+  </p:clrMapOvr>
+  <p:timing>
+    <p:tnLst>
+      <p:par>
+        <p:cTn id="1" dur="indefinite" restart="never" nodeType="tmRoot"/>
+      </p:par>
+    </p:tnLst>
+  </p:timing>
+</p:sld>
+</file>
+
+<file path=ppt/slides/slide13.xml><?xml version="1.0" encoding="utf-8"?>
+<p:sld xmlns:a="http://schemas.openxmlformats.org/drawingml/2006/main" xmlns:r="http://schemas.openxmlformats.org/officeDocument/2006/relationships" xmlns:p="http://schemas.openxmlformats.org/presentationml/2006/main">
+  <p:cSld>
+    <p:spTree>
+      <p:nvGrpSpPr>
+        <p:cNvPr id="1" name=""/>
+        <p:cNvGrpSpPr/>
+        <p:nvPr/>
+      </p:nvGrpSpPr>
+      <p:grpSpPr>
+        <a:xfrm>
+          <a:off x="0" y="0"/>
+          <a:ext cx="0" cy="0"/>
+          <a:chOff x="0" y="0"/>
+          <a:chExt cx="0" cy="0"/>
+        </a:xfrm>
+      </p:grpSpPr>
+      <p:grpSp>
+        <p:nvGrpSpPr>
+          <p:cNvPr id="6" name="그룹 5"/>
+          <p:cNvGrpSpPr/>
+          <p:nvPr/>
+        </p:nvGrpSpPr>
+        <p:grpSpPr>
+          <a:xfrm>
+            <a:off x="206896" y="216024"/>
+            <a:ext cx="5228442" cy="836712"/>
+            <a:chOff x="206896" y="216024"/>
+            <a:chExt cx="5228442" cy="836712"/>
+          </a:xfrm>
+        </p:grpSpPr>
+        <p:pic>
+          <p:nvPicPr>
+            <p:cNvPr id="2" name="그림 1"/>
+            <p:cNvPicPr>
+              <a:picLocks noChangeAspect="1"/>
+            </p:cNvPicPr>
+            <p:nvPr/>
+          </p:nvPicPr>
+          <p:blipFill>
+            <a:blip r:embed="rId2" cstate="print">
+              <a:extLst>
+                <a:ext uri="{28A0092B-C50C-407E-A947-70E740481C1C}">
+                  <a14:useLocalDpi xmlns:a14="http://schemas.microsoft.com/office/drawing/2010/main" val="0"/>
+                </a:ext>
+              </a:extLst>
+            </a:blip>
+            <a:stretch>
+              <a:fillRect/>
+            </a:stretch>
+          </p:blipFill>
+          <p:spPr>
+            <a:xfrm>
+              <a:off x="206896" y="216024"/>
+              <a:ext cx="836712" cy="836712"/>
+            </a:xfrm>
+            <a:prstGeom prst="rect">
+              <a:avLst/>
+            </a:prstGeom>
+          </p:spPr>
+        </p:pic>
+        <p:sp>
+          <p:nvSpPr>
+            <p:cNvPr id="3" name="TextBox 2"/>
+            <p:cNvSpPr txBox="1"/>
+            <p:nvPr/>
+          </p:nvSpPr>
+          <p:spPr>
+            <a:xfrm>
+              <a:off x="970842" y="370022"/>
+              <a:ext cx="4464496" cy="646331"/>
+            </a:xfrm>
+            <a:prstGeom prst="rect">
+              <a:avLst/>
+            </a:prstGeom>
+            <a:noFill/>
+            <a:ln>
+              <a:solidFill>
+                <a:schemeClr val="accent1">
+                  <a:alpha val="0"/>
+                </a:schemeClr>
+              </a:solidFill>
+            </a:ln>
+          </p:spPr>
+          <p:txBody>
+            <a:bodyPr wrap="square" rtlCol="0">
+              <a:spAutoFit/>
+            </a:bodyPr>
+            <a:lstStyle/>
+            <a:p>
+              <a:r>
+                <a:rPr lang="en-US" altLang="zh-CN" sz="3600" dirty="0" smtClean="0">
+                  <a:solidFill>
+                    <a:srgbClr val="002060"/>
+                  </a:solidFill>
+                  <a:latin typeface="-윤고딕330" pitchFamily="18" charset="-127"/>
+                  <a:ea typeface="-윤고딕330" pitchFamily="18" charset="-127"/>
+                </a:rPr>
+                <a:t>J</a:t>
+              </a:r>
+              <a:r>
+                <a:rPr lang="en-US" altLang="zh-CN" dirty="0" smtClean="0">
+                  <a:solidFill>
+                    <a:srgbClr val="7CA7C5"/>
+                  </a:solidFill>
+                  <a:latin typeface="-윤고딕330" pitchFamily="18" charset="-127"/>
+                  <a:ea typeface="-윤고딕330" pitchFamily="18" charset="-127"/>
+                </a:rPr>
+                <a:t>SX</a:t>
+              </a:r>
+              <a:endParaRPr lang="zh-CN" altLang="en-US" dirty="0">
+                <a:solidFill>
+                  <a:srgbClr val="7CA7C5"/>
+                </a:solidFill>
+                <a:latin typeface="-윤고딕330" pitchFamily="18" charset="-127"/>
+                <a:ea typeface="-윤고딕330" pitchFamily="18" charset="-127"/>
+              </a:endParaRPr>
+            </a:p>
+          </p:txBody>
+        </p:sp>
+      </p:grpSp>
+      <p:pic>
+        <p:nvPicPr>
+          <p:cNvPr id="5" name="图片 4"/>
+          <p:cNvPicPr>
+            <a:picLocks noChangeAspect="1"/>
+          </p:cNvPicPr>
+          <p:nvPr/>
+        </p:nvPicPr>
+        <p:blipFill>
+          <a:blip r:embed="rId3"/>
+          <a:stretch>
+            <a:fillRect/>
+          </a:stretch>
+        </p:blipFill>
+        <p:spPr>
+          <a:xfrm>
+            <a:off x="5435481" y="2204864"/>
+            <a:ext cx="3476190" cy="1580952"/>
+          </a:xfrm>
+          <a:prstGeom prst="rect">
+            <a:avLst/>
+          </a:prstGeom>
+        </p:spPr>
+      </p:pic>
+      <p:sp>
+        <p:nvSpPr>
+          <p:cNvPr id="9" name="文本框 8"/>
+          <p:cNvSpPr txBox="1"/>
+          <p:nvPr/>
+        </p:nvSpPr>
+        <p:spPr>
+          <a:xfrm>
+            <a:off x="2394613" y="4515195"/>
+            <a:ext cx="702436" cy="461665"/>
+          </a:xfrm>
+          <a:prstGeom prst="rect">
+            <a:avLst/>
+          </a:prstGeom>
+          <a:noFill/>
+        </p:spPr>
+        <p:txBody>
+          <a:bodyPr wrap="none" rtlCol="0">
+            <a:spAutoFit/>
+          </a:bodyPr>
+          <a:lstStyle/>
+          <a:p>
+            <a:r>
+              <a:rPr lang="en-US" altLang="zh-CN" sz="2400" dirty="0" err="1">
+                <a:solidFill>
+                  <a:srgbClr val="002060"/>
+                </a:solidFill>
+              </a:rPr>
+              <a:t>json</a:t>
+            </a:r>
+            <a:endParaRPr lang="zh-CN" altLang="en-US" sz="2400" dirty="0">
+              <a:solidFill>
+                <a:srgbClr val="002060"/>
+              </a:solidFill>
+            </a:endParaRPr>
+          </a:p>
+        </p:txBody>
+      </p:sp>
+      <p:sp>
+        <p:nvSpPr>
+          <p:cNvPr id="10" name="文本框 9"/>
+          <p:cNvSpPr txBox="1"/>
+          <p:nvPr/>
+        </p:nvSpPr>
+        <p:spPr>
+          <a:xfrm>
+            <a:off x="6804725" y="4515195"/>
+            <a:ext cx="737702" cy="461665"/>
+          </a:xfrm>
+          <a:prstGeom prst="rect">
+            <a:avLst/>
+          </a:prstGeom>
+          <a:noFill/>
+        </p:spPr>
+        <p:txBody>
+          <a:bodyPr wrap="none" rtlCol="0">
+            <a:spAutoFit/>
+          </a:bodyPr>
+          <a:lstStyle/>
+          <a:p>
+            <a:r>
+              <a:rPr lang="en-US" altLang="zh-CN" sz="2400" dirty="0">
+                <a:solidFill>
+                  <a:srgbClr val="002060"/>
+                </a:solidFill>
+              </a:rPr>
+              <a:t>XML</a:t>
+            </a:r>
+          </a:p>
+        </p:txBody>
+      </p:sp>
+      <p:pic>
+        <p:nvPicPr>
+          <p:cNvPr id="12" name="图片 11"/>
+          <p:cNvPicPr>
+            <a:picLocks noChangeAspect="1"/>
+          </p:cNvPicPr>
+          <p:nvPr/>
+        </p:nvPicPr>
+        <p:blipFill>
+          <a:blip r:embed="rId4"/>
+          <a:stretch>
+            <a:fillRect/>
+          </a:stretch>
+        </p:blipFill>
+        <p:spPr>
+          <a:xfrm>
+            <a:off x="590732" y="2045539"/>
+            <a:ext cx="4844606" cy="2469656"/>
+          </a:xfrm>
+          <a:prstGeom prst="rect">
+            <a:avLst/>
+          </a:prstGeom>
+        </p:spPr>
+      </p:pic>
+    </p:spTree>
+    <p:extLst>
+      <p:ext uri="{BB962C8B-B14F-4D97-AF65-F5344CB8AC3E}">
+        <p14:creationId xmlns:p14="http://schemas.microsoft.com/office/powerpoint/2010/main" val="2381687529"/>
+      </p:ext>
+    </p:extLst>
+  </p:cSld>
+  <p:clrMapOvr>
+    <a:masterClrMapping/>
+  </p:clrMapOvr>
+  <p:timing>
+    <p:tnLst>
+      <p:par>
+        <p:cTn id="1" dur="indefinite" restart="never" nodeType="tmRoot"/>
+      </p:par>
+    </p:tnLst>
+  </p:timing>
+</p:sld>
+</file>
+
+<file path=ppt/slides/slide14.xml><?xml version="1.0" encoding="utf-8"?>
+<p:sld xmlns:a="http://schemas.openxmlformats.org/drawingml/2006/main" xmlns:r="http://schemas.openxmlformats.org/officeDocument/2006/relationships" xmlns:p="http://schemas.openxmlformats.org/presentationml/2006/main">
+  <p:cSld>
+    <p:spTree>
+      <p:nvGrpSpPr>
+        <p:cNvPr id="1" name=""/>
+        <p:cNvGrpSpPr/>
+        <p:nvPr/>
+      </p:nvGrpSpPr>
+      <p:grpSpPr>
+        <a:xfrm>
+          <a:off x="0" y="0"/>
+          <a:ext cx="0" cy="0"/>
+          <a:chOff x="0" y="0"/>
+          <a:chExt cx="0" cy="0"/>
+        </a:xfrm>
+      </p:grpSpPr>
+      <p:grpSp>
+        <p:nvGrpSpPr>
+          <p:cNvPr id="6" name="그룹 5"/>
+          <p:cNvGrpSpPr/>
+          <p:nvPr/>
+        </p:nvGrpSpPr>
+        <p:grpSpPr>
+          <a:xfrm>
+            <a:off x="206896" y="216024"/>
+            <a:ext cx="5228442" cy="836712"/>
+            <a:chOff x="206896" y="216024"/>
+            <a:chExt cx="5228442" cy="836712"/>
+          </a:xfrm>
+        </p:grpSpPr>
+        <p:pic>
+          <p:nvPicPr>
+            <p:cNvPr id="2" name="그림 1"/>
+            <p:cNvPicPr>
+              <a:picLocks noChangeAspect="1"/>
+            </p:cNvPicPr>
+            <p:nvPr/>
+          </p:nvPicPr>
+          <p:blipFill>
+            <a:blip r:embed="rId2" cstate="print">
+              <a:extLst>
+                <a:ext uri="{28A0092B-C50C-407E-A947-70E740481C1C}">
+                  <a14:useLocalDpi xmlns:a14="http://schemas.microsoft.com/office/drawing/2010/main" val="0"/>
+                </a:ext>
+              </a:extLst>
+            </a:blip>
+            <a:stretch>
+              <a:fillRect/>
+            </a:stretch>
+          </p:blipFill>
+          <p:spPr>
+            <a:xfrm>
+              <a:off x="206896" y="216024"/>
+              <a:ext cx="836712" cy="836712"/>
+            </a:xfrm>
+            <a:prstGeom prst="rect">
+              <a:avLst/>
+            </a:prstGeom>
+          </p:spPr>
+        </p:pic>
+        <p:sp>
+          <p:nvSpPr>
+            <p:cNvPr id="3" name="TextBox 2"/>
+            <p:cNvSpPr txBox="1"/>
+            <p:nvPr/>
+          </p:nvSpPr>
+          <p:spPr>
+            <a:xfrm>
+              <a:off x="970842" y="370022"/>
+              <a:ext cx="4464496" cy="646331"/>
+            </a:xfrm>
+            <a:prstGeom prst="rect">
+              <a:avLst/>
+            </a:prstGeom>
+            <a:noFill/>
+            <a:ln>
+              <a:solidFill>
+                <a:schemeClr val="accent1">
+                  <a:alpha val="0"/>
+                </a:schemeClr>
+              </a:solidFill>
+            </a:ln>
+          </p:spPr>
+          <p:txBody>
+            <a:bodyPr wrap="square" rtlCol="0">
+              <a:spAutoFit/>
+            </a:bodyPr>
+            <a:lstStyle/>
+            <a:p>
+              <a:r>
+                <a:rPr lang="en-US" altLang="ko-KR" sz="3600" dirty="0" smtClean="0">
+                  <a:solidFill>
+                    <a:srgbClr val="002060"/>
+                  </a:solidFill>
+                  <a:latin typeface="-윤고딕330" pitchFamily="18" charset="-127"/>
+                  <a:ea typeface="-윤고딕330" pitchFamily="18" charset="-127"/>
+                </a:rPr>
+                <a:t>R</a:t>
+              </a:r>
+              <a:r>
+                <a:rPr lang="en-US" altLang="ko-KR" dirty="0" smtClean="0">
+                  <a:solidFill>
+                    <a:srgbClr val="7CA7C5"/>
+                  </a:solidFill>
+                  <a:latin typeface="-윤고딕330" pitchFamily="18" charset="-127"/>
+                  <a:ea typeface="-윤고딕330" pitchFamily="18" charset="-127"/>
+                </a:rPr>
+                <a:t>eact </a:t>
+              </a:r>
+              <a:r>
+                <a:rPr lang="zh-CN" altLang="en-US" dirty="0" smtClean="0">
+                  <a:solidFill>
+                    <a:srgbClr val="7CA7C5"/>
+                  </a:solidFill>
+                  <a:latin typeface="-윤고딕330" pitchFamily="18" charset="-127"/>
+                  <a:ea typeface="-윤고딕330" pitchFamily="18" charset="-127"/>
+                </a:rPr>
+                <a:t>组件</a:t>
+              </a:r>
+              <a:endParaRPr lang="ko-KR" altLang="en-US" dirty="0">
+                <a:solidFill>
+                  <a:srgbClr val="7CA7C5"/>
+                </a:solidFill>
+                <a:latin typeface="-윤고딕330" pitchFamily="18" charset="-127"/>
+                <a:ea typeface="-윤고딕330" pitchFamily="18" charset="-127"/>
+              </a:endParaRPr>
+            </a:p>
+          </p:txBody>
+        </p:sp>
+      </p:grpSp>
+      <p:pic>
+        <p:nvPicPr>
+          <p:cNvPr id="5" name="图片 4"/>
+          <p:cNvPicPr>
+            <a:picLocks noChangeAspect="1"/>
+          </p:cNvPicPr>
+          <p:nvPr/>
+        </p:nvPicPr>
+        <p:blipFill>
+          <a:blip r:embed="rId3"/>
+          <a:stretch>
+            <a:fillRect/>
+          </a:stretch>
+        </p:blipFill>
+        <p:spPr>
+          <a:xfrm>
+            <a:off x="1043608" y="1209402"/>
+            <a:ext cx="4902352" cy="4988058"/>
+          </a:xfrm>
+          <a:prstGeom prst="rect">
+            <a:avLst/>
+          </a:prstGeom>
+        </p:spPr>
+      </p:pic>
+      <p:sp>
+        <p:nvSpPr>
+          <p:cNvPr id="9" name="文本框 8"/>
+          <p:cNvSpPr txBox="1"/>
+          <p:nvPr/>
+        </p:nvSpPr>
+        <p:spPr>
+          <a:xfrm>
+            <a:off x="6372200" y="1556792"/>
+            <a:ext cx="3815666" cy="1585049"/>
+          </a:xfrm>
+          <a:prstGeom prst="rect">
+            <a:avLst/>
+          </a:prstGeom>
+          <a:noFill/>
+        </p:spPr>
+        <p:txBody>
+          <a:bodyPr wrap="square" rtlCol="0">
+            <a:spAutoFit/>
+          </a:bodyPr>
+          <a:lstStyle/>
+          <a:p>
+            <a:pPr>
+              <a:spcAft>
+                <a:spcPts val="3000"/>
+              </a:spcAft>
+            </a:pPr>
+            <a:r>
+              <a:rPr lang="en-US" altLang="zh-CN" sz="3600" dirty="0">
+                <a:solidFill>
+                  <a:srgbClr val="002060"/>
+                </a:solidFill>
+              </a:rPr>
+              <a:t>p</a:t>
+            </a:r>
+            <a:r>
+              <a:rPr lang="en-US" altLang="zh-CN" sz="3600" dirty="0" smtClean="0">
+                <a:solidFill>
+                  <a:srgbClr val="002060"/>
+                </a:solidFill>
+              </a:rPr>
+              <a:t>rops</a:t>
+            </a:r>
+          </a:p>
+          <a:p>
+            <a:pPr>
+              <a:spcAft>
+                <a:spcPts val="3000"/>
+              </a:spcAft>
+            </a:pPr>
+            <a:r>
+              <a:rPr lang="en-US" altLang="zh-CN" sz="3600" dirty="0" smtClean="0">
+                <a:solidFill>
+                  <a:srgbClr val="002060"/>
+                </a:solidFill>
+              </a:rPr>
+              <a:t>state</a:t>
+            </a:r>
+          </a:p>
+        </p:txBody>
+      </p:sp>
+    </p:spTree>
+    <p:extLst>
+      <p:ext uri="{BB962C8B-B14F-4D97-AF65-F5344CB8AC3E}">
+        <p14:creationId xmlns:p14="http://schemas.microsoft.com/office/powerpoint/2010/main" val="679372455"/>
+      </p:ext>
+    </p:extLst>
+  </p:cSld>
+  <p:clrMapOvr>
+    <a:masterClrMapping/>
+  </p:clrMapOvr>
+  <p:timing>
+    <p:tnLst>
+      <p:par>
+        <p:cTn id="1" dur="indefinite" restart="never" nodeType="tmRoot"/>
+      </p:par>
+    </p:tnLst>
+  </p:timing>
+</p:sld>
+</file>
+
+<file path=ppt/slides/slide15.xml><?xml version="1.0" encoding="utf-8"?>
+<p:sld xmlns:a="http://schemas.openxmlformats.org/drawingml/2006/main" xmlns:r="http://schemas.openxmlformats.org/officeDocument/2006/relationships" xmlns:p="http://schemas.openxmlformats.org/presentationml/2006/main">
+  <p:cSld>
+    <p:spTree>
+      <p:nvGrpSpPr>
+        <p:cNvPr id="1" name=""/>
+        <p:cNvGrpSpPr/>
+        <p:nvPr/>
+      </p:nvGrpSpPr>
+      <p:grpSpPr>
+        <a:xfrm>
+          <a:off x="0" y="0"/>
+          <a:ext cx="0" cy="0"/>
+          <a:chOff x="0" y="0"/>
+          <a:chExt cx="0" cy="0"/>
+        </a:xfrm>
+      </p:grpSpPr>
+      <p:grpSp>
+        <p:nvGrpSpPr>
+          <p:cNvPr id="6" name="그룹 5"/>
+          <p:cNvGrpSpPr/>
+          <p:nvPr/>
+        </p:nvGrpSpPr>
+        <p:grpSpPr>
+          <a:xfrm>
+            <a:off x="206896" y="216024"/>
+            <a:ext cx="5228442" cy="836712"/>
+            <a:chOff x="206896" y="216024"/>
+            <a:chExt cx="5228442" cy="836712"/>
+          </a:xfrm>
+        </p:grpSpPr>
+        <p:pic>
+          <p:nvPicPr>
+            <p:cNvPr id="2" name="그림 1"/>
+            <p:cNvPicPr>
+              <a:picLocks noChangeAspect="1"/>
+            </p:cNvPicPr>
+            <p:nvPr/>
+          </p:nvPicPr>
+          <p:blipFill>
+            <a:blip r:embed="rId2" cstate="print">
+              <a:extLst>
+                <a:ext uri="{28A0092B-C50C-407E-A947-70E740481C1C}">
+                  <a14:useLocalDpi xmlns:a14="http://schemas.microsoft.com/office/drawing/2010/main" val="0"/>
+                </a:ext>
+              </a:extLst>
+            </a:blip>
+            <a:stretch>
+              <a:fillRect/>
+            </a:stretch>
+          </p:blipFill>
+          <p:spPr>
+            <a:xfrm>
+              <a:off x="206896" y="216024"/>
+              <a:ext cx="836712" cy="836712"/>
+            </a:xfrm>
+            <a:prstGeom prst="rect">
+              <a:avLst/>
+            </a:prstGeom>
+          </p:spPr>
+        </p:pic>
+        <p:sp>
+          <p:nvSpPr>
+            <p:cNvPr id="3" name="TextBox 2"/>
+            <p:cNvSpPr txBox="1"/>
+            <p:nvPr/>
+          </p:nvSpPr>
+          <p:spPr>
+            <a:xfrm>
+              <a:off x="970842" y="370022"/>
+              <a:ext cx="4464496" cy="646331"/>
+            </a:xfrm>
+            <a:prstGeom prst="rect">
+              <a:avLst/>
+            </a:prstGeom>
+            <a:noFill/>
+            <a:ln>
+              <a:solidFill>
+                <a:schemeClr val="accent1">
+                  <a:alpha val="0"/>
+                </a:schemeClr>
+              </a:solidFill>
+            </a:ln>
+          </p:spPr>
+          <p:txBody>
+            <a:bodyPr wrap="square" rtlCol="0">
+              <a:spAutoFit/>
+            </a:bodyPr>
+            <a:lstStyle/>
+            <a:p>
+              <a:r>
+                <a:rPr lang="en-US" altLang="ko-KR" sz="3600" dirty="0" smtClean="0">
+                  <a:solidFill>
+                    <a:srgbClr val="002060"/>
+                  </a:solidFill>
+                  <a:latin typeface="-윤고딕330" pitchFamily="18" charset="-127"/>
+                  <a:ea typeface="-윤고딕330" pitchFamily="18" charset="-127"/>
+                </a:rPr>
+                <a:t>R</a:t>
+              </a:r>
+              <a:r>
+                <a:rPr lang="en-US" altLang="ko-KR" dirty="0" smtClean="0">
+                  <a:solidFill>
+                    <a:srgbClr val="7CA7C5"/>
+                  </a:solidFill>
+                  <a:latin typeface="-윤고딕330" pitchFamily="18" charset="-127"/>
+                  <a:ea typeface="-윤고딕330" pitchFamily="18" charset="-127"/>
+                </a:rPr>
+                <a:t>eact </a:t>
+              </a:r>
+              <a:r>
+                <a:rPr lang="zh-CN" altLang="en-US" dirty="0" smtClean="0">
+                  <a:solidFill>
+                    <a:srgbClr val="7CA7C5"/>
+                  </a:solidFill>
+                  <a:latin typeface="-윤고딕330" pitchFamily="18" charset="-127"/>
+                  <a:ea typeface="-윤고딕330" pitchFamily="18" charset="-127"/>
+                </a:rPr>
+                <a:t>组件生命周期</a:t>
+              </a:r>
+              <a:endParaRPr lang="ko-KR" altLang="en-US" dirty="0">
+                <a:solidFill>
+                  <a:srgbClr val="7CA7C5"/>
+                </a:solidFill>
+                <a:latin typeface="-윤고딕330" pitchFamily="18" charset="-127"/>
+                <a:ea typeface="-윤고딕330" pitchFamily="18" charset="-127"/>
+              </a:endParaRPr>
+            </a:p>
+          </p:txBody>
+        </p:sp>
+      </p:grpSp>
+      <p:sp>
+        <p:nvSpPr>
+          <p:cNvPr id="7" name="文本框 6"/>
+          <p:cNvSpPr txBox="1"/>
+          <p:nvPr/>
+        </p:nvSpPr>
+        <p:spPr>
+          <a:xfrm>
+            <a:off x="1043608" y="1772816"/>
+            <a:ext cx="7272808" cy="1969770"/>
+          </a:xfrm>
+          <a:prstGeom prst="rect">
+            <a:avLst/>
+          </a:prstGeom>
+          <a:noFill/>
+        </p:spPr>
+        <p:txBody>
+          <a:bodyPr wrap="square" rtlCol="0">
+            <a:spAutoFit/>
+          </a:bodyPr>
+          <a:lstStyle/>
+          <a:p>
+            <a:pPr marL="342900" indent="-342900">
+              <a:spcAft>
+                <a:spcPts val="3000"/>
+              </a:spcAft>
+              <a:buFontTx/>
+              <a:buAutoNum type="arabicPeriod"/>
+            </a:pPr>
+            <a:r>
+              <a:rPr lang="en-US" altLang="zh-CN" sz="2400" dirty="0" smtClean="0">
+                <a:solidFill>
+                  <a:srgbClr val="002060"/>
+                </a:solidFill>
+              </a:rPr>
+              <a:t>Mounting: </a:t>
+            </a:r>
+            <a:r>
+              <a:rPr lang="zh-CN" altLang="en-US" sz="2400" dirty="0" smtClean="0">
+                <a:solidFill>
+                  <a:srgbClr val="002060"/>
+                </a:solidFill>
+              </a:rPr>
+              <a:t>实例化</a:t>
+            </a:r>
+            <a:endParaRPr lang="en-US" altLang="zh-CN" sz="2400" dirty="0">
+              <a:solidFill>
+                <a:srgbClr val="002060"/>
+              </a:solidFill>
+            </a:endParaRPr>
+          </a:p>
+          <a:p>
+            <a:pPr marL="342900" indent="-342900">
+              <a:spcAft>
+                <a:spcPts val="3000"/>
+              </a:spcAft>
+              <a:buFontTx/>
+              <a:buAutoNum type="arabicPeriod"/>
+            </a:pPr>
+            <a:r>
+              <a:rPr lang="en-US" altLang="zh-CN" sz="2400" dirty="0" smtClean="0">
+                <a:solidFill>
+                  <a:srgbClr val="002060"/>
+                </a:solidFill>
+              </a:rPr>
+              <a:t>Updating: </a:t>
+            </a:r>
+            <a:r>
+              <a:rPr lang="zh-CN" altLang="en-US" sz="2400" dirty="0" smtClean="0">
+                <a:solidFill>
+                  <a:srgbClr val="002060"/>
+                </a:solidFill>
+              </a:rPr>
+              <a:t>更新</a:t>
+            </a:r>
+            <a:endParaRPr lang="zh-CN" altLang="en-US" sz="2400" dirty="0">
+              <a:solidFill>
+                <a:srgbClr val="002060"/>
+              </a:solidFill>
+            </a:endParaRPr>
+          </a:p>
+          <a:p>
+            <a:pPr marL="342900" indent="-342900">
+              <a:spcAft>
+                <a:spcPts val="3000"/>
+              </a:spcAft>
+              <a:buFontTx/>
+              <a:buAutoNum type="arabicPeriod"/>
+            </a:pPr>
+            <a:r>
+              <a:rPr lang="en-US" altLang="zh-CN" sz="2400" dirty="0" smtClean="0">
+                <a:solidFill>
+                  <a:srgbClr val="002060"/>
+                </a:solidFill>
+              </a:rPr>
+              <a:t>Unmounting: </a:t>
+            </a:r>
+            <a:r>
+              <a:rPr lang="zh-CN" altLang="en-US" sz="2400" dirty="0" smtClean="0">
+                <a:solidFill>
+                  <a:srgbClr val="002060"/>
+                </a:solidFill>
+              </a:rPr>
+              <a:t>销毁</a:t>
+            </a:r>
+            <a:endParaRPr lang="en-US" altLang="zh-CN" sz="2400" dirty="0">
+              <a:solidFill>
+                <a:srgbClr val="002060"/>
+              </a:solidFill>
+            </a:endParaRPr>
+          </a:p>
+        </p:txBody>
+      </p:sp>
+      <p:sp>
+        <p:nvSpPr>
+          <p:cNvPr id="4" name="文本框 3"/>
+          <p:cNvSpPr txBox="1"/>
+          <p:nvPr/>
+        </p:nvSpPr>
+        <p:spPr>
+          <a:xfrm>
+            <a:off x="4283968" y="1609345"/>
+            <a:ext cx="3140283" cy="830997"/>
+          </a:xfrm>
+          <a:prstGeom prst="rect">
+            <a:avLst/>
+          </a:prstGeom>
+          <a:noFill/>
+        </p:spPr>
+        <p:txBody>
+          <a:bodyPr wrap="none" rtlCol="0">
+            <a:spAutoFit/>
+          </a:bodyPr>
+          <a:lstStyle/>
+          <a:p>
+            <a:r>
+              <a:rPr lang="en-US" altLang="zh-CN" sz="2400" dirty="0" err="1">
+                <a:solidFill>
+                  <a:srgbClr val="002060"/>
+                </a:solidFill>
+              </a:rPr>
+              <a:t>componentWillMount</a:t>
+            </a:r>
+            <a:r>
+              <a:rPr lang="en-US" altLang="zh-CN" sz="2400" dirty="0">
+                <a:solidFill>
+                  <a:srgbClr val="002060"/>
+                </a:solidFill>
+              </a:rPr>
+              <a:t>()</a:t>
+            </a:r>
+          </a:p>
+          <a:p>
+            <a:r>
+              <a:rPr lang="en-US" altLang="zh-CN" sz="2400" dirty="0" err="1">
+                <a:solidFill>
+                  <a:srgbClr val="002060"/>
+                </a:solidFill>
+              </a:rPr>
+              <a:t>componentDidMount</a:t>
+            </a:r>
+            <a:r>
+              <a:rPr lang="en-US" altLang="zh-CN" sz="2400" dirty="0">
+                <a:solidFill>
+                  <a:srgbClr val="002060"/>
+                </a:solidFill>
+              </a:rPr>
+              <a:t>()</a:t>
+            </a:r>
+            <a:endParaRPr lang="zh-CN" altLang="en-US" sz="2400" dirty="0">
+              <a:solidFill>
+                <a:srgbClr val="002060"/>
+              </a:solidFill>
+            </a:endParaRPr>
+          </a:p>
+        </p:txBody>
+      </p:sp>
+      <p:sp>
+        <p:nvSpPr>
+          <p:cNvPr id="8" name="左大括号 7"/>
+          <p:cNvSpPr/>
+          <p:nvPr/>
+        </p:nvSpPr>
+        <p:spPr>
+          <a:xfrm>
+            <a:off x="3851920" y="1556792"/>
+            <a:ext cx="288032" cy="936104"/>
+          </a:xfrm>
+          <a:prstGeom prst="leftBrace">
+            <a:avLst/>
+          </a:prstGeom>
+        </p:spPr>
+        <p:style>
+          <a:lnRef idx="1">
+            <a:schemeClr val="accent1"/>
+          </a:lnRef>
+          <a:fillRef idx="0">
+            <a:schemeClr val="accent1"/>
+          </a:fillRef>
+          <a:effectRef idx="0">
+            <a:schemeClr val="accent1"/>
+          </a:effectRef>
+          <a:fontRef idx="minor">
+            <a:schemeClr val="tx1"/>
+          </a:fontRef>
+        </p:style>
+        <p:txBody>
+          <a:bodyPr rtlCol="0" anchor="ctr"/>
+          <a:lstStyle/>
+          <a:p>
+            <a:pPr algn="ctr"/>
+            <a:endParaRPr lang="zh-CN" altLang="en-US"/>
+          </a:p>
+        </p:txBody>
+      </p:sp>
+      <p:sp>
+        <p:nvSpPr>
+          <p:cNvPr id="10" name="文本框 9"/>
+          <p:cNvSpPr txBox="1"/>
+          <p:nvPr/>
+        </p:nvSpPr>
+        <p:spPr>
+          <a:xfrm>
+            <a:off x="736176" y="4653136"/>
+            <a:ext cx="7887672" cy="830997"/>
+          </a:xfrm>
+          <a:prstGeom prst="rect">
+            <a:avLst/>
+          </a:prstGeom>
+          <a:noFill/>
+        </p:spPr>
+        <p:txBody>
+          <a:bodyPr wrap="none" rtlCol="0">
+            <a:spAutoFit/>
+          </a:bodyPr>
+          <a:lstStyle/>
+          <a:p>
+            <a:r>
+              <a:rPr lang="en-US" altLang="zh-CN" sz="2400" dirty="0" err="1">
+                <a:solidFill>
+                  <a:srgbClr val="002060"/>
+                </a:solidFill>
+              </a:rPr>
+              <a:t>componentWillReceiveProps</a:t>
+            </a:r>
+            <a:r>
+              <a:rPr lang="en-US" altLang="zh-CN" sz="2400" dirty="0">
+                <a:solidFill>
+                  <a:srgbClr val="002060"/>
+                </a:solidFill>
+              </a:rPr>
+              <a:t>(object </a:t>
+            </a:r>
+            <a:r>
+              <a:rPr lang="en-US" altLang="zh-CN" sz="2400" dirty="0" err="1">
+                <a:solidFill>
+                  <a:srgbClr val="002060"/>
+                </a:solidFill>
+              </a:rPr>
+              <a:t>nextProps</a:t>
+            </a:r>
+            <a:r>
+              <a:rPr lang="en-US" altLang="zh-CN" sz="2400" dirty="0" smtClean="0">
+                <a:solidFill>
+                  <a:srgbClr val="002060"/>
+                </a:solidFill>
+              </a:rPr>
+              <a:t>)</a:t>
+            </a:r>
+            <a:endParaRPr lang="zh-CN" altLang="en-US" sz="2400" dirty="0">
+              <a:solidFill>
+                <a:srgbClr val="002060"/>
+              </a:solidFill>
+            </a:endParaRPr>
+          </a:p>
+          <a:p>
+            <a:r>
+              <a:rPr lang="en-US" altLang="zh-CN" sz="2400" dirty="0" err="1">
+                <a:solidFill>
+                  <a:srgbClr val="002060"/>
+                </a:solidFill>
+              </a:rPr>
+              <a:t>shouldComponentUpdate</a:t>
+            </a:r>
+            <a:r>
+              <a:rPr lang="en-US" altLang="zh-CN" sz="2400" dirty="0">
+                <a:solidFill>
+                  <a:srgbClr val="002060"/>
+                </a:solidFill>
+              </a:rPr>
+              <a:t>(object </a:t>
+            </a:r>
+            <a:r>
+              <a:rPr lang="en-US" altLang="zh-CN" sz="2400" dirty="0" err="1">
+                <a:solidFill>
+                  <a:srgbClr val="002060"/>
+                </a:solidFill>
+              </a:rPr>
+              <a:t>nextProps</a:t>
+            </a:r>
+            <a:r>
+              <a:rPr lang="en-US" altLang="zh-CN" sz="2400" dirty="0">
+                <a:solidFill>
+                  <a:srgbClr val="002060"/>
+                </a:solidFill>
+              </a:rPr>
+              <a:t>, object </a:t>
+            </a:r>
+            <a:r>
+              <a:rPr lang="en-US" altLang="zh-CN" sz="2400" dirty="0" err="1">
+                <a:solidFill>
+                  <a:srgbClr val="002060"/>
+                </a:solidFill>
+              </a:rPr>
+              <a:t>nextState</a:t>
+            </a:r>
+            <a:r>
+              <a:rPr lang="en-US" altLang="zh-CN" sz="2400" dirty="0" smtClean="0">
+                <a:solidFill>
+                  <a:srgbClr val="002060"/>
+                </a:solidFill>
+              </a:rPr>
+              <a:t>)</a:t>
+            </a:r>
+            <a:endParaRPr lang="zh-CN" altLang="en-US" dirty="0"/>
+          </a:p>
+        </p:txBody>
+      </p:sp>
+    </p:spTree>
+    <p:extLst>
+      <p:ext uri="{BB962C8B-B14F-4D97-AF65-F5344CB8AC3E}">
+        <p14:creationId xmlns:p14="http://schemas.microsoft.com/office/powerpoint/2010/main" val="2302596453"/>
+      </p:ext>
+    </p:extLst>
+  </p:cSld>
+  <p:clrMapOvr>
+    <a:masterClrMapping/>
+  </p:clrMapOvr>
+  <p:timing>
+    <p:tnLst>
+      <p:par>
+        <p:cTn id="1" dur="indefinite" restart="never" nodeType="tmRoot"/>
+      </p:par>
+    </p:tnLst>
+  </p:timing>
+</p:sld>
+</file>
+
+<file path=ppt/slides/slide16.xml><?xml version="1.0" encoding="utf-8"?>
+<p:sld xmlns:a="http://schemas.openxmlformats.org/drawingml/2006/main" xmlns:r="http://schemas.openxmlformats.org/officeDocument/2006/relationships" xmlns:p="http://schemas.openxmlformats.org/presentationml/2006/main">
+  <p:cSld>
+    <p:spTree>
+      <p:nvGrpSpPr>
+        <p:cNvPr id="1" name=""/>
+        <p:cNvGrpSpPr/>
+        <p:nvPr/>
+      </p:nvGrpSpPr>
+      <p:grpSpPr>
+        <a:xfrm>
+          <a:off x="0" y="0"/>
+          <a:ext cx="0" cy="0"/>
+          <a:chOff x="0" y="0"/>
+          <a:chExt cx="0" cy="0"/>
+        </a:xfrm>
+      </p:grpSpPr>
+      <p:grpSp>
+        <p:nvGrpSpPr>
+          <p:cNvPr id="6" name="그룹 5"/>
+          <p:cNvGrpSpPr/>
+          <p:nvPr/>
+        </p:nvGrpSpPr>
+        <p:grpSpPr>
+          <a:xfrm>
+            <a:off x="206896" y="216024"/>
+            <a:ext cx="5228442" cy="836712"/>
+            <a:chOff x="206896" y="216024"/>
+            <a:chExt cx="5228442" cy="836712"/>
+          </a:xfrm>
+        </p:grpSpPr>
+        <p:pic>
+          <p:nvPicPr>
+            <p:cNvPr id="2" name="그림 1"/>
+            <p:cNvPicPr>
+              <a:picLocks noChangeAspect="1"/>
+            </p:cNvPicPr>
+            <p:nvPr/>
+          </p:nvPicPr>
+          <p:blipFill>
+            <a:blip r:embed="rId2" cstate="print">
+              <a:extLst>
+                <a:ext uri="{28A0092B-C50C-407E-A947-70E740481C1C}">
+                  <a14:useLocalDpi xmlns:a14="http://schemas.microsoft.com/office/drawing/2010/main" val="0"/>
+                </a:ext>
+              </a:extLst>
+            </a:blip>
+            <a:stretch>
+              <a:fillRect/>
+            </a:stretch>
+          </p:blipFill>
+          <p:spPr>
+            <a:xfrm>
+              <a:off x="206896" y="216024"/>
+              <a:ext cx="836712" cy="836712"/>
+            </a:xfrm>
+            <a:prstGeom prst="rect">
+              <a:avLst/>
+            </a:prstGeom>
+          </p:spPr>
+        </p:pic>
+        <p:sp>
+          <p:nvSpPr>
+            <p:cNvPr id="3" name="TextBox 2"/>
+            <p:cNvSpPr txBox="1"/>
+            <p:nvPr/>
+          </p:nvSpPr>
+          <p:spPr>
+            <a:xfrm>
+              <a:off x="970842" y="370022"/>
+              <a:ext cx="4464496" cy="646331"/>
+            </a:xfrm>
+            <a:prstGeom prst="rect">
+              <a:avLst/>
+            </a:prstGeom>
+            <a:noFill/>
+            <a:ln>
+              <a:solidFill>
+                <a:schemeClr val="accent1">
+                  <a:alpha val="0"/>
+                </a:schemeClr>
+              </a:solidFill>
+            </a:ln>
+          </p:spPr>
+          <p:txBody>
+            <a:bodyPr wrap="square" rtlCol="0">
+              <a:spAutoFit/>
+            </a:bodyPr>
+            <a:lstStyle/>
+            <a:p>
+              <a:r>
+                <a:rPr lang="en-US" altLang="ko-KR" sz="3600" dirty="0" smtClean="0">
+                  <a:solidFill>
+                    <a:srgbClr val="002060"/>
+                  </a:solidFill>
+                  <a:latin typeface="-윤고딕330" pitchFamily="18" charset="-127"/>
+                  <a:ea typeface="-윤고딕330" pitchFamily="18" charset="-127"/>
+                </a:rPr>
+                <a:t>R</a:t>
+              </a:r>
+              <a:r>
+                <a:rPr lang="en-US" altLang="ko-KR" dirty="0" smtClean="0">
+                  <a:solidFill>
+                    <a:srgbClr val="7CA7C5"/>
+                  </a:solidFill>
+                  <a:latin typeface="-윤고딕330" pitchFamily="18" charset="-127"/>
+                  <a:ea typeface="-윤고딕330" pitchFamily="18" charset="-127"/>
+                </a:rPr>
+                <a:t>eact </a:t>
+              </a:r>
+              <a:r>
+                <a:rPr lang="zh-CN" altLang="en-US" dirty="0" smtClean="0">
+                  <a:solidFill>
+                    <a:srgbClr val="7CA7C5"/>
+                  </a:solidFill>
+                  <a:latin typeface="-윤고딕330" pitchFamily="18" charset="-127"/>
+                  <a:ea typeface="-윤고딕330" pitchFamily="18" charset="-127"/>
+                </a:rPr>
+                <a:t>组件问题</a:t>
+              </a:r>
+              <a:endParaRPr lang="ko-KR" altLang="en-US" dirty="0">
+                <a:solidFill>
+                  <a:srgbClr val="7CA7C5"/>
+                </a:solidFill>
+                <a:latin typeface="-윤고딕330" pitchFamily="18" charset="-127"/>
+                <a:ea typeface="-윤고딕330" pitchFamily="18" charset="-127"/>
+              </a:endParaRPr>
+            </a:p>
+          </p:txBody>
+        </p:sp>
+      </p:grpSp>
+      <p:sp>
+        <p:nvSpPr>
+          <p:cNvPr id="7" name="文本框 6"/>
+          <p:cNvSpPr txBox="1"/>
+          <p:nvPr/>
+        </p:nvSpPr>
+        <p:spPr>
+          <a:xfrm>
+            <a:off x="1043608" y="1772816"/>
+            <a:ext cx="7776864" cy="1215717"/>
+          </a:xfrm>
+          <a:prstGeom prst="rect">
+            <a:avLst/>
+          </a:prstGeom>
+          <a:noFill/>
+        </p:spPr>
+        <p:txBody>
+          <a:bodyPr wrap="square" rtlCol="0">
+            <a:spAutoFit/>
+          </a:bodyPr>
+          <a:lstStyle/>
+          <a:p>
+            <a:pPr marL="342900" indent="-342900">
+              <a:spcAft>
+                <a:spcPts val="3000"/>
+              </a:spcAft>
+              <a:buFontTx/>
+              <a:buAutoNum type="arabicPeriod"/>
+            </a:pPr>
+            <a:r>
+              <a:rPr lang="zh-CN" altLang="en-US" sz="2400" dirty="0" smtClean="0">
+                <a:solidFill>
+                  <a:srgbClr val="002060"/>
+                </a:solidFill>
+              </a:rPr>
+              <a:t>过度更新</a:t>
+            </a:r>
+            <a:r>
+              <a:rPr lang="en-US" altLang="zh-CN" sz="2400" dirty="0" smtClean="0">
+                <a:solidFill>
+                  <a:srgbClr val="002060"/>
+                </a:solidFill>
+              </a:rPr>
+              <a:t>----</a:t>
+            </a:r>
+            <a:r>
+              <a:rPr lang="en-US" altLang="zh-CN" sz="2400" dirty="0" err="1" smtClean="0">
+                <a:solidFill>
+                  <a:srgbClr val="002060"/>
+                </a:solidFill>
+              </a:rPr>
+              <a:t>shouldComponentUpdate</a:t>
+            </a:r>
+            <a:r>
+              <a:rPr lang="zh-CN" altLang="en-US" sz="2400" dirty="0" smtClean="0">
+                <a:solidFill>
+                  <a:srgbClr val="002060"/>
+                </a:solidFill>
+              </a:rPr>
+              <a:t>和不可变数据</a:t>
+            </a:r>
+            <a:endParaRPr lang="en-US" altLang="zh-CN" sz="2400" dirty="0" smtClean="0">
+              <a:solidFill>
+                <a:srgbClr val="002060"/>
+              </a:solidFill>
+            </a:endParaRPr>
+          </a:p>
+          <a:p>
+            <a:pPr marL="342900" indent="-342900">
+              <a:spcAft>
+                <a:spcPts val="3000"/>
+              </a:spcAft>
+              <a:buFontTx/>
+              <a:buAutoNum type="arabicPeriod"/>
+            </a:pPr>
+            <a:r>
+              <a:rPr lang="zh-CN" altLang="en-US" sz="2400" dirty="0" smtClean="0">
+                <a:solidFill>
+                  <a:srgbClr val="002060"/>
+                </a:solidFill>
+              </a:rPr>
+              <a:t>传值麻烦</a:t>
+            </a:r>
+            <a:r>
+              <a:rPr lang="en-US" altLang="zh-CN" sz="2400" dirty="0" smtClean="0">
+                <a:solidFill>
+                  <a:srgbClr val="002060"/>
+                </a:solidFill>
+              </a:rPr>
+              <a:t>----</a:t>
+            </a:r>
+            <a:r>
+              <a:rPr lang="zh-CN" altLang="en-US" sz="2400" dirty="0" smtClean="0">
+                <a:solidFill>
+                  <a:srgbClr val="002060"/>
+                </a:solidFill>
+              </a:rPr>
+              <a:t>高阶函数</a:t>
+            </a:r>
+            <a:endParaRPr lang="zh-CN" altLang="en-US" sz="2400" dirty="0">
+              <a:solidFill>
+                <a:srgbClr val="002060"/>
+              </a:solidFill>
+            </a:endParaRPr>
+          </a:p>
+        </p:txBody>
+      </p:sp>
+    </p:spTree>
+    <p:extLst>
+      <p:ext uri="{BB962C8B-B14F-4D97-AF65-F5344CB8AC3E}">
+        <p14:creationId xmlns:p14="http://schemas.microsoft.com/office/powerpoint/2010/main" val="1046453186"/>
+      </p:ext>
+    </p:extLst>
+  </p:cSld>
+  <p:clrMapOvr>
+    <a:masterClrMapping/>
+  </p:clrMapOvr>
+  <p:timing>
+    <p:tnLst>
+      <p:par>
+        <p:cTn id="1" dur="indefinite" restart="never" nodeType="tmRoot"/>
+      </p:par>
+    </p:tnLst>
+  </p:timing>
+</p:sld>
+</file>
+
+<file path=ppt/slides/slide17.xml><?xml version="1.0" encoding="utf-8"?>
+<p:sld xmlns:a="http://schemas.openxmlformats.org/drawingml/2006/main" xmlns:r="http://schemas.openxmlformats.org/officeDocument/2006/relationships" xmlns:p="http://schemas.openxmlformats.org/presentationml/2006/main">
+  <p:cSld>
+    <p:spTree>
+      <p:nvGrpSpPr>
+        <p:cNvPr id="1" name=""/>
+        <p:cNvGrpSpPr/>
+        <p:nvPr/>
+      </p:nvGrpSpPr>
+      <p:grpSpPr>
+        <a:xfrm>
+          <a:off x="0" y="0"/>
+          <a:ext cx="0" cy="0"/>
+          <a:chOff x="0" y="0"/>
+          <a:chExt cx="0" cy="0"/>
+        </a:xfrm>
+      </p:grpSpPr>
+      <p:grpSp>
+        <p:nvGrpSpPr>
+          <p:cNvPr id="6" name="그룹 5"/>
+          <p:cNvGrpSpPr/>
+          <p:nvPr/>
+        </p:nvGrpSpPr>
+        <p:grpSpPr>
+          <a:xfrm>
+            <a:off x="206896" y="216024"/>
+            <a:ext cx="5228442" cy="836712"/>
+            <a:chOff x="206896" y="216024"/>
+            <a:chExt cx="5228442" cy="836712"/>
+          </a:xfrm>
+        </p:grpSpPr>
+        <p:pic>
+          <p:nvPicPr>
+            <p:cNvPr id="2" name="그림 1"/>
+            <p:cNvPicPr>
+              <a:picLocks noChangeAspect="1"/>
+            </p:cNvPicPr>
+            <p:nvPr/>
+          </p:nvPicPr>
+          <p:blipFill>
+            <a:blip r:embed="rId2" cstate="print">
+              <a:extLst>
+                <a:ext uri="{28A0092B-C50C-407E-A947-70E740481C1C}">
+                  <a14:useLocalDpi xmlns:a14="http://schemas.microsoft.com/office/drawing/2010/main" val="0"/>
+                </a:ext>
+              </a:extLst>
+            </a:blip>
+            <a:stretch>
+              <a:fillRect/>
+            </a:stretch>
+          </p:blipFill>
+          <p:spPr>
+            <a:xfrm>
+              <a:off x="206896" y="216024"/>
+              <a:ext cx="836712" cy="836712"/>
+            </a:xfrm>
+            <a:prstGeom prst="rect">
+              <a:avLst/>
+            </a:prstGeom>
+          </p:spPr>
+        </p:pic>
+        <p:sp>
+          <p:nvSpPr>
+            <p:cNvPr id="3" name="TextBox 2"/>
+            <p:cNvSpPr txBox="1"/>
+            <p:nvPr/>
+          </p:nvSpPr>
+          <p:spPr>
+            <a:xfrm>
+              <a:off x="970842" y="370022"/>
+              <a:ext cx="4464496" cy="646331"/>
+            </a:xfrm>
+            <a:prstGeom prst="rect">
+              <a:avLst/>
+            </a:prstGeom>
+            <a:noFill/>
+            <a:ln>
+              <a:solidFill>
+                <a:schemeClr val="accent1">
+                  <a:alpha val="0"/>
+                </a:schemeClr>
+              </a:solidFill>
+            </a:ln>
+          </p:spPr>
+          <p:txBody>
+            <a:bodyPr wrap="square" rtlCol="0">
+              <a:spAutoFit/>
+            </a:bodyPr>
+            <a:lstStyle/>
+            <a:p>
+              <a:r>
+                <a:rPr lang="en-US" altLang="ko-KR" sz="3600" dirty="0" smtClean="0">
+                  <a:solidFill>
+                    <a:srgbClr val="002060"/>
+                  </a:solidFill>
+                  <a:latin typeface="-윤고딕330" pitchFamily="18" charset="-127"/>
+                  <a:ea typeface="-윤고딕330" pitchFamily="18" charset="-127"/>
+                </a:rPr>
+                <a:t>R</a:t>
+              </a:r>
+              <a:r>
+                <a:rPr lang="en-US" altLang="ko-KR" dirty="0" smtClean="0">
+                  <a:solidFill>
+                    <a:srgbClr val="7CA7C5"/>
+                  </a:solidFill>
+                  <a:latin typeface="-윤고딕330" pitchFamily="18" charset="-127"/>
+                  <a:ea typeface="-윤고딕330" pitchFamily="18" charset="-127"/>
+                </a:rPr>
+                <a:t>eact </a:t>
+              </a:r>
+              <a:r>
+                <a:rPr lang="zh-CN" altLang="en-US" dirty="0" smtClean="0">
+                  <a:solidFill>
+                    <a:srgbClr val="7CA7C5"/>
+                  </a:solidFill>
+                  <a:latin typeface="-윤고딕330" pitchFamily="18" charset="-127"/>
+                  <a:ea typeface="-윤고딕330" pitchFamily="18" charset="-127"/>
+                </a:rPr>
+                <a:t>组件和其他组件化思想的区别</a:t>
+              </a:r>
+              <a:endParaRPr lang="ko-KR" altLang="en-US" dirty="0">
+                <a:solidFill>
+                  <a:srgbClr val="7CA7C5"/>
+                </a:solidFill>
+                <a:latin typeface="-윤고딕330" pitchFamily="18" charset="-127"/>
+                <a:ea typeface="-윤고딕330" pitchFamily="18" charset="-127"/>
+              </a:endParaRPr>
+            </a:p>
+          </p:txBody>
+        </p:sp>
+      </p:grpSp>
+      <p:sp>
+        <p:nvSpPr>
+          <p:cNvPr id="7" name="文本框 6"/>
+          <p:cNvSpPr txBox="1"/>
+          <p:nvPr/>
+        </p:nvSpPr>
+        <p:spPr>
+          <a:xfrm>
+            <a:off x="1043608" y="1772816"/>
+            <a:ext cx="7776864" cy="1215717"/>
+          </a:xfrm>
+          <a:prstGeom prst="rect">
+            <a:avLst/>
+          </a:prstGeom>
+          <a:noFill/>
+        </p:spPr>
+        <p:txBody>
+          <a:bodyPr wrap="square" rtlCol="0">
+            <a:spAutoFit/>
+          </a:bodyPr>
+          <a:lstStyle/>
+          <a:p>
+            <a:pPr marL="342900" indent="-342900">
+              <a:spcAft>
+                <a:spcPts val="3000"/>
+              </a:spcAft>
+              <a:buFontTx/>
+              <a:buAutoNum type="arabicPeriod"/>
+            </a:pPr>
+            <a:r>
+              <a:rPr lang="zh-CN" altLang="en-US" sz="2400" dirty="0" smtClean="0">
+                <a:solidFill>
+                  <a:srgbClr val="002060"/>
+                </a:solidFill>
+              </a:rPr>
+              <a:t>利用组合来代替继承</a:t>
+            </a:r>
+            <a:endParaRPr lang="en-US" altLang="zh-CN" sz="2400" dirty="0" smtClean="0">
+              <a:solidFill>
+                <a:srgbClr val="002060"/>
+              </a:solidFill>
+            </a:endParaRPr>
+          </a:p>
+          <a:p>
+            <a:pPr marL="342900" indent="-342900">
+              <a:spcAft>
+                <a:spcPts val="3000"/>
+              </a:spcAft>
+              <a:buFontTx/>
+              <a:buAutoNum type="arabicPeriod"/>
+            </a:pPr>
+            <a:endParaRPr lang="zh-CN" altLang="en-US" sz="2400" dirty="0">
+              <a:solidFill>
+                <a:srgbClr val="002060"/>
+              </a:solidFill>
+            </a:endParaRPr>
+          </a:p>
+        </p:txBody>
+      </p:sp>
+    </p:spTree>
+    <p:extLst>
+      <p:ext uri="{BB962C8B-B14F-4D97-AF65-F5344CB8AC3E}">
+        <p14:creationId xmlns:p14="http://schemas.microsoft.com/office/powerpoint/2010/main" val="3171391927"/>
+      </p:ext>
+    </p:extLst>
+  </p:cSld>
+  <p:clrMapOvr>
+    <a:masterClrMapping/>
+  </p:clrMapOvr>
+  <p:timing>
+    <p:tnLst>
+      <p:par>
+        <p:cTn id="1" dur="indefinite" restart="never" nodeType="tmRoot"/>
+      </p:par>
+    </p:tnLst>
+  </p:timing>
+</p:sld>
+</file>
+
+<file path=ppt/slides/slide18.xml><?xml version="1.0" encoding="utf-8"?>
 <p:sld xmlns:a="http://schemas.openxmlformats.org/drawingml/2006/main" xmlns:r="http://schemas.openxmlformats.org/officeDocument/2006/relationships" xmlns:p="http://schemas.openxmlformats.org/presentationml/2006/main">
   <p:cSld>
     <p:spTree>
@@ -3881,7 +6024,7 @@
   <p:timing>
     <p:tnLst>
       <p:par>
-        <p:cTn xmlns:p14="http://schemas.microsoft.com/office/powerpoint/2010/main" id="1" dur="indefinite" restart="never" nodeType="tmRoot"/>
+        <p:cTn id="1" dur="indefinite" restart="never" nodeType="tmRoot"/>
       </p:par>
     </p:tnLst>
   </p:timing>
@@ -4517,7 +6660,7 @@
   <p:timing>
     <p:tnLst>
       <p:par>
-        <p:cTn xmlns:p14="http://schemas.microsoft.com/office/powerpoint/2010/main" id="1" dur="indefinite" restart="never" nodeType="tmRoot"/>
+        <p:cTn id="1" dur="indefinite" restart="never" nodeType="tmRoot"/>
       </p:par>
     </p:tnLst>
   </p:timing>
@@ -5011,7 +7154,7 @@
   <p:timing>
     <p:tnLst>
       <p:par>
-        <p:cTn xmlns:p14="http://schemas.microsoft.com/office/powerpoint/2010/main" id="1" dur="indefinite" restart="never" nodeType="tmRoot"/>
+        <p:cTn id="1" dur="indefinite" restart="never" nodeType="tmRoot"/>
       </p:par>
     </p:tnLst>
   </p:timing>
@@ -5157,7 +7300,7 @@
         </p:nvSpPr>
         <p:spPr>
           <a:xfrm>
-            <a:off x="1259632" y="1700808"/>
+            <a:off x="1043608" y="1700808"/>
             <a:ext cx="7272808" cy="3000821"/>
           </a:xfrm>
           <a:prstGeom prst="rect">
@@ -5350,7 +7493,7 @@
   <p:timing>
     <p:tnLst>
       <p:par>
-        <p:cTn xmlns:p14="http://schemas.microsoft.com/office/powerpoint/2010/main" id="1" dur="indefinite" restart="never" nodeType="tmRoot"/>
+        <p:cTn id="1" dur="indefinite" restart="never" nodeType="tmRoot"/>
       </p:par>
     </p:tnLst>
   </p:timing>
@@ -5496,7 +7639,7 @@
         </p:nvSpPr>
         <p:spPr>
           <a:xfrm>
-            <a:off x="1259632" y="1700808"/>
+            <a:off x="1041267" y="1700808"/>
             <a:ext cx="7272808" cy="2723823"/>
           </a:xfrm>
           <a:prstGeom prst="rect">
@@ -5612,7 +7755,7 @@
   <p:timing>
     <p:tnLst>
       <p:par>
-        <p:cTn xmlns:p14="http://schemas.microsoft.com/office/powerpoint/2010/main" id="1" dur="indefinite" restart="never" nodeType="tmRoot"/>
+        <p:cTn id="1" dur="indefinite" restart="never" nodeType="tmRoot"/>
       </p:par>
     </p:tnLst>
   </p:timing>
@@ -5758,7 +7901,7 @@
         </p:nvSpPr>
         <p:spPr>
           <a:xfrm>
-            <a:off x="1259632" y="1700808"/>
+            <a:off x="1043608" y="1700808"/>
             <a:ext cx="7272808" cy="3477875"/>
           </a:xfrm>
           <a:prstGeom prst="rect">
@@ -6060,7 +8203,7 @@
   <p:timing>
     <p:tnLst>
       <p:par>
-        <p:cTn xmlns:p14="http://schemas.microsoft.com/office/powerpoint/2010/main" id="1" dur="indefinite" restart="never" nodeType="tmRoot"/>
+        <p:cTn id="1" dur="indefinite" restart="never" nodeType="tmRoot"/>
       </p:par>
     </p:tnLst>
   </p:timing>
@@ -6312,6 +8455,16 @@
             <a:lstStyle/>
             <a:p>
               <a:r>
+                <a:rPr lang="en-US" altLang="zh-CN" sz="3200" dirty="0">
+                  <a:solidFill>
+                    <a:srgbClr val="002060"/>
+                  </a:solidFill>
+                  <a:latin typeface="-윤고딕330" pitchFamily="18" charset="-127"/>
+                  <a:ea typeface="-윤고딕330" pitchFamily="18" charset="-127"/>
+                </a:rPr>
+                <a:t>2</a:t>
+              </a:r>
+              <a:r>
                 <a:rPr lang="en-US" altLang="zh-CN" sz="3200" dirty="0" smtClean="0">
                   <a:solidFill>
                     <a:srgbClr val="002060"/>
@@ -6319,7 +8472,7 @@
                   <a:latin typeface="-윤고딕330" pitchFamily="18" charset="-127"/>
                   <a:ea typeface="-윤고딕330" pitchFamily="18" charset="-127"/>
                 </a:rPr>
-                <a:t>1.1 </a:t>
+                <a:t>.1 </a:t>
               </a:r>
               <a:r>
                 <a:rPr lang="en-US" altLang="zh-CN" sz="3200" dirty="0" smtClean="0">
@@ -6426,6 +8579,16 @@
             <a:lstStyle/>
             <a:p>
               <a:r>
+                <a:rPr lang="en-US" altLang="zh-CN" sz="3200" dirty="0">
+                  <a:solidFill>
+                    <a:srgbClr val="002060"/>
+                  </a:solidFill>
+                  <a:latin typeface="-윤고딕330" pitchFamily="18" charset="-127"/>
+                  <a:ea typeface="-윤고딕330" pitchFamily="18" charset="-127"/>
+                </a:rPr>
+                <a:t>2</a:t>
+              </a:r>
+              <a:r>
                 <a:rPr lang="en-US" altLang="zh-CN" sz="3200" dirty="0" smtClean="0">
                   <a:solidFill>
                     <a:srgbClr val="002060"/>
@@ -6433,7 +8596,7 @@
                   <a:latin typeface="-윤고딕330" pitchFamily="18" charset="-127"/>
                   <a:ea typeface="-윤고딕330" pitchFamily="18" charset="-127"/>
                 </a:rPr>
-                <a:t>1.2 </a:t>
+                <a:t>.2 </a:t>
               </a:r>
               <a:r>
                 <a:rPr lang="zh-CN" altLang="en-US" sz="3200" dirty="0" smtClean="0">
@@ -6443,7 +8606,7 @@
                   <a:latin typeface="-윤고딕330" pitchFamily="18" charset="-127"/>
                   <a:ea typeface="-윤고딕330" pitchFamily="18" charset="-127"/>
                 </a:rPr>
-                <a:t>组件</a:t>
+                <a:t>组件化开发</a:t>
               </a:r>
               <a:endParaRPr lang="ko-KR" altLang="en-US" sz="3200" dirty="0">
                 <a:solidFill>
@@ -6469,7 +8632,7 @@
   <p:timing>
     <p:tnLst>
       <p:par>
-        <p:cTn xmlns:p14="http://schemas.microsoft.com/office/powerpoint/2010/main" id="1" dur="indefinite" restart="never" nodeType="tmRoot"/>
+        <p:cTn id="1" dur="indefinite" restart="never" nodeType="tmRoot"/>
       </p:par>
     </p:tnLst>
   </p:timing>
@@ -6648,7 +8811,7 @@
           </a:prstGeom>
           <a:noFill/>
           <a:extLst>
-            <a:ext uri="{909E8E84-426E-40dd-AFC4-6F175D3DCCD1}">
+            <a:ext uri="{909E8E84-426E-40DD-AFC4-6F175D3DCCD1}">
               <a14:hiddenFill xmlns:a14="http://schemas.microsoft.com/office/drawing/2010/main">
                 <a:solidFill>
                   <a:srgbClr val="FFFFFF"/>
@@ -6716,7 +8879,7 @@
         <p:spPr>
           <a:xfrm>
             <a:off x="532886" y="5187860"/>
-            <a:ext cx="7203978" cy="646331"/>
+            <a:ext cx="9035550" cy="369332"/>
           </a:xfrm>
           <a:prstGeom prst="rect">
             <a:avLst/>
@@ -6759,49 +8922,7 @@
                   <a:srgbClr val="002060"/>
                 </a:solidFill>
               </a:rPr>
-              <a:t>节点和状态的关联</a:t>
-            </a:r>
-            <a:r>
-              <a:rPr lang="zh-CN" altLang="en-US" dirty="0" smtClean="0">
-                <a:solidFill>
-                  <a:srgbClr val="002060"/>
-                </a:solidFill>
-              </a:rPr>
-              <a:t>，</a:t>
-            </a:r>
-          </a:p>
-          <a:p>
-            <a:r>
-              <a:rPr lang="zh-CN" altLang="en-US" dirty="0" smtClean="0">
-                <a:solidFill>
-                  <a:srgbClr val="002060"/>
-                </a:solidFill>
-              </a:rPr>
-              <a:t>	</a:t>
-            </a:r>
-            <a:r>
-              <a:rPr lang="en-US" altLang="zh-CN" smtClean="0">
-                <a:solidFill>
-                  <a:srgbClr val="002060"/>
-                </a:solidFill>
-              </a:rPr>
-              <a:t>               </a:t>
-            </a:r>
-            <a:r>
-              <a:rPr lang="zh-CN" altLang="en-US" smtClean="0">
-                <a:solidFill>
-                  <a:srgbClr val="002060"/>
-                </a:solidFill>
-              </a:rPr>
-              <a:t>由框架进</a:t>
-            </a:r>
-            <a:r>
-              <a:rPr lang="zh-CN" altLang="en-US" dirty="0" smtClean="0">
-                <a:solidFill>
-                  <a:srgbClr val="002060"/>
-                </a:solidFill>
-              </a:rPr>
-              <a:t>行更新。</a:t>
+              <a:t>节点和状态的关联，由框架进行更新。</a:t>
             </a:r>
             <a:endParaRPr lang="zh-CN" altLang="en-US" dirty="0">
               <a:solidFill>
@@ -6819,7 +8940,7 @@
         </p:nvSpPr>
         <p:spPr>
           <a:xfrm>
-            <a:off x="539552" y="5877272"/>
+            <a:off x="532886" y="5650576"/>
             <a:ext cx="5014706" cy="369332"/>
           </a:xfrm>
           <a:prstGeom prst="rect">
@@ -6881,7 +9002,7 @@
   <p:timing>
     <p:tnLst>
       <p:par>
-        <p:cTn xmlns:p14="http://schemas.microsoft.com/office/powerpoint/2010/main" id="1" dur="indefinite" restart="never" nodeType="tmRoot">
+        <p:cTn id="1" dur="indefinite" restart="never" nodeType="tmRoot">
           <p:childTnLst>
             <p:seq concurrent="1" nextAc="seek">
               <p:cTn id="2" dur="indefinite" nodeType="mainSeq">
@@ -7416,7 +9537,7 @@
       </p:cxnSp>
       <p:pic>
         <p:nvPicPr>
-          <p:cNvPr id="20" name="图片 19"/>
+          <p:cNvPr id="11" name="图片 10"/>
           <p:cNvPicPr>
             <a:picLocks noChangeAspect="1"/>
           </p:cNvPicPr>
@@ -7430,8 +9551,8 @@
         </p:blipFill>
         <p:spPr>
           <a:xfrm>
-            <a:off x="853553" y="3356992"/>
-            <a:ext cx="4844606" cy="2426001"/>
+            <a:off x="853553" y="3442309"/>
+            <a:ext cx="4844606" cy="2469656"/>
           </a:xfrm>
           <a:prstGeom prst="rect">
             <a:avLst/>
@@ -7451,7 +9572,7 @@
   <p:timing>
     <p:tnLst>
       <p:par>
-        <p:cTn xmlns:p14="http://schemas.microsoft.com/office/powerpoint/2010/main" id="1" dur="indefinite" restart="never" nodeType="tmRoot">
+        <p:cTn id="1" dur="indefinite" restart="never" nodeType="tmRoot">
           <p:childTnLst>
             <p:seq concurrent="1" nextAc="seek">
               <p:cTn id="2" dur="indefinite" nodeType="mainSeq">
@@ -7503,41 +9624,6 @@
                                   </p:childTnLst>
                                 </p:cTn>
                               </p:par>
-                              <p:par>
-                                <p:cTn id="8" presetID="10" presetClass="entr" presetSubtype="0" fill="hold" nodeType="withEffect">
-                                  <p:stCondLst>
-                                    <p:cond delay="0"/>
-                                  </p:stCondLst>
-                                  <p:childTnLst>
-                                    <p:set>
-                                      <p:cBhvr>
-                                        <p:cTn id="9" dur="1" fill="hold">
-                                          <p:stCondLst>
-                                            <p:cond delay="0"/>
-                                          </p:stCondLst>
-                                        </p:cTn>
-                                        <p:tgtEl>
-                                          <p:spTgt spid="20"/>
-                                        </p:tgtEl>
-                                        <p:attrNameLst>
-                                          <p:attrName>style.visibility</p:attrName>
-                                        </p:attrNameLst>
-                                      </p:cBhvr>
-                                      <p:to>
-                                        <p:strVal val="visible"/>
-                                      </p:to>
-                                    </p:set>
-                                    <p:animEffect transition="in" filter="fade">
-                                      <p:cBhvr>
-                                        <p:cTn id="10" dur="500"/>
-                                        <p:tgtEl>
-                                          <p:spTgt spid="20"/>
-                                        </p:tgtEl>
-                                      </p:cBhvr>
-                                    </p:animEffect>
-                                  </p:childTnLst>
-                                </p:cTn>
-                              </p:par>
                             </p:childTnLst>
                           </p:cTn>
                         </p:par>
@@ -7545,26 +9631,26 @@
                     </p:cTn>
                   </p:par>
                   <p:par>
-                    <p:cTn id="11" fill="hold">
+                    <p:cTn id="8" fill="hold">
                       <p:stCondLst>
                         <p:cond delay="indefinite"/>
                       </p:stCondLst>
                       <p:childTnLst>
                         <p:par>
-                          <p:cTn id="12" fill="hold">
+                          <p:cTn id="9" fill="hold">
                             <p:stCondLst>
                               <p:cond delay="0"/>
                             </p:stCondLst>
                             <p:childTnLst>
                               <p:par>
-                                <p:cTn id="13" presetID="10" presetClass="entr" presetSubtype="0" fill="hold" grpId="0" nodeType="clickEffect">
+                                <p:cTn id="10" presetID="10" presetClass="entr" presetSubtype="0" fill="hold" grpId="0" nodeType="clickEffect">
                                   <p:stCondLst>
                                     <p:cond delay="0"/>
                                   </p:stCondLst>
                                   <p:childTnLst>
                                     <p:set>
                                       <p:cBhvr>
-                                        <p:cTn id="14" dur="1" fill="hold">
+                                        <p:cTn id="11" dur="1" fill="hold">
                                           <p:stCondLst>
                                             <p:cond delay="0"/>
                                           </p:stCondLst>
@@ -7582,7 +9668,7 @@
                                     </p:set>
                                     <p:animEffect transition="in" filter="fade">
                                       <p:cBhvr>
-                                        <p:cTn id="15" dur="500"/>
+                                        <p:cTn id="12" dur="500"/>
                                         <p:tgtEl>
                                           <p:spTgt spid="13"/>
                                         </p:tgtEl>
@@ -7668,7 +9754,7 @@
     </a:clrScheme>
     <a:fontScheme name="Office 主题​​">
       <a:majorFont>
-        <a:latin typeface="Calibri Light"/>
+        <a:latin typeface="Calibri Light" panose="020F0302020204030204"/>
         <a:ea typeface=""/>
         <a:cs typeface=""/>
         <a:font script="Jpan" typeface="游ゴシック Light"/>
@@ -7703,7 +9789,7 @@
         <a:font script="Geor" typeface="Sylfaen"/>
       </a:majorFont>
       <a:minorFont>
-        <a:latin typeface="Calibri"/>
+        <a:latin typeface="Calibri" panose="020F0502020204030204"/>
         <a:ea typeface=""/>
         <a:cs typeface=""/>
         <a:font script="Jpan" typeface="游ゴシック"/>
@@ -7880,7 +9966,7 @@
   <a:extraClrSchemeLst/>
   <a:extLst>
     <a:ext uri="{05A4C25C-085E-4340-85A3-A5531E510DB2}">
-      <thm15:themeFamily xmlns:thm15="http://schemas.microsoft.com/office/thememl/2012/main" xmlns="" name="Office Theme" id="{62F939B6-93AF-4DB8-9C6B-D6C7DFDC589F}" vid="{4A3C46E8-61CC-4603-A589-7422A47A8E4A}"/>
+      <thm15:themeFamily xmlns:thm15="http://schemas.microsoft.com/office/thememl/2012/main" name="Office Theme" id="{62F939B6-93AF-4DB8-9C6B-D6C7DFDC589F}" vid="{4A3C46E8-61CC-4603-A589-7422A47A8E4A}"/>
     </a:ext>
   </a:extLst>
 </a:theme>
@@ -7929,7 +10015,7 @@
     </a:clrScheme>
     <a:fontScheme name="Office">
       <a:majorFont>
-        <a:latin typeface="等线 Light"/>
+        <a:latin typeface="等线 Light" panose="020F0302020204030204"/>
         <a:ea typeface=""/>
         <a:cs typeface=""/>
         <a:font script="Jpan" typeface="游ゴシック Light"/>
@@ -7964,7 +10050,7 @@
         <a:font script="Geor" typeface="Sylfaen"/>
       </a:majorFont>
       <a:minorFont>
-        <a:latin typeface="等线"/>
+        <a:latin typeface="等线" panose="020F0502020204030204"/>
         <a:ea typeface=""/>
         <a:cs typeface=""/>
         <a:font script="Jpan" typeface="游ゴシック"/>
@@ -8141,7 +10227,7 @@
   <a:extraClrSchemeLst/>
   <a:extLst>
     <a:ext uri="{05A4C25C-085E-4340-85A3-A5531E510DB2}">
-      <thm15:themeFamily xmlns:thm15="http://schemas.microsoft.com/office/thememl/2012/main" xmlns="" name="Office Theme" id="{62F939B6-93AF-4DB8-9C6B-D6C7DFDC589F}" vid="{4A3C46E8-61CC-4603-A589-7422A47A8E4A}"/>
+      <thm15:themeFamily xmlns:thm15="http://schemas.microsoft.com/office/thememl/2012/main" name="Office Theme" id="{62F939B6-93AF-4DB8-9C6B-D6C7DFDC589F}" vid="{4A3C46E8-61CC-4603-A589-7422A47A8E4A}"/>
     </a:ext>
   </a:extLst>
 </a:theme>

--- a/new_doc/react share.pptx
+++ b/new_doc/react share.pptx
@@ -5,7 +5,7 @@
     <p:sldMasterId id="2147483684" r:id="rId1"/>
   </p:sldMasterIdLst>
   <p:notesMasterIdLst>
-    <p:notesMasterId r:id="rId20"/>
+    <p:notesMasterId r:id="rId26"/>
   </p:notesMasterIdLst>
   <p:sldIdLst>
     <p:sldId id="256" r:id="rId2"/>
@@ -25,7 +25,13 @@
     <p:sldId id="280" r:id="rId16"/>
     <p:sldId id="281" r:id="rId17"/>
     <p:sldId id="282" r:id="rId18"/>
-    <p:sldId id="258" r:id="rId19"/>
+    <p:sldId id="283" r:id="rId19"/>
+    <p:sldId id="284" r:id="rId20"/>
+    <p:sldId id="285" r:id="rId21"/>
+    <p:sldId id="288" r:id="rId22"/>
+    <p:sldId id="286" r:id="rId23"/>
+    <p:sldId id="287" r:id="rId24"/>
+    <p:sldId id="258" r:id="rId25"/>
   </p:sldIdLst>
   <p:sldSz cx="9144000" cy="6858000" type="screen4x3"/>
   <p:notesSz cx="6858000" cy="9144000"/>
@@ -237,7 +243,7 @@
           <a:p>
             <a:fld id="{C58C5117-CE6E-4671-B14E-C9D5B5857C24}" type="datetimeFigureOut">
               <a:rPr lang="zh-CN" altLang="en-US" smtClean="0"/>
-              <a:t>2017-04-24</a:t>
+              <a:t>2017-04-25</a:t>
             </a:fld>
             <a:endParaRPr lang="zh-CN" altLang="en-US"/>
           </a:p>
@@ -636,7 +642,7 @@
           <a:p>
             <a:fld id="{962D594F-007C-4B14-9EDA-6CA324581E67}" type="datetimeFigureOut">
               <a:rPr lang="ko-KR" altLang="en-US" smtClean="0"/>
-              <a:t>2017-04-24</a:t>
+              <a:t>2017-04-25</a:t>
             </a:fld>
             <a:endParaRPr lang="ko-KR" altLang="en-US"/>
           </a:p>
@@ -806,7 +812,7 @@
           <a:p>
             <a:fld id="{962D594F-007C-4B14-9EDA-6CA324581E67}" type="datetimeFigureOut">
               <a:rPr lang="ko-KR" altLang="en-US" smtClean="0"/>
-              <a:t>2017-04-24</a:t>
+              <a:t>2017-04-25</a:t>
             </a:fld>
             <a:endParaRPr lang="ko-KR" altLang="en-US"/>
           </a:p>
@@ -986,7 +992,7 @@
           <a:p>
             <a:fld id="{962D594F-007C-4B14-9EDA-6CA324581E67}" type="datetimeFigureOut">
               <a:rPr lang="ko-KR" altLang="en-US" smtClean="0"/>
-              <a:t>2017-04-24</a:t>
+              <a:t>2017-04-25</a:t>
             </a:fld>
             <a:endParaRPr lang="ko-KR" altLang="en-US"/>
           </a:p>
@@ -1156,7 +1162,7 @@
           <a:p>
             <a:fld id="{962D594F-007C-4B14-9EDA-6CA324581E67}" type="datetimeFigureOut">
               <a:rPr lang="ko-KR" altLang="en-US" smtClean="0"/>
-              <a:t>2017-04-24</a:t>
+              <a:t>2017-04-25</a:t>
             </a:fld>
             <a:endParaRPr lang="ko-KR" altLang="en-US"/>
           </a:p>
@@ -1400,7 +1406,7 @@
           <a:p>
             <a:fld id="{962D594F-007C-4B14-9EDA-6CA324581E67}" type="datetimeFigureOut">
               <a:rPr lang="ko-KR" altLang="en-US" smtClean="0"/>
-              <a:t>2017-04-24</a:t>
+              <a:t>2017-04-25</a:t>
             </a:fld>
             <a:endParaRPr lang="ko-KR" altLang="en-US"/>
           </a:p>
@@ -1632,7 +1638,7 @@
           <a:p>
             <a:fld id="{962D594F-007C-4B14-9EDA-6CA324581E67}" type="datetimeFigureOut">
               <a:rPr lang="ko-KR" altLang="en-US" smtClean="0"/>
-              <a:t>2017-04-24</a:t>
+              <a:t>2017-04-25</a:t>
             </a:fld>
             <a:endParaRPr lang="ko-KR" altLang="en-US"/>
           </a:p>
@@ -1999,7 +2005,7 @@
           <a:p>
             <a:fld id="{962D594F-007C-4B14-9EDA-6CA324581E67}" type="datetimeFigureOut">
               <a:rPr lang="ko-KR" altLang="en-US" smtClean="0"/>
-              <a:t>2017-04-24</a:t>
+              <a:t>2017-04-25</a:t>
             </a:fld>
             <a:endParaRPr lang="ko-KR" altLang="en-US"/>
           </a:p>
@@ -2117,7 +2123,7 @@
           <a:p>
             <a:fld id="{962D594F-007C-4B14-9EDA-6CA324581E67}" type="datetimeFigureOut">
               <a:rPr lang="ko-KR" altLang="en-US" smtClean="0"/>
-              <a:t>2017-04-24</a:t>
+              <a:t>2017-04-25</a:t>
             </a:fld>
             <a:endParaRPr lang="ko-KR" altLang="en-US"/>
           </a:p>
@@ -2212,7 +2218,7 @@
           <a:p>
             <a:fld id="{962D594F-007C-4B14-9EDA-6CA324581E67}" type="datetimeFigureOut">
               <a:rPr lang="ko-KR" altLang="en-US" smtClean="0"/>
-              <a:t>2017-04-24</a:t>
+              <a:t>2017-04-25</a:t>
             </a:fld>
             <a:endParaRPr lang="ko-KR" altLang="en-US"/>
           </a:p>
@@ -2489,7 +2495,7 @@
           <a:p>
             <a:fld id="{962D594F-007C-4B14-9EDA-6CA324581E67}" type="datetimeFigureOut">
               <a:rPr lang="ko-KR" altLang="en-US" smtClean="0"/>
-              <a:t>2017-04-24</a:t>
+              <a:t>2017-04-25</a:t>
             </a:fld>
             <a:endParaRPr lang="ko-KR" altLang="en-US"/>
           </a:p>
@@ -2746,7 +2752,7 @@
           <a:p>
             <a:fld id="{962D594F-007C-4B14-9EDA-6CA324581E67}" type="datetimeFigureOut">
               <a:rPr lang="ko-KR" altLang="en-US" smtClean="0"/>
-              <a:t>2017-04-24</a:t>
+              <a:t>2017-04-25</a:t>
             </a:fld>
             <a:endParaRPr lang="ko-KR" altLang="en-US"/>
           </a:p>
@@ -2959,7 +2965,7 @@
           <a:p>
             <a:fld id="{962D594F-007C-4B14-9EDA-6CA324581E67}" type="datetimeFigureOut">
               <a:rPr lang="ko-KR" altLang="en-US" smtClean="0"/>
-              <a:t>2017-04-24</a:t>
+              <a:t>2017-04-25</a:t>
             </a:fld>
             <a:endParaRPr lang="ko-KR" altLang="en-US"/>
           </a:p>
@@ -3792,25 +3798,17 @@
                   <a:srgbClr val="002060"/>
                 </a:solidFill>
               </a:rPr>
-              <a:t>没有任何框架可以比纯手动的优化 </a:t>
-            </a:r>
-            <a:r>
-              <a:rPr lang="en-US" altLang="zh-CN" sz="2400" dirty="0">
-                <a:solidFill>
-                  <a:srgbClr val="002060"/>
-                </a:solidFill>
-              </a:rPr>
-              <a:t>DOM </a:t>
-            </a:r>
-            <a:r>
-              <a:rPr lang="zh-CN" altLang="en-US" sz="2400" dirty="0">
-                <a:solidFill>
-                  <a:srgbClr val="002060"/>
-                </a:solidFill>
-              </a:rPr>
-              <a:t>操作更快</a:t>
-            </a:r>
-            <a:endParaRPr lang="en-US" altLang="zh-CN" sz="2400" dirty="0">
+              <a:t>视图</a:t>
+            </a:r>
+            <a:r>
+              <a:rPr lang="zh-CN" altLang="en-US" sz="2400" dirty="0" smtClean="0">
+                <a:solidFill>
+                  <a:srgbClr val="002060"/>
+                </a:solidFill>
+              </a:rPr>
+              <a:t>层单元测试</a:t>
+            </a:r>
+            <a:endParaRPr lang="en-US" altLang="zh-CN" sz="2400" dirty="0" smtClean="0">
               <a:solidFill>
                 <a:srgbClr val="002060"/>
               </a:solidFill>
@@ -3831,7 +3829,213 @@
   <p:timing>
     <p:tnLst>
       <p:par>
-        <p:cTn id="1" dur="indefinite" restart="never" nodeType="tmRoot"/>
+        <p:cTn id="1" dur="indefinite" restart="never" nodeType="tmRoot">
+          <p:childTnLst>
+            <p:seq concurrent="1" nextAc="seek">
+              <p:cTn id="2" dur="indefinite" nodeType="mainSeq">
+                <p:childTnLst>
+                  <p:par>
+                    <p:cTn id="3" fill="hold">
+                      <p:stCondLst>
+                        <p:cond delay="indefinite"/>
+                      </p:stCondLst>
+                      <p:childTnLst>
+                        <p:par>
+                          <p:cTn id="4" fill="hold">
+                            <p:stCondLst>
+                              <p:cond delay="0"/>
+                            </p:stCondLst>
+                            <p:childTnLst>
+                              <p:par>
+                                <p:cTn id="5" presetID="10" presetClass="entr" presetSubtype="0" fill="hold" nodeType="clickEffect">
+                                  <p:stCondLst>
+                                    <p:cond delay="0"/>
+                                  </p:stCondLst>
+                                  <p:childTnLst>
+                                    <p:set>
+                                      <p:cBhvr>
+                                        <p:cTn id="6" dur="1" fill="hold">
+                                          <p:stCondLst>
+                                            <p:cond delay="0"/>
+                                          </p:stCondLst>
+                                        </p:cTn>
+                                        <p:tgtEl>
+                                          <p:spTgt spid="8">
+                                            <p:txEl>
+                                              <p:pRg st="0" end="0"/>
+                                            </p:txEl>
+                                          </p:spTgt>
+                                        </p:tgtEl>
+                                        <p:attrNameLst>
+                                          <p:attrName>style.visibility</p:attrName>
+                                        </p:attrNameLst>
+                                      </p:cBhvr>
+                                      <p:to>
+                                        <p:strVal val="visible"/>
+                                      </p:to>
+                                    </p:set>
+                                    <p:animEffect transition="in" filter="fade">
+                                      <p:cBhvr>
+                                        <p:cTn id="7" dur="500"/>
+                                        <p:tgtEl>
+                                          <p:spTgt spid="8">
+                                            <p:txEl>
+                                              <p:pRg st="0" end="0"/>
+                                            </p:txEl>
+                                          </p:spTgt>
+                                        </p:tgtEl>
+                                      </p:cBhvr>
+                                    </p:animEffect>
+                                  </p:childTnLst>
+                                </p:cTn>
+                              </p:par>
+                            </p:childTnLst>
+                          </p:cTn>
+                        </p:par>
+                      </p:childTnLst>
+                    </p:cTn>
+                  </p:par>
+                  <p:par>
+                    <p:cTn id="8" fill="hold">
+                      <p:stCondLst>
+                        <p:cond delay="indefinite"/>
+                      </p:stCondLst>
+                      <p:childTnLst>
+                        <p:par>
+                          <p:cTn id="9" fill="hold">
+                            <p:stCondLst>
+                              <p:cond delay="0"/>
+                            </p:stCondLst>
+                            <p:childTnLst>
+                              <p:par>
+                                <p:cTn id="10" presetID="10" presetClass="entr" presetSubtype="0" fill="hold" nodeType="clickEffect">
+                                  <p:stCondLst>
+                                    <p:cond delay="0"/>
+                                  </p:stCondLst>
+                                  <p:childTnLst>
+                                    <p:set>
+                                      <p:cBhvr>
+                                        <p:cTn id="11" dur="1" fill="hold">
+                                          <p:stCondLst>
+                                            <p:cond delay="0"/>
+                                          </p:stCondLst>
+                                        </p:cTn>
+                                        <p:tgtEl>
+                                          <p:spTgt spid="8">
+                                            <p:txEl>
+                                              <p:pRg st="1" end="1"/>
+                                            </p:txEl>
+                                          </p:spTgt>
+                                        </p:tgtEl>
+                                        <p:attrNameLst>
+                                          <p:attrName>style.visibility</p:attrName>
+                                        </p:attrNameLst>
+                                      </p:cBhvr>
+                                      <p:to>
+                                        <p:strVal val="visible"/>
+                                      </p:to>
+                                    </p:set>
+                                    <p:animEffect transition="in" filter="fade">
+                                      <p:cBhvr>
+                                        <p:cTn id="12" dur="500"/>
+                                        <p:tgtEl>
+                                          <p:spTgt spid="8">
+                                            <p:txEl>
+                                              <p:pRg st="1" end="1"/>
+                                            </p:txEl>
+                                          </p:spTgt>
+                                        </p:tgtEl>
+                                      </p:cBhvr>
+                                    </p:animEffect>
+                                  </p:childTnLst>
+                                </p:cTn>
+                              </p:par>
+                            </p:childTnLst>
+                          </p:cTn>
+                        </p:par>
+                      </p:childTnLst>
+                    </p:cTn>
+                  </p:par>
+                  <p:par>
+                    <p:cTn id="13" fill="hold">
+                      <p:stCondLst>
+                        <p:cond delay="indefinite"/>
+                      </p:stCondLst>
+                      <p:childTnLst>
+                        <p:par>
+                          <p:cTn id="14" fill="hold">
+                            <p:stCondLst>
+                              <p:cond delay="0"/>
+                            </p:stCondLst>
+                            <p:childTnLst>
+                              <p:par>
+                                <p:cTn id="15" presetID="10" presetClass="entr" presetSubtype="0" fill="hold" nodeType="clickEffect">
+                                  <p:stCondLst>
+                                    <p:cond delay="0"/>
+                                  </p:stCondLst>
+                                  <p:childTnLst>
+                                    <p:set>
+                                      <p:cBhvr>
+                                        <p:cTn id="16" dur="1" fill="hold">
+                                          <p:stCondLst>
+                                            <p:cond delay="0"/>
+                                          </p:stCondLst>
+                                        </p:cTn>
+                                        <p:tgtEl>
+                                          <p:spTgt spid="8">
+                                            <p:txEl>
+                                              <p:pRg st="2" end="2"/>
+                                            </p:txEl>
+                                          </p:spTgt>
+                                        </p:tgtEl>
+                                        <p:attrNameLst>
+                                          <p:attrName>style.visibility</p:attrName>
+                                        </p:attrNameLst>
+                                      </p:cBhvr>
+                                      <p:to>
+                                        <p:strVal val="visible"/>
+                                      </p:to>
+                                    </p:set>
+                                    <p:animEffect transition="in" filter="fade">
+                                      <p:cBhvr>
+                                        <p:cTn id="17" dur="500"/>
+                                        <p:tgtEl>
+                                          <p:spTgt spid="8">
+                                            <p:txEl>
+                                              <p:pRg st="2" end="2"/>
+                                            </p:txEl>
+                                          </p:spTgt>
+                                        </p:tgtEl>
+                                      </p:cBhvr>
+                                    </p:animEffect>
+                                  </p:childTnLst>
+                                </p:cTn>
+                              </p:par>
+                            </p:childTnLst>
+                          </p:cTn>
+                        </p:par>
+                      </p:childTnLst>
+                    </p:cTn>
+                  </p:par>
+                </p:childTnLst>
+              </p:cTn>
+              <p:prevCondLst>
+                <p:cond evt="onPrev" delay="0">
+                  <p:tgtEl>
+                    <p:sldTgt/>
+                  </p:tgtEl>
+                </p:cond>
+              </p:prevCondLst>
+              <p:nextCondLst>
+                <p:cond evt="onNext" delay="0">
+                  <p:tgtEl>
+                    <p:sldTgt/>
+                  </p:tgtEl>
+                </p:cond>
+              </p:nextCondLst>
+            </p:seq>
+          </p:childTnLst>
+        </p:cTn>
       </p:par>
     </p:tnLst>
   </p:timing>
@@ -4123,9 +4327,141 @@
   <p:timing>
     <p:tnLst>
       <p:par>
-        <p:cTn id="1" dur="indefinite" restart="never" nodeType="tmRoot"/>
+        <p:cTn id="1" dur="indefinite" restart="never" nodeType="tmRoot">
+          <p:childTnLst>
+            <p:seq concurrent="1" nextAc="seek">
+              <p:cTn id="2" dur="indefinite" nodeType="mainSeq">
+                <p:childTnLst>
+                  <p:par>
+                    <p:cTn id="3" fill="hold">
+                      <p:stCondLst>
+                        <p:cond delay="indefinite"/>
+                      </p:stCondLst>
+                      <p:childTnLst>
+                        <p:par>
+                          <p:cTn id="4" fill="hold">
+                            <p:stCondLst>
+                              <p:cond delay="0"/>
+                            </p:stCondLst>
+                            <p:childTnLst>
+                              <p:par>
+                                <p:cTn id="5" presetID="10" presetClass="entr" presetSubtype="0" fill="hold" nodeType="clickEffect">
+                                  <p:stCondLst>
+                                    <p:cond delay="0"/>
+                                  </p:stCondLst>
+                                  <p:childTnLst>
+                                    <p:set>
+                                      <p:cBhvr>
+                                        <p:cTn id="6" dur="1" fill="hold">
+                                          <p:stCondLst>
+                                            <p:cond delay="0"/>
+                                          </p:stCondLst>
+                                        </p:cTn>
+                                        <p:tgtEl>
+                                          <p:spTgt spid="1026"/>
+                                        </p:tgtEl>
+                                        <p:attrNameLst>
+                                          <p:attrName>style.visibility</p:attrName>
+                                        </p:attrNameLst>
+                                      </p:cBhvr>
+                                      <p:to>
+                                        <p:strVal val="visible"/>
+                                      </p:to>
+                                    </p:set>
+                                    <p:animEffect transition="in" filter="fade">
+                                      <p:cBhvr>
+                                        <p:cTn id="7" dur="500"/>
+                                        <p:tgtEl>
+                                          <p:spTgt spid="1026"/>
+                                        </p:tgtEl>
+                                      </p:cBhvr>
+                                    </p:animEffect>
+                                  </p:childTnLst>
+                                </p:cTn>
+                              </p:par>
+                            </p:childTnLst>
+                          </p:cTn>
+                        </p:par>
+                      </p:childTnLst>
+                    </p:cTn>
+                  </p:par>
+                  <p:par>
+                    <p:cTn id="8" fill="hold">
+                      <p:stCondLst>
+                        <p:cond delay="indefinite"/>
+                      </p:stCondLst>
+                      <p:childTnLst>
+                        <p:par>
+                          <p:cTn id="9" fill="hold">
+                            <p:stCondLst>
+                              <p:cond delay="0"/>
+                            </p:stCondLst>
+                            <p:childTnLst>
+                              <p:par>
+                                <p:cTn id="10" presetID="10" presetClass="entr" presetSubtype="0" fill="hold" grpId="0" nodeType="clickEffect">
+                                  <p:stCondLst>
+                                    <p:cond delay="0"/>
+                                  </p:stCondLst>
+                                  <p:childTnLst>
+                                    <p:set>
+                                      <p:cBhvr>
+                                        <p:cTn id="11" dur="1" fill="hold">
+                                          <p:stCondLst>
+                                            <p:cond delay="0"/>
+                                          </p:stCondLst>
+                                        </p:cTn>
+                                        <p:tgtEl>
+                                          <p:spTgt spid="7"/>
+                                        </p:tgtEl>
+                                        <p:attrNameLst>
+                                          <p:attrName>style.visibility</p:attrName>
+                                        </p:attrNameLst>
+                                      </p:cBhvr>
+                                      <p:to>
+                                        <p:strVal val="visible"/>
+                                      </p:to>
+                                    </p:set>
+                                    <p:animEffect transition="in" filter="fade">
+                                      <p:cBhvr>
+                                        <p:cTn id="12" dur="500"/>
+                                        <p:tgtEl>
+                                          <p:spTgt spid="7"/>
+                                        </p:tgtEl>
+                                      </p:cBhvr>
+                                    </p:animEffect>
+                                  </p:childTnLst>
+                                </p:cTn>
+                              </p:par>
+                            </p:childTnLst>
+                          </p:cTn>
+                        </p:par>
+                      </p:childTnLst>
+                    </p:cTn>
+                  </p:par>
+                </p:childTnLst>
+              </p:cTn>
+              <p:prevCondLst>
+                <p:cond evt="onPrev" delay="0">
+                  <p:tgtEl>
+                    <p:sldTgt/>
+                  </p:tgtEl>
+                </p:cond>
+              </p:prevCondLst>
+              <p:nextCondLst>
+                <p:cond evt="onNext" delay="0">
+                  <p:tgtEl>
+                    <p:sldTgt/>
+                  </p:tgtEl>
+                </p:cond>
+              </p:nextCondLst>
+            </p:seq>
+          </p:childTnLst>
+        </p:cTn>
       </p:par>
     </p:tnLst>
+    <p:bldLst>
+      <p:bldP spid="7" grpId="0"/>
+    </p:bldLst>
   </p:timing>
 </p:sld>
 </file>
@@ -4267,7 +4603,7 @@
         </p:blipFill>
         <p:spPr>
           <a:xfrm>
-            <a:off x="473669" y="1412776"/>
+            <a:off x="473669" y="2704766"/>
             <a:ext cx="2736304" cy="1246151"/>
           </a:xfrm>
           <a:prstGeom prst="rect">
@@ -4291,7 +4627,7 @@
         </p:blipFill>
         <p:spPr>
           <a:xfrm>
-            <a:off x="473669" y="3160893"/>
+            <a:off x="473669" y="4452883"/>
             <a:ext cx="3561905" cy="1352381"/>
           </a:xfrm>
           <a:prstGeom prst="rect">
@@ -4315,7 +4651,7 @@
         </p:blipFill>
         <p:spPr>
           <a:xfrm>
-            <a:off x="5438568" y="2084811"/>
+            <a:off x="5438568" y="3376801"/>
             <a:ext cx="2585462" cy="1752273"/>
           </a:xfrm>
           <a:prstGeom prst="rect">
@@ -4331,7 +4667,7 @@
         </p:nvSpPr>
         <p:spPr>
           <a:xfrm rot="5400000">
-            <a:off x="1661801" y="2733873"/>
+            <a:off x="1661801" y="4025863"/>
             <a:ext cx="360040" cy="288032"/>
           </a:xfrm>
           <a:prstGeom prst="mathEqual">
@@ -4375,7 +4711,7 @@
         </p:nvSpPr>
         <p:spPr>
           <a:xfrm>
-            <a:off x="4280555" y="1412776"/>
+            <a:off x="4280555" y="2704766"/>
             <a:ext cx="507469" cy="3096344"/>
           </a:xfrm>
           <a:prstGeom prst="rightBrace">
@@ -4413,7 +4749,7 @@
         </p:nvSpPr>
         <p:spPr>
           <a:xfrm>
-            <a:off x="970842" y="1701975"/>
+            <a:off x="3563888" y="1629727"/>
             <a:ext cx="7272808" cy="461665"/>
           </a:xfrm>
           <a:prstGeom prst="rect">
@@ -4440,11 +4776,6 @@
               </a:rPr>
               <a:t>HTML in JS</a:t>
             </a:r>
-            <a:endParaRPr lang="en-US" altLang="zh-CN" sz="2400" dirty="0" smtClean="0">
-              <a:solidFill>
-                <a:srgbClr val="002060"/>
-              </a:solidFill>
-            </a:endParaRPr>
           </a:p>
         </p:txBody>
       </p:sp>
@@ -4461,9 +4792,265 @@
   <p:timing>
     <p:tnLst>
       <p:par>
-        <p:cTn id="1" dur="indefinite" restart="never" nodeType="tmRoot"/>
+        <p:cTn id="1" dur="indefinite" restart="never" nodeType="tmRoot">
+          <p:childTnLst>
+            <p:seq concurrent="1" nextAc="seek">
+              <p:cTn id="2" dur="indefinite" nodeType="mainSeq">
+                <p:childTnLst>
+                  <p:par>
+                    <p:cTn id="3" fill="hold">
+                      <p:stCondLst>
+                        <p:cond delay="indefinite"/>
+                      </p:stCondLst>
+                      <p:childTnLst>
+                        <p:par>
+                          <p:cTn id="4" fill="hold">
+                            <p:stCondLst>
+                              <p:cond delay="0"/>
+                            </p:stCondLst>
+                            <p:childTnLst>
+                              <p:par>
+                                <p:cTn id="5" presetID="10" presetClass="entr" presetSubtype="0" fill="hold" nodeType="clickEffect">
+                                  <p:stCondLst>
+                                    <p:cond delay="0"/>
+                                  </p:stCondLst>
+                                  <p:childTnLst>
+                                    <p:set>
+                                      <p:cBhvr>
+                                        <p:cTn id="6" dur="1" fill="hold">
+                                          <p:stCondLst>
+                                            <p:cond delay="0"/>
+                                          </p:stCondLst>
+                                        </p:cTn>
+                                        <p:tgtEl>
+                                          <p:spTgt spid="4"/>
+                                        </p:tgtEl>
+                                        <p:attrNameLst>
+                                          <p:attrName>style.visibility</p:attrName>
+                                        </p:attrNameLst>
+                                      </p:cBhvr>
+                                      <p:to>
+                                        <p:strVal val="visible"/>
+                                      </p:to>
+                                    </p:set>
+                                    <p:animEffect transition="in" filter="fade">
+                                      <p:cBhvr>
+                                        <p:cTn id="7" dur="500"/>
+                                        <p:tgtEl>
+                                          <p:spTgt spid="4"/>
+                                        </p:tgtEl>
+                                      </p:cBhvr>
+                                    </p:animEffect>
+                                  </p:childTnLst>
+                                </p:cTn>
+                              </p:par>
+                            </p:childTnLst>
+                          </p:cTn>
+                        </p:par>
+                      </p:childTnLst>
+                    </p:cTn>
+                  </p:par>
+                  <p:par>
+                    <p:cTn id="8" fill="hold">
+                      <p:stCondLst>
+                        <p:cond delay="indefinite"/>
+                      </p:stCondLst>
+                      <p:childTnLst>
+                        <p:par>
+                          <p:cTn id="9" fill="hold">
+                            <p:stCondLst>
+                              <p:cond delay="0"/>
+                            </p:stCondLst>
+                            <p:childTnLst>
+                              <p:par>
+                                <p:cTn id="10" presetID="10" presetClass="entr" presetSubtype="0" fill="hold" grpId="0" nodeType="clickEffect">
+                                  <p:stCondLst>
+                                    <p:cond delay="0"/>
+                                  </p:stCondLst>
+                                  <p:childTnLst>
+                                    <p:set>
+                                      <p:cBhvr>
+                                        <p:cTn id="11" dur="1" fill="hold">
+                                          <p:stCondLst>
+                                            <p:cond delay="0"/>
+                                          </p:stCondLst>
+                                        </p:cTn>
+                                        <p:tgtEl>
+                                          <p:spTgt spid="13"/>
+                                        </p:tgtEl>
+                                        <p:attrNameLst>
+                                          <p:attrName>style.visibility</p:attrName>
+                                        </p:attrNameLst>
+                                      </p:cBhvr>
+                                      <p:to>
+                                        <p:strVal val="visible"/>
+                                      </p:to>
+                                    </p:set>
+                                    <p:animEffect transition="in" filter="fade">
+                                      <p:cBhvr>
+                                        <p:cTn id="12" dur="500"/>
+                                        <p:tgtEl>
+                                          <p:spTgt spid="13"/>
+                                        </p:tgtEl>
+                                      </p:cBhvr>
+                                    </p:animEffect>
+                                  </p:childTnLst>
+                                </p:cTn>
+                              </p:par>
+                              <p:par>
+                                <p:cTn id="13" presetID="10" presetClass="entr" presetSubtype="0" fill="hold" nodeType="withEffect">
+                                  <p:stCondLst>
+                                    <p:cond delay="0"/>
+                                  </p:stCondLst>
+                                  <p:childTnLst>
+                                    <p:set>
+                                      <p:cBhvr>
+                                        <p:cTn id="14" dur="1" fill="hold">
+                                          <p:stCondLst>
+                                            <p:cond delay="0"/>
+                                          </p:stCondLst>
+                                        </p:cTn>
+                                        <p:tgtEl>
+                                          <p:spTgt spid="11"/>
+                                        </p:tgtEl>
+                                        <p:attrNameLst>
+                                          <p:attrName>style.visibility</p:attrName>
+                                        </p:attrNameLst>
+                                      </p:cBhvr>
+                                      <p:to>
+                                        <p:strVal val="visible"/>
+                                      </p:to>
+                                    </p:set>
+                                    <p:animEffect transition="in" filter="fade">
+                                      <p:cBhvr>
+                                        <p:cTn id="15" dur="500"/>
+                                        <p:tgtEl>
+                                          <p:spTgt spid="11"/>
+                                        </p:tgtEl>
+                                      </p:cBhvr>
+                                    </p:animEffect>
+                                  </p:childTnLst>
+                                </p:cTn>
+                              </p:par>
+                            </p:childTnLst>
+                          </p:cTn>
+                        </p:par>
+                      </p:childTnLst>
+                    </p:cTn>
+                  </p:par>
+                  <p:par>
+                    <p:cTn id="16" fill="hold">
+                      <p:stCondLst>
+                        <p:cond delay="indefinite"/>
+                      </p:stCondLst>
+                      <p:childTnLst>
+                        <p:par>
+                          <p:cTn id="17" fill="hold">
+                            <p:stCondLst>
+                              <p:cond delay="0"/>
+                            </p:stCondLst>
+                            <p:childTnLst>
+                              <p:par>
+                                <p:cTn id="18" presetID="10" presetClass="entr" presetSubtype="0" fill="hold" grpId="0" nodeType="clickEffect">
+                                  <p:stCondLst>
+                                    <p:cond delay="0"/>
+                                  </p:stCondLst>
+                                  <p:childTnLst>
+                                    <p:set>
+                                      <p:cBhvr>
+                                        <p:cTn id="19" dur="1" fill="hold">
+                                          <p:stCondLst>
+                                            <p:cond delay="0"/>
+                                          </p:stCondLst>
+                                        </p:cTn>
+                                        <p:tgtEl>
+                                          <p:spTgt spid="14"/>
+                                        </p:tgtEl>
+                                        <p:attrNameLst>
+                                          <p:attrName>style.visibility</p:attrName>
+                                        </p:attrNameLst>
+                                      </p:cBhvr>
+                                      <p:to>
+                                        <p:strVal val="visible"/>
+                                      </p:to>
+                                    </p:set>
+                                    <p:animEffect transition="in" filter="fade">
+                                      <p:cBhvr>
+                                        <p:cTn id="20" dur="500"/>
+                                        <p:tgtEl>
+                                          <p:spTgt spid="14"/>
+                                        </p:tgtEl>
+                                      </p:cBhvr>
+                                    </p:animEffect>
+                                  </p:childTnLst>
+                                </p:cTn>
+                              </p:par>
+                              <p:par>
+                                <p:cTn id="21" presetID="10" presetClass="entr" presetSubtype="0" fill="hold" nodeType="withEffect">
+                                  <p:stCondLst>
+                                    <p:cond delay="0"/>
+                                  </p:stCondLst>
+                                  <p:childTnLst>
+                                    <p:set>
+                                      <p:cBhvr>
+                                        <p:cTn id="22" dur="1" fill="hold">
+                                          <p:stCondLst>
+                                            <p:cond delay="0"/>
+                                          </p:stCondLst>
+                                        </p:cTn>
+                                        <p:tgtEl>
+                                          <p:spTgt spid="12"/>
+                                        </p:tgtEl>
+                                        <p:attrNameLst>
+                                          <p:attrName>style.visibility</p:attrName>
+                                        </p:attrNameLst>
+                                      </p:cBhvr>
+                                      <p:to>
+                                        <p:strVal val="visible"/>
+                                      </p:to>
+                                    </p:set>
+                                    <p:animEffect transition="in" filter="fade">
+                                      <p:cBhvr>
+                                        <p:cTn id="23" dur="500"/>
+                                        <p:tgtEl>
+                                          <p:spTgt spid="12"/>
+                                        </p:tgtEl>
+                                      </p:cBhvr>
+                                    </p:animEffect>
+                                  </p:childTnLst>
+                                </p:cTn>
+                              </p:par>
+                            </p:childTnLst>
+                          </p:cTn>
+                        </p:par>
+                      </p:childTnLst>
+                    </p:cTn>
+                  </p:par>
+                </p:childTnLst>
+              </p:cTn>
+              <p:prevCondLst>
+                <p:cond evt="onPrev" delay="0">
+                  <p:tgtEl>
+                    <p:sldTgt/>
+                  </p:tgtEl>
+                </p:cond>
+              </p:prevCondLst>
+              <p:nextCondLst>
+                <p:cond evt="onNext" delay="0">
+                  <p:tgtEl>
+                    <p:sldTgt/>
+                  </p:tgtEl>
+                </p:cond>
+              </p:nextCondLst>
+            </p:seq>
+          </p:childTnLst>
+        </p:cTn>
       </p:par>
     </p:tnLst>
+    <p:bldLst>
+      <p:bldP spid="13" grpId="0" animBg="1"/>
+      <p:bldP spid="14" grpId="0" animBg="1"/>
+    </p:bldLst>
   </p:timing>
 </p:sld>
 </file>
@@ -4957,9 +5544,88 @@
   <p:timing>
     <p:tnLst>
       <p:par>
-        <p:cTn id="1" dur="indefinite" restart="never" nodeType="tmRoot"/>
+        <p:cTn id="1" dur="indefinite" restart="never" nodeType="tmRoot">
+          <p:childTnLst>
+            <p:seq concurrent="1" nextAc="seek">
+              <p:cTn id="2" dur="indefinite" nodeType="mainSeq">
+                <p:childTnLst>
+                  <p:par>
+                    <p:cTn id="3" fill="hold">
+                      <p:stCondLst>
+                        <p:cond delay="indefinite"/>
+                      </p:stCondLst>
+                      <p:childTnLst>
+                        <p:par>
+                          <p:cTn id="4" fill="hold">
+                            <p:stCondLst>
+                              <p:cond delay="0"/>
+                            </p:stCondLst>
+                            <p:childTnLst>
+                              <p:par>
+                                <p:cTn id="5" presetID="10" presetClass="entr" presetSubtype="0" fill="hold" grpId="0" nodeType="clickEffect">
+                                  <p:stCondLst>
+                                    <p:cond delay="0"/>
+                                  </p:stCondLst>
+                                  <p:childTnLst>
+                                    <p:set>
+                                      <p:cBhvr>
+                                        <p:cTn id="6" dur="1" fill="hold">
+                                          <p:stCondLst>
+                                            <p:cond delay="0"/>
+                                          </p:stCondLst>
+                                        </p:cTn>
+                                        <p:tgtEl>
+                                          <p:spTgt spid="9"/>
+                                        </p:tgtEl>
+                                        <p:attrNameLst>
+                                          <p:attrName>style.visibility</p:attrName>
+                                        </p:attrNameLst>
+                                      </p:cBhvr>
+                                      <p:to>
+                                        <p:strVal val="visible"/>
+                                      </p:to>
+                                    </p:set>
+                                    <p:animEffect transition="in" filter="fade">
+                                      <p:cBhvr>
+                                        <p:cTn id="7" dur="500"/>
+                                        <p:tgtEl>
+                                          <p:spTgt spid="9"/>
+                                        </p:tgtEl>
+                                      </p:cBhvr>
+                                    </p:animEffect>
+                                  </p:childTnLst>
+                                </p:cTn>
+                              </p:par>
+                            </p:childTnLst>
+                          </p:cTn>
+                        </p:par>
+                      </p:childTnLst>
+                    </p:cTn>
+                  </p:par>
+                </p:childTnLst>
+              </p:cTn>
+              <p:prevCondLst>
+                <p:cond evt="onPrev" delay="0">
+                  <p:tgtEl>
+                    <p:sldTgt/>
+                  </p:tgtEl>
+                </p:cond>
+              </p:prevCondLst>
+              <p:nextCondLst>
+                <p:cond evt="onNext" delay="0">
+                  <p:tgtEl>
+                    <p:sldTgt/>
+                  </p:tgtEl>
+                </p:cond>
+              </p:nextCondLst>
+            </p:seq>
+          </p:childTnLst>
+        </p:cTn>
       </p:par>
     </p:tnLst>
+    <p:bldLst>
+      <p:bldP spid="9" grpId="0"/>
+    </p:bldLst>
   </p:timing>
 </p:sld>
 </file>
@@ -5319,7 +5985,7 @@
         <p:spPr>
           <a:xfrm>
             <a:off x="736176" y="4653136"/>
-            <a:ext cx="7887672" cy="830997"/>
+            <a:ext cx="7887672" cy="1200329"/>
           </a:xfrm>
           <a:prstGeom prst="rect">
             <a:avLst/>
@@ -5364,6 +6030,8 @@
               </a:rPr>
               <a:t>)</a:t>
             </a:r>
+          </a:p>
+          <a:p>
             <a:endParaRPr lang="zh-CN" altLang="en-US" sz="2400" dirty="0">
               <a:solidFill>
                 <a:srgbClr val="002060"/>
@@ -5436,9 +6104,178 @@
   <p:timing>
     <p:tnLst>
       <p:par>
-        <p:cTn id="1" dur="indefinite" restart="never" nodeType="tmRoot"/>
+        <p:cTn id="1" dur="indefinite" restart="never" nodeType="tmRoot">
+          <p:childTnLst>
+            <p:seq concurrent="1" nextAc="seek">
+              <p:cTn id="2" dur="indefinite" nodeType="mainSeq">
+                <p:childTnLst>
+                  <p:par>
+                    <p:cTn id="3" fill="hold">
+                      <p:stCondLst>
+                        <p:cond delay="indefinite"/>
+                      </p:stCondLst>
+                      <p:childTnLst>
+                        <p:par>
+                          <p:cTn id="4" fill="hold">
+                            <p:stCondLst>
+                              <p:cond delay="0"/>
+                            </p:stCondLst>
+                            <p:childTnLst>
+                              <p:par>
+                                <p:cTn id="5" presetID="10" presetClass="entr" presetSubtype="0" fill="hold" grpId="0" nodeType="clickEffect">
+                                  <p:stCondLst>
+                                    <p:cond delay="0"/>
+                                  </p:stCondLst>
+                                  <p:childTnLst>
+                                    <p:set>
+                                      <p:cBhvr>
+                                        <p:cTn id="6" dur="1" fill="hold">
+                                          <p:stCondLst>
+                                            <p:cond delay="0"/>
+                                          </p:stCondLst>
+                                        </p:cTn>
+                                        <p:tgtEl>
+                                          <p:spTgt spid="8"/>
+                                        </p:tgtEl>
+                                        <p:attrNameLst>
+                                          <p:attrName>style.visibility</p:attrName>
+                                        </p:attrNameLst>
+                                      </p:cBhvr>
+                                      <p:to>
+                                        <p:strVal val="visible"/>
+                                      </p:to>
+                                    </p:set>
+                                    <p:animEffect transition="in" filter="fade">
+                                      <p:cBhvr>
+                                        <p:cTn id="7" dur="500"/>
+                                        <p:tgtEl>
+                                          <p:spTgt spid="8"/>
+                                        </p:tgtEl>
+                                      </p:cBhvr>
+                                    </p:animEffect>
+                                  </p:childTnLst>
+                                </p:cTn>
+                              </p:par>
+                              <p:par>
+                                <p:cTn id="8" presetID="10" presetClass="entr" presetSubtype="0" fill="hold" grpId="0" nodeType="withEffect">
+                                  <p:stCondLst>
+                                    <p:cond delay="0"/>
+                                  </p:stCondLst>
+                                  <p:childTnLst>
+                                    <p:set>
+                                      <p:cBhvr>
+                                        <p:cTn id="9" dur="1" fill="hold">
+                                          <p:stCondLst>
+                                            <p:cond delay="0"/>
+                                          </p:stCondLst>
+                                        </p:cTn>
+                                        <p:tgtEl>
+                                          <p:spTgt spid="4"/>
+                                        </p:tgtEl>
+                                        <p:attrNameLst>
+                                          <p:attrName>style.visibility</p:attrName>
+                                        </p:attrNameLst>
+                                      </p:cBhvr>
+                                      <p:to>
+                                        <p:strVal val="visible"/>
+                                      </p:to>
+                                    </p:set>
+                                    <p:animEffect transition="in" filter="fade">
+                                      <p:cBhvr>
+                                        <p:cTn id="10" dur="500"/>
+                                        <p:tgtEl>
+                                          <p:spTgt spid="4"/>
+                                        </p:tgtEl>
+                                      </p:cBhvr>
+                                    </p:animEffect>
+                                  </p:childTnLst>
+                                </p:cTn>
+                              </p:par>
+                            </p:childTnLst>
+                          </p:cTn>
+                        </p:par>
+                      </p:childTnLst>
+                    </p:cTn>
+                  </p:par>
+                  <p:par>
+                    <p:cTn id="11" fill="hold">
+                      <p:stCondLst>
+                        <p:cond delay="indefinite"/>
+                      </p:stCondLst>
+                      <p:childTnLst>
+                        <p:par>
+                          <p:cTn id="12" fill="hold">
+                            <p:stCondLst>
+                              <p:cond delay="0"/>
+                            </p:stCondLst>
+                            <p:childTnLst>
+                              <p:par>
+                                <p:cTn id="13" presetID="10" presetClass="entr" presetSubtype="0" fill="hold" grpId="0" nodeType="clickEffect">
+                                  <p:stCondLst>
+                                    <p:cond delay="0"/>
+                                  </p:stCondLst>
+                                  <p:childTnLst>
+                                    <p:set>
+                                      <p:cBhvr>
+                                        <p:cTn id="14" dur="1" fill="hold">
+                                          <p:stCondLst>
+                                            <p:cond delay="0"/>
+                                          </p:stCondLst>
+                                        </p:cTn>
+                                        <p:tgtEl>
+                                          <p:spTgt spid="10"/>
+                                        </p:tgtEl>
+                                        <p:attrNameLst>
+                                          <p:attrName>style.visibility</p:attrName>
+                                        </p:attrNameLst>
+                                      </p:cBhvr>
+                                      <p:to>
+                                        <p:strVal val="visible"/>
+                                      </p:to>
+                                    </p:set>
+                                    <p:animEffect transition="in" filter="fade">
+                                      <p:cBhvr>
+                                        <p:cTn id="15" dur="500"/>
+                                        <p:tgtEl>
+                                          <p:spTgt spid="10"/>
+                                        </p:tgtEl>
+                                      </p:cBhvr>
+                                    </p:animEffect>
+                                  </p:childTnLst>
+                                </p:cTn>
+                              </p:par>
+                            </p:childTnLst>
+                          </p:cTn>
+                        </p:par>
+                      </p:childTnLst>
+                    </p:cTn>
+                  </p:par>
+                </p:childTnLst>
+              </p:cTn>
+              <p:prevCondLst>
+                <p:cond evt="onPrev" delay="0">
+                  <p:tgtEl>
+                    <p:sldTgt/>
+                  </p:tgtEl>
+                </p:cond>
+              </p:prevCondLst>
+              <p:nextCondLst>
+                <p:cond evt="onNext" delay="0">
+                  <p:tgtEl>
+                    <p:sldTgt/>
+                  </p:tgtEl>
+                </p:cond>
+              </p:nextCondLst>
+            </p:seq>
+          </p:childTnLst>
+        </p:cTn>
       </p:par>
     </p:tnLst>
+    <p:bldLst>
+      <p:bldP spid="4" grpId="0"/>
+      <p:bldP spid="8" grpId="0" animBg="1"/>
+      <p:bldP spid="10" grpId="0"/>
+    </p:bldLst>
   </p:timing>
 </p:sld>
 </file>
@@ -5841,7 +6678,7 @@
         <p:spPr>
           <a:xfrm>
             <a:off x="1043608" y="1772816"/>
-            <a:ext cx="7776864" cy="1215717"/>
+            <a:ext cx="7776864" cy="1969770"/>
           </a:xfrm>
           <a:prstGeom prst="rect">
             <a:avLst/>
@@ -5868,6 +6705,28 @@
                 </a:solidFill>
               </a:rPr>
               <a:t>利用组合来代替继承</a:t>
+            </a:r>
+            <a:endParaRPr lang="en-US" altLang="zh-CN" sz="2400" dirty="0" smtClean="0">
+              <a:solidFill>
+                <a:srgbClr val="002060"/>
+              </a:solidFill>
+            </a:endParaRPr>
+          </a:p>
+          <a:p>
+            <a:pPr marL="342900" indent="-342900">
+              <a:spcAft>
+                <a:spcPts val="3000"/>
+              </a:spcAft>
+              <a:buFontTx/>
+              <a:buAutoNum type="arabicPeriod"/>
+            </a:pPr>
+            <a:r>
+              <a:rPr lang="zh-CN" altLang="en-US" sz="2400" dirty="0" smtClean="0">
+                <a:solidFill>
+                  <a:srgbClr val="002060"/>
+                </a:solidFill>
+              </a:rPr>
+              <a:t>不对外提供接口</a:t>
             </a:r>
             <a:endParaRPr lang="en-US" altLang="zh-CN" sz="2400" dirty="0" smtClean="0">
               <a:solidFill>
@@ -5928,35 +6787,6 @@
           <a:chExt cx="0" cy="0"/>
         </a:xfrm>
       </p:grpSpPr>
-      <p:pic>
-        <p:nvPicPr>
-          <p:cNvPr id="4" name="그림 3"/>
-          <p:cNvPicPr>
-            <a:picLocks noChangeAspect="1"/>
-          </p:cNvPicPr>
-          <p:nvPr/>
-        </p:nvPicPr>
-        <p:blipFill rotWithShape="1">
-          <a:blip r:embed="rId2" cstate="print">
-            <a:extLst>
-              <a:ext uri="{28A0092B-C50C-407E-A947-70E740481C1C}">
-                <a14:useLocalDpi xmlns:a14="http://schemas.microsoft.com/office/drawing/2010/main" val="0"/>
-              </a:ext>
-            </a:extLst>
-          </a:blip>
-          <a:srcRect b="10897"/>
-          <a:stretch/>
-        </p:blipFill>
-        <p:spPr>
-          <a:xfrm>
-            <a:off x="4283968" y="2512640"/>
-            <a:ext cx="4876800" cy="4345360"/>
-          </a:xfrm>
-          <a:prstGeom prst="rect">
-            <a:avLst/>
-          </a:prstGeom>
-        </p:spPr>
-      </p:pic>
       <p:sp>
         <p:nvSpPr>
           <p:cNvPr id="5" name="TextBox 4"/>
@@ -5965,8 +6795,8 @@
         </p:nvSpPr>
         <p:spPr>
           <a:xfrm>
-            <a:off x="299020" y="2096473"/>
-            <a:ext cx="6624736" cy="1569660"/>
+            <a:off x="539552" y="789488"/>
+            <a:ext cx="7200800" cy="830997"/>
           </a:xfrm>
           <a:prstGeom prst="rect">
             <a:avLst/>
@@ -5986,35 +6816,800 @@
           </a:bodyPr>
           <a:lstStyle/>
           <a:p>
-            <a:pPr algn="ctr"/>
-            <a:r>
-              <a:rPr lang="en-US" altLang="ko-KR" sz="9600" b="1" dirty="0" smtClean="0">
-                <a:solidFill>
-                  <a:srgbClr val="002060"/>
-                </a:solidFill>
-              </a:rPr>
-              <a:t>T</a:t>
-            </a:r>
-            <a:r>
-              <a:rPr lang="en-US" altLang="ko-KR" sz="9600" dirty="0" smtClean="0">
+            <a:r>
+              <a:rPr lang="en-US" altLang="zh-CN" sz="4800" dirty="0" smtClean="0">
+                <a:solidFill>
+                  <a:srgbClr val="002060"/>
+                </a:solidFill>
+                <a:latin typeface="-윤고딕330" pitchFamily="18" charset="-127"/>
+                <a:ea typeface="-윤고딕330" pitchFamily="18" charset="-127"/>
+              </a:rPr>
+              <a:t>2.3</a:t>
+            </a:r>
+            <a:r>
+              <a:rPr lang="en-US" altLang="ko-KR" sz="4800" dirty="0" smtClean="0">
+                <a:solidFill>
+                  <a:srgbClr val="002060"/>
+                </a:solidFill>
+                <a:latin typeface="-윤고딕330" pitchFamily="18" charset="-127"/>
+                <a:ea typeface="-윤고딕330" pitchFamily="18" charset="-127"/>
+              </a:rPr>
+              <a:t> </a:t>
+            </a:r>
+            <a:r>
+              <a:rPr lang="zh-CN" altLang="en-US" sz="4800" dirty="0">
                 <a:solidFill>
                   <a:srgbClr val="7CA7C5"/>
                 </a:solidFill>
-              </a:rPr>
-              <a:t>hank you</a:t>
-            </a:r>
-            <a:endParaRPr lang="ko-KR" altLang="en-US" sz="6000" dirty="0">
+                <a:latin typeface="-윤고딕330" pitchFamily="18" charset="-127"/>
+                <a:ea typeface="-윤고딕330" pitchFamily="18" charset="-127"/>
+              </a:rPr>
+              <a:t>视图层单元测试</a:t>
+            </a:r>
+            <a:endParaRPr lang="ko-KR" altLang="en-US" sz="4800" dirty="0">
               <a:solidFill>
                 <a:srgbClr val="7CA7C5"/>
               </a:solidFill>
+              <a:latin typeface="-윤고딕330" pitchFamily="18" charset="-127"/>
+              <a:ea typeface="-윤고딕330" pitchFamily="18" charset="-127"/>
             </a:endParaRPr>
           </a:p>
         </p:txBody>
       </p:sp>
+      <p:sp>
+        <p:nvSpPr>
+          <p:cNvPr id="6" name="文本框 5"/>
+          <p:cNvSpPr txBox="1"/>
+          <p:nvPr/>
+        </p:nvSpPr>
+        <p:spPr>
+          <a:xfrm>
+            <a:off x="1043608" y="2348880"/>
+            <a:ext cx="7776864" cy="1215717"/>
+          </a:xfrm>
+          <a:prstGeom prst="rect">
+            <a:avLst/>
+          </a:prstGeom>
+          <a:noFill/>
+        </p:spPr>
+        <p:txBody>
+          <a:bodyPr wrap="square" rtlCol="0">
+            <a:spAutoFit/>
+          </a:bodyPr>
+          <a:lstStyle/>
+          <a:p>
+            <a:pPr marL="342900" indent="-342900">
+              <a:spcAft>
+                <a:spcPts val="3000"/>
+              </a:spcAft>
+              <a:buFontTx/>
+              <a:buAutoNum type="arabicPeriod"/>
+            </a:pPr>
+            <a:r>
+              <a:rPr lang="en-US" altLang="zh-CN" sz="2400" dirty="0" smtClean="0">
+                <a:solidFill>
+                  <a:srgbClr val="002060"/>
+                </a:solidFill>
+              </a:rPr>
+              <a:t>Shallow </a:t>
+            </a:r>
+            <a:r>
+              <a:rPr lang="en-US" altLang="zh-CN" sz="2400" dirty="0">
+                <a:solidFill>
+                  <a:srgbClr val="002060"/>
+                </a:solidFill>
+              </a:rPr>
+              <a:t>Rendering</a:t>
+            </a:r>
+            <a:r>
+              <a:rPr lang="zh-CN" altLang="en-US" sz="2400" dirty="0">
+                <a:solidFill>
+                  <a:srgbClr val="002060"/>
+                </a:solidFill>
+              </a:rPr>
+              <a:t>：测试虚拟</a:t>
+            </a:r>
+            <a:r>
+              <a:rPr lang="en-US" altLang="zh-CN" sz="2400" dirty="0">
+                <a:solidFill>
+                  <a:srgbClr val="002060"/>
+                </a:solidFill>
+              </a:rPr>
+              <a:t>DOM</a:t>
+            </a:r>
+            <a:r>
+              <a:rPr lang="zh-CN" altLang="en-US" sz="2400" dirty="0">
+                <a:solidFill>
+                  <a:srgbClr val="002060"/>
+                </a:solidFill>
+              </a:rPr>
+              <a:t>的</a:t>
+            </a:r>
+            <a:r>
+              <a:rPr lang="zh-CN" altLang="en-US" sz="2400" dirty="0" smtClean="0">
+                <a:solidFill>
+                  <a:srgbClr val="002060"/>
+                </a:solidFill>
+              </a:rPr>
+              <a:t>方法</a:t>
+            </a:r>
+            <a:endParaRPr lang="en-US" altLang="zh-CN" sz="2400" dirty="0" smtClean="0">
+              <a:solidFill>
+                <a:srgbClr val="002060"/>
+              </a:solidFill>
+            </a:endParaRPr>
+          </a:p>
+          <a:p>
+            <a:pPr marL="342900" indent="-342900">
+              <a:spcAft>
+                <a:spcPts val="3000"/>
+              </a:spcAft>
+              <a:buFontTx/>
+              <a:buAutoNum type="arabicPeriod"/>
+            </a:pPr>
+            <a:r>
+              <a:rPr lang="en-US" altLang="zh-CN" sz="2400" dirty="0">
+                <a:solidFill>
+                  <a:srgbClr val="002060"/>
+                </a:solidFill>
+              </a:rPr>
+              <a:t>DOM Rendering: </a:t>
+            </a:r>
+            <a:r>
+              <a:rPr lang="zh-CN" altLang="en-US" sz="2400" dirty="0">
+                <a:solidFill>
+                  <a:srgbClr val="002060"/>
+                </a:solidFill>
+              </a:rPr>
+              <a:t>测试真实</a:t>
+            </a:r>
+            <a:r>
+              <a:rPr lang="en-US" altLang="zh-CN" sz="2400" dirty="0">
+                <a:solidFill>
+                  <a:srgbClr val="002060"/>
+                </a:solidFill>
+              </a:rPr>
+              <a:t>DOM</a:t>
+            </a:r>
+            <a:r>
+              <a:rPr lang="zh-CN" altLang="en-US" sz="2400" dirty="0">
+                <a:solidFill>
+                  <a:srgbClr val="002060"/>
+                </a:solidFill>
+              </a:rPr>
+              <a:t>的方法</a:t>
+            </a:r>
+          </a:p>
+        </p:txBody>
+      </p:sp>
+      <p:pic>
+        <p:nvPicPr>
+          <p:cNvPr id="2" name="图片 1"/>
+          <p:cNvPicPr>
+            <a:picLocks noChangeAspect="1"/>
+          </p:cNvPicPr>
+          <p:nvPr/>
+        </p:nvPicPr>
+        <p:blipFill>
+          <a:blip r:embed="rId2"/>
+          <a:stretch>
+            <a:fillRect/>
+          </a:stretch>
+        </p:blipFill>
+        <p:spPr>
+          <a:xfrm>
+            <a:off x="1092333" y="1916832"/>
+            <a:ext cx="6095238" cy="4123809"/>
+          </a:xfrm>
+          <a:prstGeom prst="rect">
+            <a:avLst/>
+          </a:prstGeom>
+        </p:spPr>
+      </p:pic>
     </p:spTree>
     <p:extLst>
       <p:ext uri="{BB962C8B-B14F-4D97-AF65-F5344CB8AC3E}">
-        <p14:creationId xmlns:p14="http://schemas.microsoft.com/office/powerpoint/2010/main" val="501041440"/>
+        <p14:creationId xmlns:p14="http://schemas.microsoft.com/office/powerpoint/2010/main" val="1698611263"/>
+      </p:ext>
+    </p:extLst>
+  </p:cSld>
+  <p:clrMapOvr>
+    <a:masterClrMapping/>
+  </p:clrMapOvr>
+  <p:timing>
+    <p:tnLst>
+      <p:par>
+        <p:cTn id="1" dur="indefinite" restart="never" nodeType="tmRoot">
+          <p:childTnLst>
+            <p:seq concurrent="1" nextAc="seek">
+              <p:cTn id="2" dur="indefinite" nodeType="mainSeq">
+                <p:childTnLst>
+                  <p:par>
+                    <p:cTn id="3" fill="hold">
+                      <p:stCondLst>
+                        <p:cond delay="indefinite"/>
+                      </p:stCondLst>
+                      <p:childTnLst>
+                        <p:par>
+                          <p:cTn id="4" fill="hold">
+                            <p:stCondLst>
+                              <p:cond delay="0"/>
+                            </p:stCondLst>
+                            <p:childTnLst>
+                              <p:par>
+                                <p:cTn id="5" presetID="10" presetClass="entr" presetSubtype="0" fill="hold" nodeType="clickEffect">
+                                  <p:stCondLst>
+                                    <p:cond delay="0"/>
+                                  </p:stCondLst>
+                                  <p:childTnLst>
+                                    <p:set>
+                                      <p:cBhvr>
+                                        <p:cTn id="6" dur="1" fill="hold">
+                                          <p:stCondLst>
+                                            <p:cond delay="0"/>
+                                          </p:stCondLst>
+                                        </p:cTn>
+                                        <p:tgtEl>
+                                          <p:spTgt spid="2"/>
+                                        </p:tgtEl>
+                                        <p:attrNameLst>
+                                          <p:attrName>style.visibility</p:attrName>
+                                        </p:attrNameLst>
+                                      </p:cBhvr>
+                                      <p:to>
+                                        <p:strVal val="visible"/>
+                                      </p:to>
+                                    </p:set>
+                                    <p:animEffect transition="in" filter="fade">
+                                      <p:cBhvr>
+                                        <p:cTn id="7" dur="500"/>
+                                        <p:tgtEl>
+                                          <p:spTgt spid="2"/>
+                                        </p:tgtEl>
+                                      </p:cBhvr>
+                                    </p:animEffect>
+                                  </p:childTnLst>
+                                </p:cTn>
+                              </p:par>
+                            </p:childTnLst>
+                          </p:cTn>
+                        </p:par>
+                      </p:childTnLst>
+                    </p:cTn>
+                  </p:par>
+                </p:childTnLst>
+              </p:cTn>
+              <p:prevCondLst>
+                <p:cond evt="onPrev" delay="0">
+                  <p:tgtEl>
+                    <p:sldTgt/>
+                  </p:tgtEl>
+                </p:cond>
+              </p:prevCondLst>
+              <p:nextCondLst>
+                <p:cond evt="onNext" delay="0">
+                  <p:tgtEl>
+                    <p:sldTgt/>
+                  </p:tgtEl>
+                </p:cond>
+              </p:nextCondLst>
+            </p:seq>
+          </p:childTnLst>
+        </p:cTn>
+      </p:par>
+    </p:tnLst>
+  </p:timing>
+</p:sld>
+</file>
+
+<file path=ppt/slides/slide19.xml><?xml version="1.0" encoding="utf-8"?>
+<p:sld xmlns:a="http://schemas.openxmlformats.org/drawingml/2006/main" xmlns:r="http://schemas.openxmlformats.org/officeDocument/2006/relationships" xmlns:p="http://schemas.openxmlformats.org/presentationml/2006/main">
+  <p:cSld>
+    <p:spTree>
+      <p:nvGrpSpPr>
+        <p:cNvPr id="1" name=""/>
+        <p:cNvGrpSpPr/>
+        <p:nvPr/>
+      </p:nvGrpSpPr>
+      <p:grpSpPr>
+        <a:xfrm>
+          <a:off x="0" y="0"/>
+          <a:ext cx="0" cy="0"/>
+          <a:chOff x="0" y="0"/>
+          <a:chExt cx="0" cy="0"/>
+        </a:xfrm>
+      </p:grpSpPr>
+      <p:pic>
+        <p:nvPicPr>
+          <p:cNvPr id="4" name="그림 3"/>
+          <p:cNvPicPr>
+            <a:picLocks noChangeAspect="1"/>
+          </p:cNvPicPr>
+          <p:nvPr/>
+        </p:nvPicPr>
+        <p:blipFill>
+          <a:blip r:embed="rId2" cstate="print">
+            <a:extLst>
+              <a:ext uri="{28A0092B-C50C-407E-A947-70E740481C1C}">
+                <a14:useLocalDpi xmlns:a14="http://schemas.microsoft.com/office/drawing/2010/main" val="0"/>
+              </a:ext>
+            </a:extLst>
+          </a:blip>
+          <a:stretch>
+            <a:fillRect/>
+          </a:stretch>
+        </p:blipFill>
+        <p:spPr>
+          <a:xfrm>
+            <a:off x="5132761" y="1959785"/>
+            <a:ext cx="3998218" cy="3198574"/>
+          </a:xfrm>
+          <a:prstGeom prst="rect">
+            <a:avLst/>
+          </a:prstGeom>
+        </p:spPr>
+      </p:pic>
+      <p:sp>
+        <p:nvSpPr>
+          <p:cNvPr id="5" name="TextBox 4"/>
+          <p:cNvSpPr txBox="1"/>
+          <p:nvPr/>
+        </p:nvSpPr>
+        <p:spPr>
+          <a:xfrm>
+            <a:off x="539552" y="789488"/>
+            <a:ext cx="5904656" cy="1569660"/>
+          </a:xfrm>
+          <a:prstGeom prst="rect">
+            <a:avLst/>
+          </a:prstGeom>
+          <a:noFill/>
+          <a:ln>
+            <a:solidFill>
+              <a:schemeClr val="accent1">
+                <a:alpha val="0"/>
+              </a:schemeClr>
+            </a:solidFill>
+          </a:ln>
+        </p:spPr>
+        <p:txBody>
+          <a:bodyPr wrap="square" rtlCol="0">
+            <a:spAutoFit/>
+          </a:bodyPr>
+          <a:lstStyle/>
+          <a:p>
+            <a:r>
+              <a:rPr lang="en-US" altLang="zh-CN" sz="4800" dirty="0">
+                <a:solidFill>
+                  <a:srgbClr val="002060"/>
+                </a:solidFill>
+                <a:latin typeface="-윤고딕330" pitchFamily="18" charset="-127"/>
+                <a:ea typeface="-윤고딕330" pitchFamily="18" charset="-127"/>
+              </a:rPr>
+              <a:t>3</a:t>
+            </a:r>
+            <a:r>
+              <a:rPr lang="en-US" altLang="zh-CN" sz="4800" dirty="0" smtClean="0">
+                <a:solidFill>
+                  <a:srgbClr val="002060"/>
+                </a:solidFill>
+                <a:latin typeface="-윤고딕330" pitchFamily="18" charset="-127"/>
+                <a:ea typeface="-윤고딕330" pitchFamily="18" charset="-127"/>
+              </a:rPr>
+              <a:t>.</a:t>
+            </a:r>
+            <a:r>
+              <a:rPr lang="en-US" altLang="ko-KR" sz="4800" dirty="0" smtClean="0">
+                <a:solidFill>
+                  <a:srgbClr val="002060"/>
+                </a:solidFill>
+                <a:latin typeface="-윤고딕330" pitchFamily="18" charset="-127"/>
+                <a:ea typeface="-윤고딕330" pitchFamily="18" charset="-127"/>
+              </a:rPr>
+              <a:t> </a:t>
+            </a:r>
+            <a:r>
+              <a:rPr lang="en-US" altLang="zh-CN" sz="4800" dirty="0">
+                <a:solidFill>
+                  <a:srgbClr val="7CA7C5"/>
+                </a:solidFill>
+                <a:latin typeface="-윤고딕330" pitchFamily="18" charset="-127"/>
+                <a:ea typeface="-윤고딕330" pitchFamily="18" charset="-127"/>
+              </a:rPr>
+              <a:t>Flux</a:t>
+            </a:r>
+            <a:endParaRPr lang="ko-KR" altLang="en-US" sz="4800" dirty="0">
+              <a:solidFill>
+                <a:srgbClr val="7CA7C5"/>
+              </a:solidFill>
+              <a:latin typeface="-윤고딕330" pitchFamily="18" charset="-127"/>
+              <a:ea typeface="-윤고딕330" pitchFamily="18" charset="-127"/>
+            </a:endParaRPr>
+          </a:p>
+          <a:p>
+            <a:endParaRPr lang="ko-KR" altLang="en-US" sz="4800" dirty="0">
+              <a:ln>
+                <a:solidFill>
+                  <a:schemeClr val="bg1">
+                    <a:alpha val="0"/>
+                  </a:schemeClr>
+                </a:solidFill>
+              </a:ln>
+              <a:solidFill>
+                <a:srgbClr val="7CA7C5"/>
+              </a:solidFill>
+              <a:latin typeface="-윤고딕330" pitchFamily="18" charset="-127"/>
+              <a:ea typeface="-윤고딕330" pitchFamily="18" charset="-127"/>
+            </a:endParaRPr>
+          </a:p>
+        </p:txBody>
+      </p:sp>
+      <p:grpSp>
+        <p:nvGrpSpPr>
+          <p:cNvPr id="7" name="그룹 5"/>
+          <p:cNvGrpSpPr/>
+          <p:nvPr/>
+        </p:nvGrpSpPr>
+        <p:grpSpPr>
+          <a:xfrm>
+            <a:off x="755576" y="1959785"/>
+            <a:ext cx="5228442" cy="836712"/>
+            <a:chOff x="206896" y="216024"/>
+            <a:chExt cx="5228442" cy="836712"/>
+          </a:xfrm>
+        </p:grpSpPr>
+        <p:pic>
+          <p:nvPicPr>
+            <p:cNvPr id="8" name="그림 6"/>
+            <p:cNvPicPr>
+              <a:picLocks noChangeAspect="1"/>
+            </p:cNvPicPr>
+            <p:nvPr/>
+          </p:nvPicPr>
+          <p:blipFill>
+            <a:blip r:embed="rId3" cstate="print">
+              <a:extLst>
+                <a:ext uri="{28A0092B-C50C-407E-A947-70E740481C1C}">
+                  <a14:useLocalDpi xmlns:a14="http://schemas.microsoft.com/office/drawing/2010/main" val="0"/>
+                </a:ext>
+              </a:extLst>
+            </a:blip>
+            <a:stretch>
+              <a:fillRect/>
+            </a:stretch>
+          </p:blipFill>
+          <p:spPr>
+            <a:xfrm>
+              <a:off x="206896" y="216024"/>
+              <a:ext cx="836712" cy="836712"/>
+            </a:xfrm>
+            <a:prstGeom prst="rect">
+              <a:avLst/>
+            </a:prstGeom>
+          </p:spPr>
+        </p:pic>
+        <p:sp>
+          <p:nvSpPr>
+            <p:cNvPr id="9" name="TextBox 7"/>
+            <p:cNvSpPr txBox="1"/>
+            <p:nvPr/>
+          </p:nvSpPr>
+          <p:spPr>
+            <a:xfrm>
+              <a:off x="970842" y="370022"/>
+              <a:ext cx="4464496" cy="584775"/>
+            </a:xfrm>
+            <a:prstGeom prst="rect">
+              <a:avLst/>
+            </a:prstGeom>
+            <a:noFill/>
+            <a:ln>
+              <a:solidFill>
+                <a:schemeClr val="accent1">
+                  <a:alpha val="0"/>
+                </a:schemeClr>
+              </a:solidFill>
+            </a:ln>
+          </p:spPr>
+          <p:txBody>
+            <a:bodyPr wrap="square" rtlCol="0">
+              <a:spAutoFit/>
+            </a:bodyPr>
+            <a:lstStyle/>
+            <a:p>
+              <a:r>
+                <a:rPr lang="en-US" altLang="zh-CN" sz="3200" dirty="0">
+                  <a:solidFill>
+                    <a:srgbClr val="002060"/>
+                  </a:solidFill>
+                  <a:latin typeface="-윤고딕330" pitchFamily="18" charset="-127"/>
+                  <a:ea typeface="-윤고딕330" pitchFamily="18" charset="-127"/>
+                </a:rPr>
+                <a:t>2</a:t>
+              </a:r>
+              <a:r>
+                <a:rPr lang="en-US" altLang="zh-CN" sz="3200" dirty="0" smtClean="0">
+                  <a:solidFill>
+                    <a:srgbClr val="002060"/>
+                  </a:solidFill>
+                  <a:latin typeface="-윤고딕330" pitchFamily="18" charset="-127"/>
+                  <a:ea typeface="-윤고딕330" pitchFamily="18" charset="-127"/>
+                </a:rPr>
+                <a:t>.1 </a:t>
+              </a:r>
+              <a:r>
+                <a:rPr lang="en-US" altLang="zh-CN" sz="3200" dirty="0" smtClean="0">
+                  <a:solidFill>
+                    <a:srgbClr val="7CA7C5"/>
+                  </a:solidFill>
+                  <a:latin typeface="-윤고딕330" pitchFamily="18" charset="-127"/>
+                  <a:ea typeface="-윤고딕330" pitchFamily="18" charset="-127"/>
+                </a:rPr>
+                <a:t>Flux</a:t>
+              </a:r>
+              <a:r>
+                <a:rPr lang="zh-CN" altLang="en-US" sz="3200" dirty="0" smtClean="0">
+                  <a:solidFill>
+                    <a:srgbClr val="7CA7C5"/>
+                  </a:solidFill>
+                  <a:latin typeface="-윤고딕330" pitchFamily="18" charset="-127"/>
+                  <a:ea typeface="-윤고딕330" pitchFamily="18" charset="-127"/>
+                </a:rPr>
+                <a:t>简介</a:t>
+              </a:r>
+              <a:endParaRPr lang="ko-KR" altLang="en-US" sz="3200" dirty="0">
+                <a:solidFill>
+                  <a:srgbClr val="7CA7C5"/>
+                </a:solidFill>
+                <a:latin typeface="-윤고딕330" pitchFamily="18" charset="-127"/>
+                <a:ea typeface="-윤고딕330" pitchFamily="18" charset="-127"/>
+              </a:endParaRPr>
+            </a:p>
+          </p:txBody>
+        </p:sp>
+      </p:grpSp>
+      <p:grpSp>
+        <p:nvGrpSpPr>
+          <p:cNvPr id="10" name="그룹 5"/>
+          <p:cNvGrpSpPr/>
+          <p:nvPr/>
+        </p:nvGrpSpPr>
+        <p:grpSpPr>
+          <a:xfrm>
+            <a:off x="755576" y="2969143"/>
+            <a:ext cx="5228442" cy="836712"/>
+            <a:chOff x="206896" y="216024"/>
+            <a:chExt cx="5228442" cy="836712"/>
+          </a:xfrm>
+        </p:grpSpPr>
+        <p:pic>
+          <p:nvPicPr>
+            <p:cNvPr id="11" name="그림 6"/>
+            <p:cNvPicPr>
+              <a:picLocks noChangeAspect="1"/>
+            </p:cNvPicPr>
+            <p:nvPr/>
+          </p:nvPicPr>
+          <p:blipFill>
+            <a:blip r:embed="rId3" cstate="print">
+              <a:extLst>
+                <a:ext uri="{28A0092B-C50C-407E-A947-70E740481C1C}">
+                  <a14:useLocalDpi xmlns:a14="http://schemas.microsoft.com/office/drawing/2010/main" val="0"/>
+                </a:ext>
+              </a:extLst>
+            </a:blip>
+            <a:stretch>
+              <a:fillRect/>
+            </a:stretch>
+          </p:blipFill>
+          <p:spPr>
+            <a:xfrm>
+              <a:off x="206896" y="216024"/>
+              <a:ext cx="836712" cy="836712"/>
+            </a:xfrm>
+            <a:prstGeom prst="rect">
+              <a:avLst/>
+            </a:prstGeom>
+          </p:spPr>
+        </p:pic>
+        <p:sp>
+          <p:nvSpPr>
+            <p:cNvPr id="12" name="TextBox 7"/>
+            <p:cNvSpPr txBox="1"/>
+            <p:nvPr/>
+          </p:nvSpPr>
+          <p:spPr>
+            <a:xfrm>
+              <a:off x="970842" y="370022"/>
+              <a:ext cx="4464496" cy="584775"/>
+            </a:xfrm>
+            <a:prstGeom prst="rect">
+              <a:avLst/>
+            </a:prstGeom>
+            <a:noFill/>
+            <a:ln>
+              <a:solidFill>
+                <a:schemeClr val="accent1">
+                  <a:alpha val="0"/>
+                </a:schemeClr>
+              </a:solidFill>
+            </a:ln>
+          </p:spPr>
+          <p:txBody>
+            <a:bodyPr wrap="square" rtlCol="0">
+              <a:spAutoFit/>
+            </a:bodyPr>
+            <a:lstStyle/>
+            <a:p>
+              <a:r>
+                <a:rPr lang="en-US" altLang="zh-CN" sz="3200" dirty="0">
+                  <a:solidFill>
+                    <a:srgbClr val="002060"/>
+                  </a:solidFill>
+                  <a:latin typeface="-윤고딕330" pitchFamily="18" charset="-127"/>
+                  <a:ea typeface="-윤고딕330" pitchFamily="18" charset="-127"/>
+                </a:rPr>
+                <a:t>2</a:t>
+              </a:r>
+              <a:r>
+                <a:rPr lang="en-US" altLang="zh-CN" sz="3200" dirty="0" smtClean="0">
+                  <a:solidFill>
+                    <a:srgbClr val="002060"/>
+                  </a:solidFill>
+                  <a:latin typeface="-윤고딕330" pitchFamily="18" charset="-127"/>
+                  <a:ea typeface="-윤고딕330" pitchFamily="18" charset="-127"/>
+                </a:rPr>
+                <a:t>.2 </a:t>
+              </a:r>
+              <a:r>
+                <a:rPr lang="zh-CN" altLang="en-US" sz="3200" dirty="0">
+                  <a:solidFill>
+                    <a:srgbClr val="7CA7C5"/>
+                  </a:solidFill>
+                  <a:latin typeface="-윤고딕330" pitchFamily="18" charset="-127"/>
+                  <a:ea typeface="-윤고딕330" pitchFamily="18" charset="-127"/>
+                </a:rPr>
+                <a:t>优点</a:t>
+              </a:r>
+              <a:endParaRPr lang="ko-KR" altLang="en-US" sz="3200" dirty="0">
+                <a:solidFill>
+                  <a:srgbClr val="7CA7C5"/>
+                </a:solidFill>
+                <a:latin typeface="-윤고딕330" pitchFamily="18" charset="-127"/>
+                <a:ea typeface="-윤고딕330" pitchFamily="18" charset="-127"/>
+              </a:endParaRPr>
+            </a:p>
+          </p:txBody>
+        </p:sp>
+      </p:grpSp>
+      <p:grpSp>
+        <p:nvGrpSpPr>
+          <p:cNvPr id="16" name="그룹 5"/>
+          <p:cNvGrpSpPr/>
+          <p:nvPr/>
+        </p:nvGrpSpPr>
+        <p:grpSpPr>
+          <a:xfrm>
+            <a:off x="755576" y="4038584"/>
+            <a:ext cx="5228442" cy="836712"/>
+            <a:chOff x="206896" y="216024"/>
+            <a:chExt cx="5228442" cy="836712"/>
+          </a:xfrm>
+        </p:grpSpPr>
+        <p:pic>
+          <p:nvPicPr>
+            <p:cNvPr id="17" name="그림 6"/>
+            <p:cNvPicPr>
+              <a:picLocks noChangeAspect="1"/>
+            </p:cNvPicPr>
+            <p:nvPr/>
+          </p:nvPicPr>
+          <p:blipFill>
+            <a:blip r:embed="rId3" cstate="print">
+              <a:extLst>
+                <a:ext uri="{28A0092B-C50C-407E-A947-70E740481C1C}">
+                  <a14:useLocalDpi xmlns:a14="http://schemas.microsoft.com/office/drawing/2010/main" val="0"/>
+                </a:ext>
+              </a:extLst>
+            </a:blip>
+            <a:stretch>
+              <a:fillRect/>
+            </a:stretch>
+          </p:blipFill>
+          <p:spPr>
+            <a:xfrm>
+              <a:off x="206896" y="216024"/>
+              <a:ext cx="836712" cy="836712"/>
+            </a:xfrm>
+            <a:prstGeom prst="rect">
+              <a:avLst/>
+            </a:prstGeom>
+          </p:spPr>
+        </p:pic>
+        <p:sp>
+          <p:nvSpPr>
+            <p:cNvPr id="18" name="TextBox 7"/>
+            <p:cNvSpPr txBox="1"/>
+            <p:nvPr/>
+          </p:nvSpPr>
+          <p:spPr>
+            <a:xfrm>
+              <a:off x="970842" y="370022"/>
+              <a:ext cx="4464496" cy="584775"/>
+            </a:xfrm>
+            <a:prstGeom prst="rect">
+              <a:avLst/>
+            </a:prstGeom>
+            <a:noFill/>
+            <a:ln>
+              <a:solidFill>
+                <a:schemeClr val="accent1">
+                  <a:alpha val="0"/>
+                </a:schemeClr>
+              </a:solidFill>
+            </a:ln>
+          </p:spPr>
+          <p:txBody>
+            <a:bodyPr wrap="square" rtlCol="0">
+              <a:spAutoFit/>
+            </a:bodyPr>
+            <a:lstStyle/>
+            <a:p>
+              <a:r>
+                <a:rPr lang="en-US" altLang="zh-CN" sz="3200" dirty="0" smtClean="0">
+                  <a:solidFill>
+                    <a:srgbClr val="002060"/>
+                  </a:solidFill>
+                  <a:latin typeface="-윤고딕330" pitchFamily="18" charset="-127"/>
+                  <a:ea typeface="-윤고딕330" pitchFamily="18" charset="-127"/>
+                </a:rPr>
+                <a:t>2.3 </a:t>
+              </a:r>
+              <a:r>
+                <a:rPr lang="zh-CN" altLang="en-US" sz="3200" dirty="0" smtClean="0">
+                  <a:solidFill>
+                    <a:srgbClr val="7CA7C5"/>
+                  </a:solidFill>
+                  <a:latin typeface="-윤고딕330" pitchFamily="18" charset="-127"/>
+                  <a:ea typeface="-윤고딕330" pitchFamily="18" charset="-127"/>
+                </a:rPr>
+                <a:t>和</a:t>
+              </a:r>
+              <a:r>
+                <a:rPr lang="en-US" altLang="zh-CN" sz="3200" dirty="0" smtClean="0">
+                  <a:solidFill>
+                    <a:srgbClr val="7CA7C5"/>
+                  </a:solidFill>
+                  <a:latin typeface="-윤고딕330" pitchFamily="18" charset="-127"/>
+                  <a:ea typeface="-윤고딕330" pitchFamily="18" charset="-127"/>
+                </a:rPr>
+                <a:t>MVC</a:t>
+              </a:r>
+              <a:r>
+                <a:rPr lang="zh-CN" altLang="en-US" sz="3200" dirty="0" smtClean="0">
+                  <a:solidFill>
+                    <a:srgbClr val="7CA7C5"/>
+                  </a:solidFill>
+                  <a:latin typeface="-윤고딕330" pitchFamily="18" charset="-127"/>
+                  <a:ea typeface="-윤고딕330" pitchFamily="18" charset="-127"/>
+                </a:rPr>
+                <a:t>对比</a:t>
+              </a:r>
+              <a:endParaRPr lang="ko-KR" altLang="en-US" sz="3200" dirty="0">
+                <a:solidFill>
+                  <a:srgbClr val="7CA7C5"/>
+                </a:solidFill>
+                <a:latin typeface="-윤고딕330" pitchFamily="18" charset="-127"/>
+                <a:ea typeface="-윤고딕330" pitchFamily="18" charset="-127"/>
+              </a:endParaRPr>
+            </a:p>
+          </p:txBody>
+        </p:sp>
+      </p:grpSp>
+    </p:spTree>
+    <p:extLst>
+      <p:ext uri="{BB962C8B-B14F-4D97-AF65-F5344CB8AC3E}">
+        <p14:creationId xmlns:p14="http://schemas.microsoft.com/office/powerpoint/2010/main" val="2247471398"/>
       </p:ext>
     </p:extLst>
   </p:cSld>
@@ -6401,147 +7996,13 @@
       </p:grpSp>
       <p:grpSp>
         <p:nvGrpSpPr>
-          <p:cNvPr id="12" name="그룹 11"/>
-          <p:cNvGrpSpPr/>
-          <p:nvPr/>
-        </p:nvGrpSpPr>
-        <p:grpSpPr>
-          <a:xfrm>
-            <a:off x="827584" y="3434980"/>
-            <a:ext cx="5228442" cy="836712"/>
-            <a:chOff x="206896" y="216024"/>
-            <a:chExt cx="5228442" cy="836712"/>
-          </a:xfrm>
-        </p:grpSpPr>
-        <p:pic>
-          <p:nvPicPr>
-            <p:cNvPr id="13" name="그림 12"/>
-            <p:cNvPicPr>
-              <a:picLocks noChangeAspect="1"/>
-            </p:cNvPicPr>
-            <p:nvPr/>
-          </p:nvPicPr>
-          <p:blipFill>
-            <a:blip r:embed="rId3" cstate="print">
-              <a:extLst>
-                <a:ext uri="{28A0092B-C50C-407E-A947-70E740481C1C}">
-                  <a14:useLocalDpi xmlns:a14="http://schemas.microsoft.com/office/drawing/2010/main" val="0"/>
-                </a:ext>
-              </a:extLst>
-            </a:blip>
-            <a:stretch>
-              <a:fillRect/>
-            </a:stretch>
-          </p:blipFill>
-          <p:spPr>
-            <a:xfrm>
-              <a:off x="206896" y="216024"/>
-              <a:ext cx="836712" cy="836712"/>
-            </a:xfrm>
-            <a:prstGeom prst="rect">
-              <a:avLst/>
-            </a:prstGeom>
-          </p:spPr>
-        </p:pic>
-        <p:sp>
-          <p:nvSpPr>
-            <p:cNvPr id="14" name="TextBox 13"/>
-            <p:cNvSpPr txBox="1"/>
-            <p:nvPr/>
-          </p:nvSpPr>
-          <p:spPr>
-            <a:xfrm>
-              <a:off x="970842" y="370022"/>
-              <a:ext cx="4464496" cy="584775"/>
-            </a:xfrm>
-            <a:prstGeom prst="rect">
-              <a:avLst/>
-            </a:prstGeom>
-            <a:noFill/>
-            <a:ln>
-              <a:solidFill>
-                <a:schemeClr val="accent1">
-                  <a:alpha val="0"/>
-                </a:schemeClr>
-              </a:solidFill>
-            </a:ln>
-          </p:spPr>
-          <p:txBody>
-            <a:bodyPr wrap="square" rtlCol="0">
-              <a:spAutoFit/>
-            </a:bodyPr>
-            <a:lstStyle/>
-            <a:p>
-              <a:r>
-                <a:rPr lang="en-US" altLang="zh-CN" sz="3200" dirty="0" smtClean="0">
-                  <a:solidFill>
-                    <a:srgbClr val="002060"/>
-                  </a:solidFill>
-                  <a:latin typeface="-윤고딕330" pitchFamily="18" charset="-127"/>
-                  <a:ea typeface="-윤고딕330" pitchFamily="18" charset="-127"/>
-                </a:rPr>
-                <a:t>3. </a:t>
-              </a:r>
-              <a:r>
-                <a:rPr lang="en-US" altLang="zh-CN" sz="3200" dirty="0" smtClean="0">
-                  <a:solidFill>
-                    <a:srgbClr val="7CA7C5"/>
-                  </a:solidFill>
-                  <a:latin typeface="-윤고딕330" pitchFamily="18" charset="-127"/>
-                  <a:ea typeface="-윤고딕330" pitchFamily="18" charset="-127"/>
-                </a:rPr>
-                <a:t>R</a:t>
-              </a:r>
-              <a:r>
-                <a:rPr lang="en-US" altLang="ko-KR" sz="3200" dirty="0" smtClean="0">
-                  <a:solidFill>
-                    <a:srgbClr val="7CA7C5"/>
-                  </a:solidFill>
-                  <a:latin typeface="-윤고딕330" pitchFamily="18" charset="-127"/>
-                  <a:ea typeface="-윤고딕330" pitchFamily="18" charset="-127"/>
-                </a:rPr>
-                <a:t>e</a:t>
-              </a:r>
-              <a:r>
-                <a:rPr lang="en-US" altLang="zh-CN" sz="3200" dirty="0" smtClean="0">
-                  <a:solidFill>
-                    <a:srgbClr val="7CA7C5"/>
-                  </a:solidFill>
-                  <a:latin typeface="-윤고딕330" pitchFamily="18" charset="-127"/>
-                  <a:ea typeface="-윤고딕330" pitchFamily="18" charset="-127"/>
-                </a:rPr>
-                <a:t>act </a:t>
-              </a:r>
-              <a:r>
-                <a:rPr lang="zh-CN" altLang="en-US" sz="3200" dirty="0" smtClean="0">
-                  <a:solidFill>
-                    <a:srgbClr val="7CA7C5"/>
-                  </a:solidFill>
-                  <a:latin typeface="-윤고딕330" pitchFamily="18" charset="-127"/>
-                  <a:ea typeface="-윤고딕330" pitchFamily="18" charset="-127"/>
-                </a:rPr>
-                <a:t>对前端的贡献</a:t>
-              </a:r>
-              <a:endParaRPr lang="ko-KR" altLang="en-US" sz="3200" dirty="0">
-                <a:solidFill>
-                  <a:srgbClr val="7CA7C5"/>
-                </a:solidFill>
-                <a:latin typeface="-윤고딕330" pitchFamily="18" charset="-127"/>
-                <a:ea typeface="-윤고딕330" pitchFamily="18" charset="-127"/>
-              </a:endParaRPr>
-            </a:p>
-          </p:txBody>
-        </p:sp>
-      </p:grpSp>
-      <p:grpSp>
-        <p:nvGrpSpPr>
           <p:cNvPr id="16" name="그룹 11"/>
           <p:cNvGrpSpPr/>
           <p:nvPr/>
         </p:nvGrpSpPr>
         <p:grpSpPr>
           <a:xfrm>
-            <a:off x="824798" y="4369181"/>
+            <a:off x="859024" y="3585705"/>
             <a:ext cx="5228442" cy="836712"/>
             <a:chOff x="206896" y="216024"/>
             <a:chExt cx="5228442" cy="836712"/>
@@ -6607,6 +8068,16 @@
             <a:lstStyle/>
             <a:p>
               <a:r>
+                <a:rPr lang="en-US" altLang="zh-CN" sz="3200" dirty="0">
+                  <a:solidFill>
+                    <a:srgbClr val="002060"/>
+                  </a:solidFill>
+                  <a:latin typeface="-윤고딕330" pitchFamily="18" charset="-127"/>
+                  <a:ea typeface="-윤고딕330" pitchFamily="18" charset="-127"/>
+                </a:rPr>
+                <a:t>3</a:t>
+              </a:r>
+              <a:r>
                 <a:rPr lang="en-US" altLang="zh-CN" sz="3200" dirty="0" smtClean="0">
                   <a:solidFill>
                     <a:srgbClr val="002060"/>
@@ -6614,7 +8085,7 @@
                   <a:latin typeface="-윤고딕330" pitchFamily="18" charset="-127"/>
                   <a:ea typeface="-윤고딕330" pitchFamily="18" charset="-127"/>
                 </a:rPr>
-                <a:t>4. </a:t>
+                <a:t>. </a:t>
               </a:r>
               <a:r>
                 <a:rPr lang="en-US" altLang="zh-CN" sz="3200" dirty="0" smtClean="0">
@@ -6651,6 +8122,1773 @@
     <p:extLst>
       <p:ext uri="{BB962C8B-B14F-4D97-AF65-F5344CB8AC3E}">
         <p14:creationId xmlns:p14="http://schemas.microsoft.com/office/powerpoint/2010/main" val="3201801446"/>
+      </p:ext>
+    </p:extLst>
+  </p:cSld>
+  <p:clrMapOvr>
+    <a:masterClrMapping/>
+  </p:clrMapOvr>
+  <p:timing>
+    <p:tnLst>
+      <p:par>
+        <p:cTn id="1" dur="indefinite" restart="never" nodeType="tmRoot"/>
+      </p:par>
+    </p:tnLst>
+  </p:timing>
+</p:sld>
+</file>
+
+<file path=ppt/slides/slide20.xml><?xml version="1.0" encoding="utf-8"?>
+<p:sld xmlns:a="http://schemas.openxmlformats.org/drawingml/2006/main" xmlns:r="http://schemas.openxmlformats.org/officeDocument/2006/relationships" xmlns:p="http://schemas.openxmlformats.org/presentationml/2006/main">
+  <p:cSld>
+    <p:spTree>
+      <p:nvGrpSpPr>
+        <p:cNvPr id="1" name=""/>
+        <p:cNvGrpSpPr/>
+        <p:nvPr/>
+      </p:nvGrpSpPr>
+      <p:grpSpPr>
+        <a:xfrm>
+          <a:off x="0" y="0"/>
+          <a:ext cx="0" cy="0"/>
+          <a:chOff x="0" y="0"/>
+          <a:chExt cx="0" cy="0"/>
+        </a:xfrm>
+      </p:grpSpPr>
+      <p:grpSp>
+        <p:nvGrpSpPr>
+          <p:cNvPr id="6" name="그룹 5"/>
+          <p:cNvGrpSpPr/>
+          <p:nvPr/>
+        </p:nvGrpSpPr>
+        <p:grpSpPr>
+          <a:xfrm>
+            <a:off x="206896" y="216024"/>
+            <a:ext cx="5228442" cy="836712"/>
+            <a:chOff x="206896" y="216024"/>
+            <a:chExt cx="5228442" cy="836712"/>
+          </a:xfrm>
+        </p:grpSpPr>
+        <p:pic>
+          <p:nvPicPr>
+            <p:cNvPr id="2" name="그림 1"/>
+            <p:cNvPicPr>
+              <a:picLocks noChangeAspect="1"/>
+            </p:cNvPicPr>
+            <p:nvPr/>
+          </p:nvPicPr>
+          <p:blipFill>
+            <a:blip r:embed="rId2" cstate="print">
+              <a:extLst>
+                <a:ext uri="{28A0092B-C50C-407E-A947-70E740481C1C}">
+                  <a14:useLocalDpi xmlns:a14="http://schemas.microsoft.com/office/drawing/2010/main" val="0"/>
+                </a:ext>
+              </a:extLst>
+            </a:blip>
+            <a:stretch>
+              <a:fillRect/>
+            </a:stretch>
+          </p:blipFill>
+          <p:spPr>
+            <a:xfrm>
+              <a:off x="206896" y="216024"/>
+              <a:ext cx="836712" cy="836712"/>
+            </a:xfrm>
+            <a:prstGeom prst="rect">
+              <a:avLst/>
+            </a:prstGeom>
+          </p:spPr>
+        </p:pic>
+        <p:sp>
+          <p:nvSpPr>
+            <p:cNvPr id="3" name="TextBox 2"/>
+            <p:cNvSpPr txBox="1"/>
+            <p:nvPr/>
+          </p:nvSpPr>
+          <p:spPr>
+            <a:xfrm>
+              <a:off x="970842" y="370022"/>
+              <a:ext cx="4464496" cy="646331"/>
+            </a:xfrm>
+            <a:prstGeom prst="rect">
+              <a:avLst/>
+            </a:prstGeom>
+            <a:noFill/>
+            <a:ln>
+              <a:solidFill>
+                <a:schemeClr val="accent1">
+                  <a:alpha val="0"/>
+                </a:schemeClr>
+              </a:solidFill>
+            </a:ln>
+          </p:spPr>
+          <p:txBody>
+            <a:bodyPr wrap="square" rtlCol="0">
+              <a:spAutoFit/>
+            </a:bodyPr>
+            <a:lstStyle/>
+            <a:p>
+              <a:r>
+                <a:rPr lang="en-US" altLang="zh-CN" sz="3600" dirty="0" smtClean="0">
+                  <a:solidFill>
+                    <a:srgbClr val="002060"/>
+                  </a:solidFill>
+                  <a:latin typeface="-윤고딕330" pitchFamily="18" charset="-127"/>
+                  <a:ea typeface="-윤고딕330" pitchFamily="18" charset="-127"/>
+                </a:rPr>
+                <a:t>F</a:t>
+              </a:r>
+              <a:r>
+                <a:rPr lang="en-US" altLang="zh-CN" dirty="0" smtClean="0">
+                  <a:solidFill>
+                    <a:srgbClr val="7CA7C5"/>
+                  </a:solidFill>
+                  <a:latin typeface="-윤고딕330" pitchFamily="18" charset="-127"/>
+                  <a:ea typeface="-윤고딕330" pitchFamily="18" charset="-127"/>
+                </a:rPr>
+                <a:t>lux </a:t>
+              </a:r>
+              <a:r>
+                <a:rPr lang="zh-CN" altLang="en-US" dirty="0" smtClean="0">
+                  <a:solidFill>
+                    <a:srgbClr val="7CA7C5"/>
+                  </a:solidFill>
+                  <a:latin typeface="-윤고딕330" pitchFamily="18" charset="-127"/>
+                  <a:ea typeface="-윤고딕330" pitchFamily="18" charset="-127"/>
+                </a:rPr>
+                <a:t>简介</a:t>
+              </a:r>
+              <a:endParaRPr lang="ko-KR" altLang="en-US" dirty="0">
+                <a:solidFill>
+                  <a:srgbClr val="7CA7C5"/>
+                </a:solidFill>
+                <a:latin typeface="-윤고딕330" pitchFamily="18" charset="-127"/>
+                <a:ea typeface="-윤고딕330" pitchFamily="18" charset="-127"/>
+              </a:endParaRPr>
+            </a:p>
+          </p:txBody>
+        </p:sp>
+      </p:grpSp>
+      <p:sp>
+        <p:nvSpPr>
+          <p:cNvPr id="4" name="文本框 3"/>
+          <p:cNvSpPr txBox="1"/>
+          <p:nvPr/>
+        </p:nvSpPr>
+        <p:spPr>
+          <a:xfrm>
+            <a:off x="323528" y="3103126"/>
+            <a:ext cx="8388424" cy="3754874"/>
+          </a:xfrm>
+          <a:prstGeom prst="rect">
+            <a:avLst/>
+          </a:prstGeom>
+          <a:noFill/>
+        </p:spPr>
+        <p:txBody>
+          <a:bodyPr wrap="square" rtlCol="0">
+            <a:spAutoFit/>
+          </a:bodyPr>
+          <a:lstStyle/>
+          <a:p>
+            <a:pPr marL="342900" indent="-342900">
+              <a:spcAft>
+                <a:spcPts val="3000"/>
+              </a:spcAft>
+              <a:buFont typeface="Arial" panose="020B0604020202020204" pitchFamily="34" charset="0"/>
+              <a:buChar char="•"/>
+            </a:pPr>
+            <a:r>
+              <a:rPr lang="en-US" altLang="zh-CN" sz="2400" dirty="0">
+                <a:solidFill>
+                  <a:srgbClr val="002060"/>
+                </a:solidFill>
+              </a:rPr>
+              <a:t>View</a:t>
+            </a:r>
+            <a:r>
+              <a:rPr lang="zh-CN" altLang="en-US" sz="2400" dirty="0">
+                <a:solidFill>
+                  <a:srgbClr val="002060"/>
+                </a:solidFill>
+              </a:rPr>
+              <a:t>： 视图</a:t>
+            </a:r>
+            <a:r>
+              <a:rPr lang="zh-CN" altLang="en-US" sz="2400" dirty="0" smtClean="0">
+                <a:solidFill>
+                  <a:srgbClr val="002060"/>
+                </a:solidFill>
+              </a:rPr>
+              <a:t>层</a:t>
+            </a:r>
+            <a:endParaRPr lang="zh-CN" altLang="en-US" sz="2400" dirty="0">
+              <a:solidFill>
+                <a:srgbClr val="002060"/>
+              </a:solidFill>
+            </a:endParaRPr>
+          </a:p>
+          <a:p>
+            <a:pPr marL="342900" indent="-342900">
+              <a:spcAft>
+                <a:spcPts val="3000"/>
+              </a:spcAft>
+              <a:buFont typeface="Arial" panose="020B0604020202020204" pitchFamily="34" charset="0"/>
+              <a:buChar char="•"/>
+            </a:pPr>
+            <a:r>
+              <a:rPr lang="en-US" altLang="zh-CN" sz="2400" dirty="0" smtClean="0">
+                <a:solidFill>
+                  <a:srgbClr val="002060"/>
+                </a:solidFill>
+              </a:rPr>
+              <a:t>Action</a:t>
+            </a:r>
+            <a:r>
+              <a:rPr lang="zh-CN" altLang="en-US" sz="2400" dirty="0" smtClean="0">
+                <a:solidFill>
+                  <a:srgbClr val="002060"/>
+                </a:solidFill>
+              </a:rPr>
+              <a:t>：修改数据的行为</a:t>
+            </a:r>
+            <a:endParaRPr lang="en-US" altLang="zh-CN" sz="2400" dirty="0" smtClean="0">
+              <a:solidFill>
+                <a:srgbClr val="002060"/>
+              </a:solidFill>
+            </a:endParaRPr>
+          </a:p>
+          <a:p>
+            <a:pPr marL="342900" indent="-342900">
+              <a:spcAft>
+                <a:spcPts val="3000"/>
+              </a:spcAft>
+              <a:buFont typeface="Arial" panose="020B0604020202020204" pitchFamily="34" charset="0"/>
+              <a:buChar char="•"/>
+            </a:pPr>
+            <a:r>
+              <a:rPr lang="en-US" altLang="zh-CN" sz="2400" dirty="0" smtClean="0">
+                <a:solidFill>
+                  <a:srgbClr val="002060"/>
+                </a:solidFill>
+              </a:rPr>
+              <a:t>Dispatcher</a:t>
+            </a:r>
+            <a:r>
+              <a:rPr lang="zh-CN" altLang="en-US" sz="2400" dirty="0" smtClean="0">
+                <a:solidFill>
+                  <a:srgbClr val="002060"/>
+                </a:solidFill>
+              </a:rPr>
+              <a:t>：接受</a:t>
+            </a:r>
+            <a:r>
+              <a:rPr lang="en-US" altLang="zh-CN" sz="2400" dirty="0" smtClean="0">
+                <a:solidFill>
+                  <a:srgbClr val="002060"/>
+                </a:solidFill>
+              </a:rPr>
+              <a:t>action</a:t>
+            </a:r>
+            <a:r>
+              <a:rPr lang="zh-CN" altLang="en-US" sz="2400" dirty="0" smtClean="0">
+                <a:solidFill>
+                  <a:srgbClr val="002060"/>
+                </a:solidFill>
+              </a:rPr>
+              <a:t>，并对修改对应的数据</a:t>
+            </a:r>
+            <a:endParaRPr lang="en-US" altLang="zh-CN" sz="2400" dirty="0" smtClean="0">
+              <a:solidFill>
+                <a:srgbClr val="002060"/>
+              </a:solidFill>
+            </a:endParaRPr>
+          </a:p>
+          <a:p>
+            <a:pPr marL="342900" indent="-342900">
+              <a:spcAft>
+                <a:spcPts val="3000"/>
+              </a:spcAft>
+              <a:buFont typeface="Arial" panose="020B0604020202020204" pitchFamily="34" charset="0"/>
+              <a:buChar char="•"/>
+            </a:pPr>
+            <a:r>
+              <a:rPr lang="en-US" altLang="zh-CN" sz="2400" dirty="0" smtClean="0">
+                <a:solidFill>
+                  <a:srgbClr val="002060"/>
+                </a:solidFill>
+              </a:rPr>
+              <a:t>Store</a:t>
+            </a:r>
+            <a:r>
+              <a:rPr lang="zh-CN" altLang="en-US" sz="2400" dirty="0" smtClean="0">
+                <a:solidFill>
+                  <a:srgbClr val="002060"/>
+                </a:solidFill>
+              </a:rPr>
+              <a:t>：</a:t>
+            </a:r>
+            <a:r>
+              <a:rPr lang="zh-CN" altLang="en-US" sz="2400" dirty="0">
+                <a:solidFill>
+                  <a:srgbClr val="002060"/>
+                </a:solidFill>
+              </a:rPr>
+              <a:t>用来存放应用的状态，一旦发生变动，就</a:t>
+            </a:r>
+            <a:r>
+              <a:rPr lang="zh-CN" altLang="en-US" sz="2400" dirty="0" smtClean="0">
+                <a:solidFill>
+                  <a:srgbClr val="002060"/>
+                </a:solidFill>
+              </a:rPr>
+              <a:t>提醒</a:t>
+            </a:r>
+            <a:r>
+              <a:rPr lang="en-US" altLang="zh-CN" sz="2400" dirty="0" smtClean="0">
+                <a:solidFill>
+                  <a:srgbClr val="002060"/>
+                </a:solidFill>
+              </a:rPr>
+              <a:t>View</a:t>
+            </a:r>
+            <a:r>
+              <a:rPr lang="zh-CN" altLang="en-US" sz="2400" dirty="0" smtClean="0">
+                <a:solidFill>
+                  <a:srgbClr val="002060"/>
+                </a:solidFill>
+              </a:rPr>
+              <a:t>要</a:t>
+            </a:r>
+            <a:r>
+              <a:rPr lang="zh-CN" altLang="en-US" sz="2400" dirty="0">
+                <a:solidFill>
+                  <a:srgbClr val="002060"/>
+                </a:solidFill>
+              </a:rPr>
+              <a:t>更新页面</a:t>
+            </a:r>
+          </a:p>
+          <a:p>
+            <a:endParaRPr lang="zh-CN" altLang="en-US" dirty="0"/>
+          </a:p>
+        </p:txBody>
+      </p:sp>
+      <p:pic>
+        <p:nvPicPr>
+          <p:cNvPr id="1030" name="Picture 6" descr="flux-diagram-white-background.jpg"/>
+          <p:cNvPicPr>
+            <a:picLocks noChangeAspect="1" noChangeArrowheads="1"/>
+          </p:cNvPicPr>
+          <p:nvPr/>
+        </p:nvPicPr>
+        <p:blipFill>
+          <a:blip r:embed="rId3">
+            <a:extLst>
+              <a:ext uri="{28A0092B-C50C-407E-A947-70E740481C1C}">
+                <a14:useLocalDpi xmlns:a14="http://schemas.microsoft.com/office/drawing/2010/main" val="0"/>
+              </a:ext>
+            </a:extLst>
+          </a:blip>
+          <a:srcRect/>
+          <a:stretch>
+            <a:fillRect/>
+          </a:stretch>
+        </p:blipFill>
+        <p:spPr bwMode="auto">
+          <a:xfrm>
+            <a:off x="2771800" y="1012296"/>
+            <a:ext cx="5715000" cy="2743201"/>
+          </a:xfrm>
+          <a:prstGeom prst="rect">
+            <a:avLst/>
+          </a:prstGeom>
+          <a:noFill/>
+          <a:extLst>
+            <a:ext uri="{909E8E84-426E-40DD-AFC4-6F175D3DCCD1}">
+              <a14:hiddenFill xmlns:a14="http://schemas.microsoft.com/office/drawing/2010/main">
+                <a:solidFill>
+                  <a:srgbClr val="FFFFFF"/>
+                </a:solidFill>
+              </a14:hiddenFill>
+            </a:ext>
+          </a:extLst>
+        </p:spPr>
+      </p:pic>
+    </p:spTree>
+    <p:extLst>
+      <p:ext uri="{BB962C8B-B14F-4D97-AF65-F5344CB8AC3E}">
+        <p14:creationId xmlns:p14="http://schemas.microsoft.com/office/powerpoint/2010/main" val="990575858"/>
+      </p:ext>
+    </p:extLst>
+  </p:cSld>
+  <p:clrMapOvr>
+    <a:masterClrMapping/>
+  </p:clrMapOvr>
+  <p:timing>
+    <p:tnLst>
+      <p:par>
+        <p:cTn id="1" dur="indefinite" restart="never" nodeType="tmRoot">
+          <p:childTnLst>
+            <p:seq concurrent="1" nextAc="seek">
+              <p:cTn id="2" dur="indefinite" nodeType="mainSeq">
+                <p:childTnLst>
+                  <p:par>
+                    <p:cTn id="3" fill="hold">
+                      <p:stCondLst>
+                        <p:cond delay="indefinite"/>
+                      </p:stCondLst>
+                      <p:childTnLst>
+                        <p:par>
+                          <p:cTn id="4" fill="hold">
+                            <p:stCondLst>
+                              <p:cond delay="0"/>
+                            </p:stCondLst>
+                            <p:childTnLst>
+                              <p:par>
+                                <p:cTn id="5" presetID="10" presetClass="entr" presetSubtype="0" fill="hold" grpId="0" nodeType="clickEffect">
+                                  <p:stCondLst>
+                                    <p:cond delay="0"/>
+                                  </p:stCondLst>
+                                  <p:childTnLst>
+                                    <p:set>
+                                      <p:cBhvr>
+                                        <p:cTn id="6" dur="1" fill="hold">
+                                          <p:stCondLst>
+                                            <p:cond delay="0"/>
+                                          </p:stCondLst>
+                                        </p:cTn>
+                                        <p:tgtEl>
+                                          <p:spTgt spid="4"/>
+                                        </p:tgtEl>
+                                        <p:attrNameLst>
+                                          <p:attrName>style.visibility</p:attrName>
+                                        </p:attrNameLst>
+                                      </p:cBhvr>
+                                      <p:to>
+                                        <p:strVal val="visible"/>
+                                      </p:to>
+                                    </p:set>
+                                    <p:animEffect transition="in" filter="fade">
+                                      <p:cBhvr>
+                                        <p:cTn id="7" dur="500"/>
+                                        <p:tgtEl>
+                                          <p:spTgt spid="4"/>
+                                        </p:tgtEl>
+                                      </p:cBhvr>
+                                    </p:animEffect>
+                                  </p:childTnLst>
+                                </p:cTn>
+                              </p:par>
+                            </p:childTnLst>
+                          </p:cTn>
+                        </p:par>
+                      </p:childTnLst>
+                    </p:cTn>
+                  </p:par>
+                </p:childTnLst>
+              </p:cTn>
+              <p:prevCondLst>
+                <p:cond evt="onPrev" delay="0">
+                  <p:tgtEl>
+                    <p:sldTgt/>
+                  </p:tgtEl>
+                </p:cond>
+              </p:prevCondLst>
+              <p:nextCondLst>
+                <p:cond evt="onNext" delay="0">
+                  <p:tgtEl>
+                    <p:sldTgt/>
+                  </p:tgtEl>
+                </p:cond>
+              </p:nextCondLst>
+            </p:seq>
+          </p:childTnLst>
+        </p:cTn>
+      </p:par>
+    </p:tnLst>
+    <p:bldLst>
+      <p:bldP spid="4" grpId="0"/>
+    </p:bldLst>
+  </p:timing>
+</p:sld>
+</file>
+
+<file path=ppt/slides/slide21.xml><?xml version="1.0" encoding="utf-8"?>
+<p:sld xmlns:a="http://schemas.openxmlformats.org/drawingml/2006/main" xmlns:r="http://schemas.openxmlformats.org/officeDocument/2006/relationships" xmlns:p="http://schemas.openxmlformats.org/presentationml/2006/main">
+  <p:cSld>
+    <p:spTree>
+      <p:nvGrpSpPr>
+        <p:cNvPr id="1" name=""/>
+        <p:cNvGrpSpPr/>
+        <p:nvPr/>
+      </p:nvGrpSpPr>
+      <p:grpSpPr>
+        <a:xfrm>
+          <a:off x="0" y="0"/>
+          <a:ext cx="0" cy="0"/>
+          <a:chOff x="0" y="0"/>
+          <a:chExt cx="0" cy="0"/>
+        </a:xfrm>
+      </p:grpSpPr>
+      <p:grpSp>
+        <p:nvGrpSpPr>
+          <p:cNvPr id="6" name="그룹 5"/>
+          <p:cNvGrpSpPr/>
+          <p:nvPr/>
+        </p:nvGrpSpPr>
+        <p:grpSpPr>
+          <a:xfrm>
+            <a:off x="206896" y="216024"/>
+            <a:ext cx="5228442" cy="836712"/>
+            <a:chOff x="206896" y="216024"/>
+            <a:chExt cx="5228442" cy="836712"/>
+          </a:xfrm>
+        </p:grpSpPr>
+        <p:pic>
+          <p:nvPicPr>
+            <p:cNvPr id="2" name="그림 1"/>
+            <p:cNvPicPr>
+              <a:picLocks noChangeAspect="1"/>
+            </p:cNvPicPr>
+            <p:nvPr/>
+          </p:nvPicPr>
+          <p:blipFill>
+            <a:blip r:embed="rId2" cstate="print">
+              <a:extLst>
+                <a:ext uri="{28A0092B-C50C-407E-A947-70E740481C1C}">
+                  <a14:useLocalDpi xmlns:a14="http://schemas.microsoft.com/office/drawing/2010/main" val="0"/>
+                </a:ext>
+              </a:extLst>
+            </a:blip>
+            <a:stretch>
+              <a:fillRect/>
+            </a:stretch>
+          </p:blipFill>
+          <p:spPr>
+            <a:xfrm>
+              <a:off x="206896" y="216024"/>
+              <a:ext cx="836712" cy="836712"/>
+            </a:xfrm>
+            <a:prstGeom prst="rect">
+              <a:avLst/>
+            </a:prstGeom>
+          </p:spPr>
+        </p:pic>
+        <p:sp>
+          <p:nvSpPr>
+            <p:cNvPr id="3" name="TextBox 2"/>
+            <p:cNvSpPr txBox="1"/>
+            <p:nvPr/>
+          </p:nvSpPr>
+          <p:spPr>
+            <a:xfrm>
+              <a:off x="970842" y="370022"/>
+              <a:ext cx="4464496" cy="646331"/>
+            </a:xfrm>
+            <a:prstGeom prst="rect">
+              <a:avLst/>
+            </a:prstGeom>
+            <a:noFill/>
+            <a:ln>
+              <a:solidFill>
+                <a:schemeClr val="accent1">
+                  <a:alpha val="0"/>
+                </a:schemeClr>
+              </a:solidFill>
+            </a:ln>
+          </p:spPr>
+          <p:txBody>
+            <a:bodyPr wrap="square" rtlCol="0">
+              <a:spAutoFit/>
+            </a:bodyPr>
+            <a:lstStyle/>
+            <a:p>
+              <a:r>
+                <a:rPr lang="en-US" altLang="zh-CN" sz="3600" dirty="0" smtClean="0">
+                  <a:solidFill>
+                    <a:srgbClr val="002060"/>
+                  </a:solidFill>
+                  <a:latin typeface="-윤고딕330" pitchFamily="18" charset="-127"/>
+                  <a:ea typeface="-윤고딕330" pitchFamily="18" charset="-127"/>
+                </a:rPr>
+                <a:t>F</a:t>
+              </a:r>
+              <a:r>
+                <a:rPr lang="en-US" altLang="zh-CN" dirty="0" smtClean="0">
+                  <a:solidFill>
+                    <a:srgbClr val="7CA7C5"/>
+                  </a:solidFill>
+                  <a:latin typeface="-윤고딕330" pitchFamily="18" charset="-127"/>
+                  <a:ea typeface="-윤고딕330" pitchFamily="18" charset="-127"/>
+                </a:rPr>
+                <a:t>lux </a:t>
+              </a:r>
+              <a:r>
+                <a:rPr lang="zh-CN" altLang="en-US" dirty="0" smtClean="0">
+                  <a:solidFill>
+                    <a:srgbClr val="7CA7C5"/>
+                  </a:solidFill>
+                  <a:latin typeface="-윤고딕330" pitchFamily="18" charset="-127"/>
+                  <a:ea typeface="-윤고딕330" pitchFamily="18" charset="-127"/>
+                </a:rPr>
+                <a:t>简介</a:t>
+              </a:r>
+              <a:endParaRPr lang="ko-KR" altLang="en-US" dirty="0">
+                <a:solidFill>
+                  <a:srgbClr val="7CA7C5"/>
+                </a:solidFill>
+                <a:latin typeface="-윤고딕330" pitchFamily="18" charset="-127"/>
+                <a:ea typeface="-윤고딕330" pitchFamily="18" charset="-127"/>
+              </a:endParaRPr>
+            </a:p>
+          </p:txBody>
+        </p:sp>
+      </p:grpSp>
+      <p:pic>
+        <p:nvPicPr>
+          <p:cNvPr id="7" name="图片 6"/>
+          <p:cNvPicPr>
+            <a:picLocks noChangeAspect="1"/>
+          </p:cNvPicPr>
+          <p:nvPr/>
+        </p:nvPicPr>
+        <p:blipFill>
+          <a:blip r:embed="rId3"/>
+          <a:stretch>
+            <a:fillRect/>
+          </a:stretch>
+        </p:blipFill>
+        <p:spPr>
+          <a:xfrm>
+            <a:off x="2851236" y="5173090"/>
+            <a:ext cx="2571429" cy="314286"/>
+          </a:xfrm>
+          <a:prstGeom prst="rect">
+            <a:avLst/>
+          </a:prstGeom>
+        </p:spPr>
+      </p:pic>
+      <p:pic>
+        <p:nvPicPr>
+          <p:cNvPr id="13" name="Picture 6" descr="flux-diagram-white-background.jpg"/>
+          <p:cNvPicPr>
+            <a:picLocks noChangeAspect="1" noChangeArrowheads="1"/>
+          </p:cNvPicPr>
+          <p:nvPr/>
+        </p:nvPicPr>
+        <p:blipFill>
+          <a:blip r:embed="rId4">
+            <a:extLst>
+              <a:ext uri="{28A0092B-C50C-407E-A947-70E740481C1C}">
+                <a14:useLocalDpi xmlns:a14="http://schemas.microsoft.com/office/drawing/2010/main" val="0"/>
+              </a:ext>
+            </a:extLst>
+          </a:blip>
+          <a:srcRect/>
+          <a:stretch>
+            <a:fillRect/>
+          </a:stretch>
+        </p:blipFill>
+        <p:spPr bwMode="auto">
+          <a:xfrm>
+            <a:off x="1279450" y="1291845"/>
+            <a:ext cx="5715000" cy="2743201"/>
+          </a:xfrm>
+          <a:prstGeom prst="rect">
+            <a:avLst/>
+          </a:prstGeom>
+          <a:noFill/>
+          <a:extLst>
+            <a:ext uri="{909E8E84-426E-40DD-AFC4-6F175D3DCCD1}">
+              <a14:hiddenFill xmlns:a14="http://schemas.microsoft.com/office/drawing/2010/main">
+                <a:solidFill>
+                  <a:srgbClr val="FFFFFF"/>
+                </a:solidFill>
+              </a14:hiddenFill>
+            </a:ext>
+          </a:extLst>
+        </p:spPr>
+      </p:pic>
+      <p:pic>
+        <p:nvPicPr>
+          <p:cNvPr id="12" name="图片 11"/>
+          <p:cNvPicPr>
+            <a:picLocks noChangeAspect="1"/>
+          </p:cNvPicPr>
+          <p:nvPr/>
+        </p:nvPicPr>
+        <p:blipFill>
+          <a:blip r:embed="rId5"/>
+          <a:stretch>
+            <a:fillRect/>
+          </a:stretch>
+        </p:blipFill>
+        <p:spPr>
+          <a:xfrm>
+            <a:off x="429611" y="4653135"/>
+            <a:ext cx="2264178" cy="1515191"/>
+          </a:xfrm>
+          <a:prstGeom prst="rect">
+            <a:avLst/>
+          </a:prstGeom>
+        </p:spPr>
+      </p:pic>
+      <p:pic>
+        <p:nvPicPr>
+          <p:cNvPr id="14" name="图片 13"/>
+          <p:cNvPicPr>
+            <a:picLocks noChangeAspect="1"/>
+          </p:cNvPicPr>
+          <p:nvPr/>
+        </p:nvPicPr>
+        <p:blipFill>
+          <a:blip r:embed="rId6"/>
+          <a:stretch>
+            <a:fillRect/>
+          </a:stretch>
+        </p:blipFill>
+        <p:spPr>
+          <a:xfrm>
+            <a:off x="5580112" y="4453096"/>
+            <a:ext cx="3345887" cy="1677095"/>
+          </a:xfrm>
+          <a:prstGeom prst="rect">
+            <a:avLst/>
+          </a:prstGeom>
+        </p:spPr>
+      </p:pic>
+    </p:spTree>
+    <p:extLst>
+      <p:ext uri="{BB962C8B-B14F-4D97-AF65-F5344CB8AC3E}">
+        <p14:creationId xmlns:p14="http://schemas.microsoft.com/office/powerpoint/2010/main" val="1882585057"/>
+      </p:ext>
+    </p:extLst>
+  </p:cSld>
+  <p:clrMapOvr>
+    <a:masterClrMapping/>
+  </p:clrMapOvr>
+  <p:timing>
+    <p:tnLst>
+      <p:par>
+        <p:cTn id="1" dur="indefinite" restart="never" nodeType="tmRoot"/>
+      </p:par>
+    </p:tnLst>
+  </p:timing>
+</p:sld>
+</file>
+
+<file path=ppt/slides/slide22.xml><?xml version="1.0" encoding="utf-8"?>
+<p:sld xmlns:a="http://schemas.openxmlformats.org/drawingml/2006/main" xmlns:r="http://schemas.openxmlformats.org/officeDocument/2006/relationships" xmlns:p="http://schemas.openxmlformats.org/presentationml/2006/main">
+  <p:cSld>
+    <p:spTree>
+      <p:nvGrpSpPr>
+        <p:cNvPr id="1" name=""/>
+        <p:cNvGrpSpPr/>
+        <p:nvPr/>
+      </p:nvGrpSpPr>
+      <p:grpSpPr>
+        <a:xfrm>
+          <a:off x="0" y="0"/>
+          <a:ext cx="0" cy="0"/>
+          <a:chOff x="0" y="0"/>
+          <a:chExt cx="0" cy="0"/>
+        </a:xfrm>
+      </p:grpSpPr>
+      <p:grpSp>
+        <p:nvGrpSpPr>
+          <p:cNvPr id="6" name="그룹 5"/>
+          <p:cNvGrpSpPr/>
+          <p:nvPr/>
+        </p:nvGrpSpPr>
+        <p:grpSpPr>
+          <a:xfrm>
+            <a:off x="206896" y="216024"/>
+            <a:ext cx="5228442" cy="836712"/>
+            <a:chOff x="206896" y="216024"/>
+            <a:chExt cx="5228442" cy="836712"/>
+          </a:xfrm>
+        </p:grpSpPr>
+        <p:pic>
+          <p:nvPicPr>
+            <p:cNvPr id="2" name="그림 1"/>
+            <p:cNvPicPr>
+              <a:picLocks noChangeAspect="1"/>
+            </p:cNvPicPr>
+            <p:nvPr/>
+          </p:nvPicPr>
+          <p:blipFill>
+            <a:blip r:embed="rId2" cstate="print">
+              <a:extLst>
+                <a:ext uri="{28A0092B-C50C-407E-A947-70E740481C1C}">
+                  <a14:useLocalDpi xmlns:a14="http://schemas.microsoft.com/office/drawing/2010/main" val="0"/>
+                </a:ext>
+              </a:extLst>
+            </a:blip>
+            <a:stretch>
+              <a:fillRect/>
+            </a:stretch>
+          </p:blipFill>
+          <p:spPr>
+            <a:xfrm>
+              <a:off x="206896" y="216024"/>
+              <a:ext cx="836712" cy="836712"/>
+            </a:xfrm>
+            <a:prstGeom prst="rect">
+              <a:avLst/>
+            </a:prstGeom>
+          </p:spPr>
+        </p:pic>
+        <p:sp>
+          <p:nvSpPr>
+            <p:cNvPr id="3" name="TextBox 2"/>
+            <p:cNvSpPr txBox="1"/>
+            <p:nvPr/>
+          </p:nvSpPr>
+          <p:spPr>
+            <a:xfrm>
+              <a:off x="970842" y="370022"/>
+              <a:ext cx="4464496" cy="646331"/>
+            </a:xfrm>
+            <a:prstGeom prst="rect">
+              <a:avLst/>
+            </a:prstGeom>
+            <a:noFill/>
+            <a:ln>
+              <a:solidFill>
+                <a:schemeClr val="accent1">
+                  <a:alpha val="0"/>
+                </a:schemeClr>
+              </a:solidFill>
+            </a:ln>
+          </p:spPr>
+          <p:txBody>
+            <a:bodyPr wrap="square" rtlCol="0">
+              <a:spAutoFit/>
+            </a:bodyPr>
+            <a:lstStyle/>
+            <a:p>
+              <a:r>
+                <a:rPr lang="en-US" altLang="zh-CN" sz="3600" dirty="0" smtClean="0">
+                  <a:solidFill>
+                    <a:srgbClr val="002060"/>
+                  </a:solidFill>
+                  <a:latin typeface="-윤고딕330" pitchFamily="18" charset="-127"/>
+                  <a:ea typeface="-윤고딕330" pitchFamily="18" charset="-127"/>
+                </a:rPr>
+                <a:t>F</a:t>
+              </a:r>
+              <a:r>
+                <a:rPr lang="en-US" altLang="zh-CN" dirty="0" smtClean="0">
+                  <a:solidFill>
+                    <a:srgbClr val="7CA7C5"/>
+                  </a:solidFill>
+                  <a:latin typeface="-윤고딕330" pitchFamily="18" charset="-127"/>
+                  <a:ea typeface="-윤고딕330" pitchFamily="18" charset="-127"/>
+                </a:rPr>
+                <a:t>lux </a:t>
+              </a:r>
+              <a:r>
+                <a:rPr lang="zh-CN" altLang="en-US" dirty="0" smtClean="0">
+                  <a:solidFill>
+                    <a:srgbClr val="7CA7C5"/>
+                  </a:solidFill>
+                  <a:latin typeface="-윤고딕330" pitchFamily="18" charset="-127"/>
+                  <a:ea typeface="-윤고딕330" pitchFamily="18" charset="-127"/>
+                </a:rPr>
+                <a:t>优点</a:t>
+              </a:r>
+              <a:endParaRPr lang="ko-KR" altLang="en-US" dirty="0">
+                <a:solidFill>
+                  <a:srgbClr val="7CA7C5"/>
+                </a:solidFill>
+                <a:latin typeface="-윤고딕330" pitchFamily="18" charset="-127"/>
+                <a:ea typeface="-윤고딕330" pitchFamily="18" charset="-127"/>
+              </a:endParaRPr>
+            </a:p>
+          </p:txBody>
+        </p:sp>
+      </p:grpSp>
+      <p:sp>
+        <p:nvSpPr>
+          <p:cNvPr id="7" name="文本框 6"/>
+          <p:cNvSpPr txBox="1"/>
+          <p:nvPr/>
+        </p:nvSpPr>
+        <p:spPr>
+          <a:xfrm>
+            <a:off x="970842" y="1844824"/>
+            <a:ext cx="7776864" cy="2723823"/>
+          </a:xfrm>
+          <a:prstGeom prst="rect">
+            <a:avLst/>
+          </a:prstGeom>
+          <a:noFill/>
+        </p:spPr>
+        <p:txBody>
+          <a:bodyPr wrap="square" rtlCol="0">
+            <a:spAutoFit/>
+          </a:bodyPr>
+          <a:lstStyle/>
+          <a:p>
+            <a:pPr marL="342900" indent="-342900">
+              <a:spcAft>
+                <a:spcPts val="3000"/>
+              </a:spcAft>
+              <a:buFontTx/>
+              <a:buAutoNum type="arabicPeriod"/>
+            </a:pPr>
+            <a:r>
+              <a:rPr lang="zh-CN" altLang="en-US" sz="2400" dirty="0">
+                <a:solidFill>
+                  <a:srgbClr val="002060"/>
+                </a:solidFill>
+              </a:rPr>
+              <a:t>单向</a:t>
+            </a:r>
+            <a:r>
+              <a:rPr lang="zh-CN" altLang="en-US" sz="2400" dirty="0" smtClean="0">
+                <a:solidFill>
+                  <a:srgbClr val="002060"/>
+                </a:solidFill>
+              </a:rPr>
+              <a:t>数据流</a:t>
+            </a:r>
+            <a:endParaRPr lang="en-US" altLang="zh-CN" sz="2400" dirty="0" smtClean="0">
+              <a:solidFill>
+                <a:srgbClr val="002060"/>
+              </a:solidFill>
+            </a:endParaRPr>
+          </a:p>
+          <a:p>
+            <a:pPr marL="342900" indent="-342900">
+              <a:spcAft>
+                <a:spcPts val="3000"/>
+              </a:spcAft>
+              <a:buFontTx/>
+              <a:buAutoNum type="arabicPeriod"/>
+            </a:pPr>
+            <a:r>
+              <a:rPr lang="en-US" altLang="zh-CN" sz="2400" dirty="0" smtClean="0">
+                <a:solidFill>
+                  <a:srgbClr val="002060"/>
+                </a:solidFill>
+              </a:rPr>
+              <a:t>view</a:t>
+            </a:r>
+            <a:r>
+              <a:rPr lang="zh-CN" altLang="en-US" sz="2400" dirty="0" smtClean="0">
+                <a:solidFill>
+                  <a:srgbClr val="002060"/>
+                </a:solidFill>
+              </a:rPr>
+              <a:t>层变得很薄，真正的组件化</a:t>
+            </a:r>
+            <a:endParaRPr lang="en-US" altLang="zh-CN" sz="2400" dirty="0" smtClean="0">
+              <a:solidFill>
+                <a:srgbClr val="002060"/>
+              </a:solidFill>
+            </a:endParaRPr>
+          </a:p>
+          <a:p>
+            <a:pPr marL="342900" indent="-342900">
+              <a:spcAft>
+                <a:spcPts val="3000"/>
+              </a:spcAft>
+              <a:buFontTx/>
+              <a:buAutoNum type="arabicPeriod"/>
+            </a:pPr>
+            <a:r>
+              <a:rPr lang="zh-CN" altLang="en-US" sz="2400" dirty="0" smtClean="0">
+                <a:solidFill>
+                  <a:srgbClr val="002060"/>
+                </a:solidFill>
+              </a:rPr>
+              <a:t>契合</a:t>
+            </a:r>
+            <a:r>
+              <a:rPr lang="en-US" altLang="zh-CN" sz="2400" dirty="0" smtClean="0">
+                <a:solidFill>
+                  <a:srgbClr val="002060"/>
+                </a:solidFill>
+              </a:rPr>
+              <a:t>react</a:t>
+            </a:r>
+            <a:endParaRPr lang="en-US" altLang="zh-CN" sz="2400" dirty="0" smtClean="0">
+              <a:solidFill>
+                <a:srgbClr val="002060"/>
+              </a:solidFill>
+            </a:endParaRPr>
+          </a:p>
+          <a:p>
+            <a:pPr marL="342900" indent="-342900">
+              <a:spcAft>
+                <a:spcPts val="3000"/>
+              </a:spcAft>
+              <a:buFontTx/>
+              <a:buAutoNum type="arabicPeriod"/>
+            </a:pPr>
+            <a:endParaRPr lang="zh-CN" altLang="en-US" sz="2400" dirty="0">
+              <a:solidFill>
+                <a:srgbClr val="002060"/>
+              </a:solidFill>
+            </a:endParaRPr>
+          </a:p>
+        </p:txBody>
+      </p:sp>
+    </p:spTree>
+    <p:extLst>
+      <p:ext uri="{BB962C8B-B14F-4D97-AF65-F5344CB8AC3E}">
+        <p14:creationId xmlns:p14="http://schemas.microsoft.com/office/powerpoint/2010/main" val="1214310177"/>
+      </p:ext>
+    </p:extLst>
+  </p:cSld>
+  <p:clrMapOvr>
+    <a:masterClrMapping/>
+  </p:clrMapOvr>
+  <p:timing>
+    <p:tnLst>
+      <p:par>
+        <p:cTn id="1" dur="indefinite" restart="never" nodeType="tmRoot">
+          <p:childTnLst>
+            <p:seq concurrent="1" nextAc="seek">
+              <p:cTn id="2" dur="indefinite" nodeType="mainSeq">
+                <p:childTnLst>
+                  <p:par>
+                    <p:cTn id="3" fill="hold">
+                      <p:stCondLst>
+                        <p:cond delay="indefinite"/>
+                      </p:stCondLst>
+                      <p:childTnLst>
+                        <p:par>
+                          <p:cTn id="4" fill="hold">
+                            <p:stCondLst>
+                              <p:cond delay="0"/>
+                            </p:stCondLst>
+                            <p:childTnLst>
+                              <p:par>
+                                <p:cTn id="5" presetID="10" presetClass="entr" presetSubtype="0" fill="hold" nodeType="clickEffect">
+                                  <p:stCondLst>
+                                    <p:cond delay="0"/>
+                                  </p:stCondLst>
+                                  <p:childTnLst>
+                                    <p:set>
+                                      <p:cBhvr>
+                                        <p:cTn id="6" dur="1" fill="hold">
+                                          <p:stCondLst>
+                                            <p:cond delay="0"/>
+                                          </p:stCondLst>
+                                        </p:cTn>
+                                        <p:tgtEl>
+                                          <p:spTgt spid="7">
+                                            <p:txEl>
+                                              <p:pRg st="0" end="0"/>
+                                            </p:txEl>
+                                          </p:spTgt>
+                                        </p:tgtEl>
+                                        <p:attrNameLst>
+                                          <p:attrName>style.visibility</p:attrName>
+                                        </p:attrNameLst>
+                                      </p:cBhvr>
+                                      <p:to>
+                                        <p:strVal val="visible"/>
+                                      </p:to>
+                                    </p:set>
+                                    <p:animEffect transition="in" filter="fade">
+                                      <p:cBhvr>
+                                        <p:cTn id="7" dur="500"/>
+                                        <p:tgtEl>
+                                          <p:spTgt spid="7">
+                                            <p:txEl>
+                                              <p:pRg st="0" end="0"/>
+                                            </p:txEl>
+                                          </p:spTgt>
+                                        </p:tgtEl>
+                                      </p:cBhvr>
+                                    </p:animEffect>
+                                  </p:childTnLst>
+                                </p:cTn>
+                              </p:par>
+                            </p:childTnLst>
+                          </p:cTn>
+                        </p:par>
+                      </p:childTnLst>
+                    </p:cTn>
+                  </p:par>
+                  <p:par>
+                    <p:cTn id="8" fill="hold">
+                      <p:stCondLst>
+                        <p:cond delay="indefinite"/>
+                      </p:stCondLst>
+                      <p:childTnLst>
+                        <p:par>
+                          <p:cTn id="9" fill="hold">
+                            <p:stCondLst>
+                              <p:cond delay="0"/>
+                            </p:stCondLst>
+                            <p:childTnLst>
+                              <p:par>
+                                <p:cTn id="10" presetID="10" presetClass="entr" presetSubtype="0" fill="hold" nodeType="clickEffect">
+                                  <p:stCondLst>
+                                    <p:cond delay="0"/>
+                                  </p:stCondLst>
+                                  <p:childTnLst>
+                                    <p:set>
+                                      <p:cBhvr>
+                                        <p:cTn id="11" dur="1" fill="hold">
+                                          <p:stCondLst>
+                                            <p:cond delay="0"/>
+                                          </p:stCondLst>
+                                        </p:cTn>
+                                        <p:tgtEl>
+                                          <p:spTgt spid="7">
+                                            <p:txEl>
+                                              <p:pRg st="1" end="1"/>
+                                            </p:txEl>
+                                          </p:spTgt>
+                                        </p:tgtEl>
+                                        <p:attrNameLst>
+                                          <p:attrName>style.visibility</p:attrName>
+                                        </p:attrNameLst>
+                                      </p:cBhvr>
+                                      <p:to>
+                                        <p:strVal val="visible"/>
+                                      </p:to>
+                                    </p:set>
+                                    <p:animEffect transition="in" filter="fade">
+                                      <p:cBhvr>
+                                        <p:cTn id="12" dur="500"/>
+                                        <p:tgtEl>
+                                          <p:spTgt spid="7">
+                                            <p:txEl>
+                                              <p:pRg st="1" end="1"/>
+                                            </p:txEl>
+                                          </p:spTgt>
+                                        </p:tgtEl>
+                                      </p:cBhvr>
+                                    </p:animEffect>
+                                  </p:childTnLst>
+                                </p:cTn>
+                              </p:par>
+                            </p:childTnLst>
+                          </p:cTn>
+                        </p:par>
+                      </p:childTnLst>
+                    </p:cTn>
+                  </p:par>
+                  <p:par>
+                    <p:cTn id="13" fill="hold">
+                      <p:stCondLst>
+                        <p:cond delay="indefinite"/>
+                      </p:stCondLst>
+                      <p:childTnLst>
+                        <p:par>
+                          <p:cTn id="14" fill="hold">
+                            <p:stCondLst>
+                              <p:cond delay="0"/>
+                            </p:stCondLst>
+                            <p:childTnLst>
+                              <p:par>
+                                <p:cTn id="15" presetID="10" presetClass="entr" presetSubtype="0" fill="hold" nodeType="clickEffect">
+                                  <p:stCondLst>
+                                    <p:cond delay="0"/>
+                                  </p:stCondLst>
+                                  <p:childTnLst>
+                                    <p:set>
+                                      <p:cBhvr>
+                                        <p:cTn id="16" dur="1" fill="hold">
+                                          <p:stCondLst>
+                                            <p:cond delay="0"/>
+                                          </p:stCondLst>
+                                        </p:cTn>
+                                        <p:tgtEl>
+                                          <p:spTgt spid="7">
+                                            <p:txEl>
+                                              <p:pRg st="2" end="2"/>
+                                            </p:txEl>
+                                          </p:spTgt>
+                                        </p:tgtEl>
+                                        <p:attrNameLst>
+                                          <p:attrName>style.visibility</p:attrName>
+                                        </p:attrNameLst>
+                                      </p:cBhvr>
+                                      <p:to>
+                                        <p:strVal val="visible"/>
+                                      </p:to>
+                                    </p:set>
+                                    <p:animEffect transition="in" filter="fade">
+                                      <p:cBhvr>
+                                        <p:cTn id="17" dur="500"/>
+                                        <p:tgtEl>
+                                          <p:spTgt spid="7">
+                                            <p:txEl>
+                                              <p:pRg st="2" end="2"/>
+                                            </p:txEl>
+                                          </p:spTgt>
+                                        </p:tgtEl>
+                                      </p:cBhvr>
+                                    </p:animEffect>
+                                  </p:childTnLst>
+                                </p:cTn>
+                              </p:par>
+                            </p:childTnLst>
+                          </p:cTn>
+                        </p:par>
+                      </p:childTnLst>
+                    </p:cTn>
+                  </p:par>
+                </p:childTnLst>
+              </p:cTn>
+              <p:prevCondLst>
+                <p:cond evt="onPrev" delay="0">
+                  <p:tgtEl>
+                    <p:sldTgt/>
+                  </p:tgtEl>
+                </p:cond>
+              </p:prevCondLst>
+              <p:nextCondLst>
+                <p:cond evt="onNext" delay="0">
+                  <p:tgtEl>
+                    <p:sldTgt/>
+                  </p:tgtEl>
+                </p:cond>
+              </p:nextCondLst>
+            </p:seq>
+          </p:childTnLst>
+        </p:cTn>
+      </p:par>
+    </p:tnLst>
+  </p:timing>
+</p:sld>
+</file>
+
+<file path=ppt/slides/slide23.xml><?xml version="1.0" encoding="utf-8"?>
+<p:sld xmlns:a="http://schemas.openxmlformats.org/drawingml/2006/main" xmlns:r="http://schemas.openxmlformats.org/officeDocument/2006/relationships" xmlns:p="http://schemas.openxmlformats.org/presentationml/2006/main">
+  <p:cSld>
+    <p:spTree>
+      <p:nvGrpSpPr>
+        <p:cNvPr id="1" name=""/>
+        <p:cNvGrpSpPr/>
+        <p:nvPr/>
+      </p:nvGrpSpPr>
+      <p:grpSpPr>
+        <a:xfrm>
+          <a:off x="0" y="0"/>
+          <a:ext cx="0" cy="0"/>
+          <a:chOff x="0" y="0"/>
+          <a:chExt cx="0" cy="0"/>
+        </a:xfrm>
+      </p:grpSpPr>
+      <p:grpSp>
+        <p:nvGrpSpPr>
+          <p:cNvPr id="6" name="그룹 5"/>
+          <p:cNvGrpSpPr/>
+          <p:nvPr/>
+        </p:nvGrpSpPr>
+        <p:grpSpPr>
+          <a:xfrm>
+            <a:off x="206896" y="216024"/>
+            <a:ext cx="5228442" cy="836712"/>
+            <a:chOff x="206896" y="216024"/>
+            <a:chExt cx="5228442" cy="836712"/>
+          </a:xfrm>
+        </p:grpSpPr>
+        <p:pic>
+          <p:nvPicPr>
+            <p:cNvPr id="2" name="그림 1"/>
+            <p:cNvPicPr>
+              <a:picLocks noChangeAspect="1"/>
+            </p:cNvPicPr>
+            <p:nvPr/>
+          </p:nvPicPr>
+          <p:blipFill>
+            <a:blip r:embed="rId2" cstate="print">
+              <a:extLst>
+                <a:ext uri="{28A0092B-C50C-407E-A947-70E740481C1C}">
+                  <a14:useLocalDpi xmlns:a14="http://schemas.microsoft.com/office/drawing/2010/main" val="0"/>
+                </a:ext>
+              </a:extLst>
+            </a:blip>
+            <a:stretch>
+              <a:fillRect/>
+            </a:stretch>
+          </p:blipFill>
+          <p:spPr>
+            <a:xfrm>
+              <a:off x="206896" y="216024"/>
+              <a:ext cx="836712" cy="836712"/>
+            </a:xfrm>
+            <a:prstGeom prst="rect">
+              <a:avLst/>
+            </a:prstGeom>
+          </p:spPr>
+        </p:pic>
+        <p:sp>
+          <p:nvSpPr>
+            <p:cNvPr id="3" name="TextBox 2"/>
+            <p:cNvSpPr txBox="1"/>
+            <p:nvPr/>
+          </p:nvSpPr>
+          <p:spPr>
+            <a:xfrm>
+              <a:off x="970842" y="370022"/>
+              <a:ext cx="4464496" cy="646331"/>
+            </a:xfrm>
+            <a:prstGeom prst="rect">
+              <a:avLst/>
+            </a:prstGeom>
+            <a:noFill/>
+            <a:ln>
+              <a:solidFill>
+                <a:schemeClr val="accent1">
+                  <a:alpha val="0"/>
+                </a:schemeClr>
+              </a:solidFill>
+            </a:ln>
+          </p:spPr>
+          <p:txBody>
+            <a:bodyPr wrap="square" rtlCol="0">
+              <a:spAutoFit/>
+            </a:bodyPr>
+            <a:lstStyle/>
+            <a:p>
+              <a:r>
+                <a:rPr lang="en-US" altLang="zh-CN" sz="3600" dirty="0" smtClean="0">
+                  <a:solidFill>
+                    <a:srgbClr val="002060"/>
+                  </a:solidFill>
+                  <a:latin typeface="-윤고딕330" pitchFamily="18" charset="-127"/>
+                  <a:ea typeface="-윤고딕330" pitchFamily="18" charset="-127"/>
+                </a:rPr>
+                <a:t>F</a:t>
+              </a:r>
+              <a:r>
+                <a:rPr lang="en-US" altLang="zh-CN" dirty="0" smtClean="0">
+                  <a:solidFill>
+                    <a:srgbClr val="7CA7C5"/>
+                  </a:solidFill>
+                  <a:latin typeface="-윤고딕330" pitchFamily="18" charset="-127"/>
+                  <a:ea typeface="-윤고딕330" pitchFamily="18" charset="-127"/>
+                </a:rPr>
+                <a:t>lux </a:t>
+              </a:r>
+              <a:r>
+                <a:rPr lang="zh-CN" altLang="en-US" dirty="0" smtClean="0">
+                  <a:solidFill>
+                    <a:srgbClr val="7CA7C5"/>
+                  </a:solidFill>
+                  <a:latin typeface="-윤고딕330" pitchFamily="18" charset="-127"/>
+                  <a:ea typeface="-윤고딕330" pitchFamily="18" charset="-127"/>
+                </a:rPr>
+                <a:t>和</a:t>
+              </a:r>
+              <a:r>
+                <a:rPr lang="en-US" altLang="zh-CN" dirty="0" smtClean="0">
+                  <a:solidFill>
+                    <a:srgbClr val="7CA7C5"/>
+                  </a:solidFill>
+                  <a:latin typeface="-윤고딕330" pitchFamily="18" charset="-127"/>
+                  <a:ea typeface="-윤고딕330" pitchFamily="18" charset="-127"/>
+                </a:rPr>
+                <a:t>MVC</a:t>
+              </a:r>
+              <a:r>
+                <a:rPr lang="zh-CN" altLang="en-US" dirty="0" smtClean="0">
+                  <a:solidFill>
+                    <a:srgbClr val="7CA7C5"/>
+                  </a:solidFill>
+                  <a:latin typeface="-윤고딕330" pitchFamily="18" charset="-127"/>
+                  <a:ea typeface="-윤고딕330" pitchFamily="18" charset="-127"/>
+                </a:rPr>
+                <a:t>对比</a:t>
+              </a:r>
+              <a:endParaRPr lang="ko-KR" altLang="en-US" dirty="0">
+                <a:solidFill>
+                  <a:srgbClr val="7CA7C5"/>
+                </a:solidFill>
+                <a:latin typeface="-윤고딕330" pitchFamily="18" charset="-127"/>
+                <a:ea typeface="-윤고딕330" pitchFamily="18" charset="-127"/>
+              </a:endParaRPr>
+            </a:p>
+          </p:txBody>
+        </p:sp>
+      </p:grpSp>
+      <p:pic>
+        <p:nvPicPr>
+          <p:cNvPr id="3076" name="Picture 4" descr="http://cdn4.infoqstatic.com/statics_s2_20170411-0445/resource/news/2014/05/facebook-mvc-flux/zh/resources/0519000.png"/>
+          <p:cNvPicPr>
+            <a:picLocks noChangeAspect="1" noChangeArrowheads="1"/>
+          </p:cNvPicPr>
+          <p:nvPr/>
+        </p:nvPicPr>
+        <p:blipFill>
+          <a:blip r:embed="rId3">
+            <a:extLst>
+              <a:ext uri="{28A0092B-C50C-407E-A947-70E740481C1C}">
+                <a14:useLocalDpi xmlns:a14="http://schemas.microsoft.com/office/drawing/2010/main" val="0"/>
+              </a:ext>
+            </a:extLst>
+          </a:blip>
+          <a:srcRect/>
+          <a:stretch>
+            <a:fillRect/>
+          </a:stretch>
+        </p:blipFill>
+        <p:spPr bwMode="auto">
+          <a:xfrm>
+            <a:off x="323528" y="1340768"/>
+            <a:ext cx="3714750" cy="2105026"/>
+          </a:xfrm>
+          <a:prstGeom prst="rect">
+            <a:avLst/>
+          </a:prstGeom>
+          <a:noFill/>
+          <a:extLst>
+            <a:ext uri="{909E8E84-426E-40DD-AFC4-6F175D3DCCD1}">
+              <a14:hiddenFill xmlns:a14="http://schemas.microsoft.com/office/drawing/2010/main">
+                <a:solidFill>
+                  <a:srgbClr val="FFFFFF"/>
+                </a:solidFill>
+              </a14:hiddenFill>
+            </a:ext>
+          </a:extLst>
+        </p:spPr>
+      </p:pic>
+      <p:pic>
+        <p:nvPicPr>
+          <p:cNvPr id="3080" name="Picture 8" descr="http://cdn4.infoqstatic.com/statics_s2_20170411-0445/resource/news/2014/05/facebook-mvc-flux/zh/resources/0519001.png"/>
+          <p:cNvPicPr>
+            <a:picLocks noChangeAspect="1" noChangeArrowheads="1"/>
+          </p:cNvPicPr>
+          <p:nvPr/>
+        </p:nvPicPr>
+        <p:blipFill>
+          <a:blip r:embed="rId4">
+            <a:extLst>
+              <a:ext uri="{28A0092B-C50C-407E-A947-70E740481C1C}">
+                <a14:useLocalDpi xmlns:a14="http://schemas.microsoft.com/office/drawing/2010/main" val="0"/>
+              </a:ext>
+            </a:extLst>
+          </a:blip>
+          <a:srcRect/>
+          <a:stretch>
+            <a:fillRect/>
+          </a:stretch>
+        </p:blipFill>
+        <p:spPr bwMode="auto">
+          <a:xfrm>
+            <a:off x="4932040" y="1340768"/>
+            <a:ext cx="3714750" cy="2085976"/>
+          </a:xfrm>
+          <a:prstGeom prst="rect">
+            <a:avLst/>
+          </a:prstGeom>
+          <a:noFill/>
+          <a:extLst>
+            <a:ext uri="{909E8E84-426E-40DD-AFC4-6F175D3DCCD1}">
+              <a14:hiddenFill xmlns:a14="http://schemas.microsoft.com/office/drawing/2010/main">
+                <a:solidFill>
+                  <a:srgbClr val="FFFFFF"/>
+                </a:solidFill>
+              </a14:hiddenFill>
+            </a:ext>
+          </a:extLst>
+        </p:spPr>
+      </p:pic>
+      <p:pic>
+        <p:nvPicPr>
+          <p:cNvPr id="3082" name="Picture 10" descr="理解Flux"/>
+          <p:cNvPicPr>
+            <a:picLocks noChangeAspect="1" noChangeArrowheads="1"/>
+          </p:cNvPicPr>
+          <p:nvPr/>
+        </p:nvPicPr>
+        <p:blipFill>
+          <a:blip r:embed="rId5">
+            <a:extLst>
+              <a:ext uri="{28A0092B-C50C-407E-A947-70E740481C1C}">
+                <a14:useLocalDpi xmlns:a14="http://schemas.microsoft.com/office/drawing/2010/main" val="0"/>
+              </a:ext>
+            </a:extLst>
+          </a:blip>
+          <a:srcRect/>
+          <a:stretch>
+            <a:fillRect/>
+          </a:stretch>
+        </p:blipFill>
+        <p:spPr bwMode="auto">
+          <a:xfrm>
+            <a:off x="1619672" y="3751565"/>
+            <a:ext cx="5471462" cy="2808312"/>
+          </a:xfrm>
+          <a:prstGeom prst="rect">
+            <a:avLst/>
+          </a:prstGeom>
+          <a:noFill/>
+          <a:extLst>
+            <a:ext uri="{909E8E84-426E-40DD-AFC4-6F175D3DCCD1}">
+              <a14:hiddenFill xmlns:a14="http://schemas.microsoft.com/office/drawing/2010/main">
+                <a:solidFill>
+                  <a:srgbClr val="FFFFFF"/>
+                </a:solidFill>
+              </a14:hiddenFill>
+            </a:ext>
+          </a:extLst>
+        </p:spPr>
+      </p:pic>
+    </p:spTree>
+    <p:extLst>
+      <p:ext uri="{BB962C8B-B14F-4D97-AF65-F5344CB8AC3E}">
+        <p14:creationId xmlns:p14="http://schemas.microsoft.com/office/powerpoint/2010/main" val="2654387076"/>
+      </p:ext>
+    </p:extLst>
+  </p:cSld>
+  <p:clrMapOvr>
+    <a:masterClrMapping/>
+  </p:clrMapOvr>
+  <p:timing>
+    <p:tnLst>
+      <p:par>
+        <p:cTn id="1" dur="indefinite" restart="never" nodeType="tmRoot">
+          <p:childTnLst>
+            <p:seq concurrent="1" nextAc="seek">
+              <p:cTn id="2" dur="indefinite" nodeType="mainSeq">
+                <p:childTnLst>
+                  <p:par>
+                    <p:cTn id="3" fill="hold">
+                      <p:stCondLst>
+                        <p:cond delay="indefinite"/>
+                      </p:stCondLst>
+                      <p:childTnLst>
+                        <p:par>
+                          <p:cTn id="4" fill="hold">
+                            <p:stCondLst>
+                              <p:cond delay="0"/>
+                            </p:stCondLst>
+                            <p:childTnLst>
+                              <p:par>
+                                <p:cTn id="5" presetID="10" presetClass="entr" presetSubtype="0" fill="hold" nodeType="clickEffect">
+                                  <p:stCondLst>
+                                    <p:cond delay="0"/>
+                                  </p:stCondLst>
+                                  <p:childTnLst>
+                                    <p:set>
+                                      <p:cBhvr>
+                                        <p:cTn id="6" dur="1" fill="hold">
+                                          <p:stCondLst>
+                                            <p:cond delay="0"/>
+                                          </p:stCondLst>
+                                        </p:cTn>
+                                        <p:tgtEl>
+                                          <p:spTgt spid="3080"/>
+                                        </p:tgtEl>
+                                        <p:attrNameLst>
+                                          <p:attrName>style.visibility</p:attrName>
+                                        </p:attrNameLst>
+                                      </p:cBhvr>
+                                      <p:to>
+                                        <p:strVal val="visible"/>
+                                      </p:to>
+                                    </p:set>
+                                    <p:animEffect transition="in" filter="fade">
+                                      <p:cBhvr>
+                                        <p:cTn id="7" dur="500"/>
+                                        <p:tgtEl>
+                                          <p:spTgt spid="3080"/>
+                                        </p:tgtEl>
+                                      </p:cBhvr>
+                                    </p:animEffect>
+                                  </p:childTnLst>
+                                </p:cTn>
+                              </p:par>
+                            </p:childTnLst>
+                          </p:cTn>
+                        </p:par>
+                      </p:childTnLst>
+                    </p:cTn>
+                  </p:par>
+                  <p:par>
+                    <p:cTn id="8" fill="hold">
+                      <p:stCondLst>
+                        <p:cond delay="indefinite"/>
+                      </p:stCondLst>
+                      <p:childTnLst>
+                        <p:par>
+                          <p:cTn id="9" fill="hold">
+                            <p:stCondLst>
+                              <p:cond delay="0"/>
+                            </p:stCondLst>
+                            <p:childTnLst>
+                              <p:par>
+                                <p:cTn id="10" presetID="10" presetClass="entr" presetSubtype="0" fill="hold" nodeType="clickEffect">
+                                  <p:stCondLst>
+                                    <p:cond delay="0"/>
+                                  </p:stCondLst>
+                                  <p:childTnLst>
+                                    <p:set>
+                                      <p:cBhvr>
+                                        <p:cTn id="11" dur="1" fill="hold">
+                                          <p:stCondLst>
+                                            <p:cond delay="0"/>
+                                          </p:stCondLst>
+                                        </p:cTn>
+                                        <p:tgtEl>
+                                          <p:spTgt spid="3082"/>
+                                        </p:tgtEl>
+                                        <p:attrNameLst>
+                                          <p:attrName>style.visibility</p:attrName>
+                                        </p:attrNameLst>
+                                      </p:cBhvr>
+                                      <p:to>
+                                        <p:strVal val="visible"/>
+                                      </p:to>
+                                    </p:set>
+                                    <p:animEffect transition="in" filter="fade">
+                                      <p:cBhvr>
+                                        <p:cTn id="12" dur="500"/>
+                                        <p:tgtEl>
+                                          <p:spTgt spid="3082"/>
+                                        </p:tgtEl>
+                                      </p:cBhvr>
+                                    </p:animEffect>
+                                  </p:childTnLst>
+                                </p:cTn>
+                              </p:par>
+                            </p:childTnLst>
+                          </p:cTn>
+                        </p:par>
+                      </p:childTnLst>
+                    </p:cTn>
+                  </p:par>
+                </p:childTnLst>
+              </p:cTn>
+              <p:prevCondLst>
+                <p:cond evt="onPrev" delay="0">
+                  <p:tgtEl>
+                    <p:sldTgt/>
+                  </p:tgtEl>
+                </p:cond>
+              </p:prevCondLst>
+              <p:nextCondLst>
+                <p:cond evt="onNext" delay="0">
+                  <p:tgtEl>
+                    <p:sldTgt/>
+                  </p:tgtEl>
+                </p:cond>
+              </p:nextCondLst>
+            </p:seq>
+          </p:childTnLst>
+        </p:cTn>
+      </p:par>
+    </p:tnLst>
+  </p:timing>
+</p:sld>
+</file>
+
+<file path=ppt/slides/slide24.xml><?xml version="1.0" encoding="utf-8"?>
+<p:sld xmlns:a="http://schemas.openxmlformats.org/drawingml/2006/main" xmlns:r="http://schemas.openxmlformats.org/officeDocument/2006/relationships" xmlns:p="http://schemas.openxmlformats.org/presentationml/2006/main">
+  <p:cSld>
+    <p:spTree>
+      <p:nvGrpSpPr>
+        <p:cNvPr id="1" name=""/>
+        <p:cNvGrpSpPr/>
+        <p:nvPr/>
+      </p:nvGrpSpPr>
+      <p:grpSpPr>
+        <a:xfrm>
+          <a:off x="0" y="0"/>
+          <a:ext cx="0" cy="0"/>
+          <a:chOff x="0" y="0"/>
+          <a:chExt cx="0" cy="0"/>
+        </a:xfrm>
+      </p:grpSpPr>
+      <p:pic>
+        <p:nvPicPr>
+          <p:cNvPr id="4" name="그림 3"/>
+          <p:cNvPicPr>
+            <a:picLocks noChangeAspect="1"/>
+          </p:cNvPicPr>
+          <p:nvPr/>
+        </p:nvPicPr>
+        <p:blipFill rotWithShape="1">
+          <a:blip r:embed="rId2" cstate="print">
+            <a:extLst>
+              <a:ext uri="{28A0092B-C50C-407E-A947-70E740481C1C}">
+                <a14:useLocalDpi xmlns:a14="http://schemas.microsoft.com/office/drawing/2010/main" val="0"/>
+              </a:ext>
+            </a:extLst>
+          </a:blip>
+          <a:srcRect b="10897"/>
+          <a:stretch/>
+        </p:blipFill>
+        <p:spPr>
+          <a:xfrm>
+            <a:off x="4283968" y="2512640"/>
+            <a:ext cx="4876800" cy="4345360"/>
+          </a:xfrm>
+          <a:prstGeom prst="rect">
+            <a:avLst/>
+          </a:prstGeom>
+        </p:spPr>
+      </p:pic>
+      <p:sp>
+        <p:nvSpPr>
+          <p:cNvPr id="5" name="TextBox 4"/>
+          <p:cNvSpPr txBox="1"/>
+          <p:nvPr/>
+        </p:nvSpPr>
+        <p:spPr>
+          <a:xfrm>
+            <a:off x="299020" y="2096473"/>
+            <a:ext cx="6624736" cy="1569660"/>
+          </a:xfrm>
+          <a:prstGeom prst="rect">
+            <a:avLst/>
+          </a:prstGeom>
+          <a:noFill/>
+          <a:ln>
+            <a:solidFill>
+              <a:schemeClr val="accent1">
+                <a:alpha val="0"/>
+              </a:schemeClr>
+            </a:solidFill>
+          </a:ln>
+        </p:spPr>
+        <p:txBody>
+          <a:bodyPr wrap="square" rtlCol="0">
+            <a:spAutoFit/>
+          </a:bodyPr>
+          <a:lstStyle/>
+          <a:p>
+            <a:pPr algn="ctr"/>
+            <a:r>
+              <a:rPr lang="en-US" altLang="ko-KR" sz="9600" b="1" dirty="0" smtClean="0">
+                <a:solidFill>
+                  <a:srgbClr val="002060"/>
+                </a:solidFill>
+              </a:rPr>
+              <a:t>T</a:t>
+            </a:r>
+            <a:r>
+              <a:rPr lang="en-US" altLang="ko-KR" sz="9600" dirty="0" smtClean="0">
+                <a:solidFill>
+                  <a:srgbClr val="7CA7C5"/>
+                </a:solidFill>
+              </a:rPr>
+              <a:t>hank you</a:t>
+            </a:r>
+            <a:endParaRPr lang="ko-KR" altLang="en-US" sz="6000" dirty="0">
+              <a:solidFill>
+                <a:srgbClr val="7CA7C5"/>
+              </a:solidFill>
+            </a:endParaRPr>
+          </a:p>
+        </p:txBody>
+      </p:sp>
+    </p:spTree>
+    <p:extLst>
+      <p:ext uri="{BB962C8B-B14F-4D97-AF65-F5344CB8AC3E}">
+        <p14:creationId xmlns:p14="http://schemas.microsoft.com/office/powerpoint/2010/main" val="501041440"/>
       </p:ext>
     </p:extLst>
   </p:cSld>
@@ -7294,13 +10532,13 @@
       </p:grpSp>
       <p:sp>
         <p:nvSpPr>
-          <p:cNvPr id="8" name="文本框 7"/>
+          <p:cNvPr id="9" name="文本框 8"/>
           <p:cNvSpPr txBox="1"/>
           <p:nvPr/>
         </p:nvSpPr>
         <p:spPr>
           <a:xfrm>
-            <a:off x="1043608" y="1700808"/>
+            <a:off x="970842" y="1628800"/>
             <a:ext cx="7272808" cy="3000821"/>
           </a:xfrm>
           <a:prstGeom prst="rect">
@@ -7402,58 +10640,13 @@
               <a:t>现在已发布到</a:t>
             </a:r>
             <a:r>
-              <a:rPr lang="en-US" altLang="zh-CN" sz="2400" dirty="0">
+              <a:rPr lang="en-US" altLang="zh-CN" sz="2400" dirty="0" smtClean="0">
                 <a:solidFill>
                   <a:srgbClr val="002060"/>
                 </a:solidFill>
               </a:rPr>
               <a:t>V15.5.4</a:t>
             </a:r>
-          </a:p>
-          <a:p>
-            <a:pPr marL="342900" indent="-342900">
-              <a:spcAft>
-                <a:spcPts val="3000"/>
-              </a:spcAft>
-              <a:buAutoNum type="arabicPeriod"/>
-            </a:pPr>
-            <a:r>
-              <a:rPr lang="en-US" altLang="zh-CN" sz="2400" dirty="0" smtClean="0">
-                <a:solidFill>
-                  <a:srgbClr val="002060"/>
-                </a:solidFill>
-              </a:rPr>
-              <a:t>React</a:t>
-            </a:r>
-            <a:r>
-              <a:rPr lang="zh-CN" altLang="en-US" sz="2400" dirty="0" smtClean="0">
-                <a:solidFill>
-                  <a:srgbClr val="002060"/>
-                </a:solidFill>
-              </a:rPr>
-              <a:t>加</a:t>
-            </a:r>
-            <a:r>
-              <a:rPr lang="en-US" altLang="zh-CN" sz="2400" dirty="0" smtClean="0">
-                <a:solidFill>
-                  <a:srgbClr val="002060"/>
-                </a:solidFill>
-              </a:rPr>
-              <a:t>flux</a:t>
-            </a:r>
-            <a:r>
-              <a:rPr lang="zh-CN" altLang="en-US" sz="2400" dirty="0" smtClean="0">
-                <a:solidFill>
-                  <a:srgbClr val="002060"/>
-                </a:solidFill>
-              </a:rPr>
-              <a:t>能让数据流向更容易被预测</a:t>
-            </a:r>
-            <a:endParaRPr lang="en-US" altLang="zh-CN" sz="2400" dirty="0" smtClean="0">
-              <a:solidFill>
-                <a:srgbClr val="002060"/>
-              </a:solidFill>
-            </a:endParaRPr>
           </a:p>
           <a:p>
             <a:pPr marL="342900" indent="-342900">
@@ -7464,13 +10657,88 @@
               <a:buAutoNum type="arabicPeriod"/>
             </a:pPr>
             <a:r>
+              <a:rPr lang="zh-CN" altLang="en-US" sz="2400" dirty="0" smtClean="0">
+                <a:solidFill>
+                  <a:srgbClr val="002060"/>
+                </a:solidFill>
+              </a:rPr>
+              <a:t>只是</a:t>
+            </a:r>
+            <a:r>
+              <a:rPr lang="zh-CN" altLang="en-US" sz="2400" dirty="0">
+                <a:solidFill>
+                  <a:srgbClr val="002060"/>
+                </a:solidFill>
+              </a:rPr>
+              <a:t>视图层</a:t>
+            </a:r>
+            <a:r>
+              <a:rPr lang="zh-CN" altLang="en-US" sz="2400" dirty="0" smtClean="0">
+                <a:solidFill>
+                  <a:srgbClr val="002060"/>
+                </a:solidFill>
+              </a:rPr>
+              <a:t>库</a:t>
+            </a:r>
+            <a:endParaRPr lang="en-US" altLang="zh-CN" sz="2400" dirty="0" smtClean="0">
+              <a:solidFill>
+                <a:srgbClr val="002060"/>
+              </a:solidFill>
+            </a:endParaRPr>
+          </a:p>
+          <a:p>
+            <a:pPr marL="342900" indent="-342900">
+              <a:spcAft>
+                <a:spcPts val="3000"/>
+              </a:spcAft>
+              <a:buFontTx/>
+              <a:buAutoNum type="arabicPeriod"/>
+            </a:pPr>
+            <a:r>
               <a:rPr lang="en-US" altLang="zh-CN" sz="2400" dirty="0">
                 <a:solidFill>
                   <a:srgbClr val="002060"/>
                 </a:solidFill>
               </a:rPr>
-              <a:t>View library</a:t>
-            </a:r>
+              <a:t>React</a:t>
+            </a:r>
+            <a:r>
+              <a:rPr lang="zh-CN" altLang="en-US" sz="2400" dirty="0">
+                <a:solidFill>
+                  <a:srgbClr val="002060"/>
+                </a:solidFill>
+              </a:rPr>
+              <a:t>加</a:t>
+            </a:r>
+            <a:r>
+              <a:rPr lang="en-US" altLang="zh-CN" sz="2400" dirty="0">
+                <a:solidFill>
+                  <a:srgbClr val="002060"/>
+                </a:solidFill>
+              </a:rPr>
+              <a:t>flux</a:t>
+            </a:r>
+            <a:r>
+              <a:rPr lang="zh-CN" altLang="en-US" sz="2400" dirty="0">
+                <a:solidFill>
+                  <a:srgbClr val="002060"/>
+                </a:solidFill>
+              </a:rPr>
+              <a:t>能让数据流向更容易被</a:t>
+            </a:r>
+            <a:r>
+              <a:rPr lang="zh-CN" altLang="en-US" sz="2400" dirty="0" smtClean="0">
+                <a:solidFill>
+                  <a:srgbClr val="002060"/>
+                </a:solidFill>
+              </a:rPr>
+              <a:t>预测</a:t>
+            </a:r>
+            <a:endParaRPr lang="en-US" altLang="zh-CN" sz="2400" dirty="0">
+              <a:solidFill>
+                <a:srgbClr val="002060"/>
+              </a:solidFill>
+            </a:endParaRPr>
           </a:p>
           <a:p>
             <a:pPr marL="342900" indent="-342900">
@@ -7493,7 +10761,213 @@
   <p:timing>
     <p:tnLst>
       <p:par>
-        <p:cTn id="1" dur="indefinite" restart="never" nodeType="tmRoot"/>
+        <p:cTn id="1" dur="indefinite" restart="never" nodeType="tmRoot">
+          <p:childTnLst>
+            <p:seq concurrent="1" nextAc="seek">
+              <p:cTn id="2" dur="indefinite" nodeType="mainSeq">
+                <p:childTnLst>
+                  <p:par>
+                    <p:cTn id="3" fill="hold">
+                      <p:stCondLst>
+                        <p:cond delay="indefinite"/>
+                      </p:stCondLst>
+                      <p:childTnLst>
+                        <p:par>
+                          <p:cTn id="4" fill="hold">
+                            <p:stCondLst>
+                              <p:cond delay="0"/>
+                            </p:stCondLst>
+                            <p:childTnLst>
+                              <p:par>
+                                <p:cTn id="5" presetID="10" presetClass="entr" presetSubtype="0" fill="hold" nodeType="clickEffect">
+                                  <p:stCondLst>
+                                    <p:cond delay="0"/>
+                                  </p:stCondLst>
+                                  <p:childTnLst>
+                                    <p:set>
+                                      <p:cBhvr>
+                                        <p:cTn id="6" dur="1" fill="hold">
+                                          <p:stCondLst>
+                                            <p:cond delay="0"/>
+                                          </p:stCondLst>
+                                        </p:cTn>
+                                        <p:tgtEl>
+                                          <p:spTgt spid="9">
+                                            <p:txEl>
+                                              <p:pRg st="0" end="0"/>
+                                            </p:txEl>
+                                          </p:spTgt>
+                                        </p:tgtEl>
+                                        <p:attrNameLst>
+                                          <p:attrName>style.visibility</p:attrName>
+                                        </p:attrNameLst>
+                                      </p:cBhvr>
+                                      <p:to>
+                                        <p:strVal val="visible"/>
+                                      </p:to>
+                                    </p:set>
+                                    <p:animEffect transition="in" filter="fade">
+                                      <p:cBhvr>
+                                        <p:cTn id="7" dur="500"/>
+                                        <p:tgtEl>
+                                          <p:spTgt spid="9">
+                                            <p:txEl>
+                                              <p:pRg st="0" end="0"/>
+                                            </p:txEl>
+                                          </p:spTgt>
+                                        </p:tgtEl>
+                                      </p:cBhvr>
+                                    </p:animEffect>
+                                  </p:childTnLst>
+                                </p:cTn>
+                              </p:par>
+                            </p:childTnLst>
+                          </p:cTn>
+                        </p:par>
+                      </p:childTnLst>
+                    </p:cTn>
+                  </p:par>
+                  <p:par>
+                    <p:cTn id="8" fill="hold">
+                      <p:stCondLst>
+                        <p:cond delay="indefinite"/>
+                      </p:stCondLst>
+                      <p:childTnLst>
+                        <p:par>
+                          <p:cTn id="9" fill="hold">
+                            <p:stCondLst>
+                              <p:cond delay="0"/>
+                            </p:stCondLst>
+                            <p:childTnLst>
+                              <p:par>
+                                <p:cTn id="10" presetID="10" presetClass="entr" presetSubtype="0" fill="hold" nodeType="clickEffect">
+                                  <p:stCondLst>
+                                    <p:cond delay="0"/>
+                                  </p:stCondLst>
+                                  <p:childTnLst>
+                                    <p:set>
+                                      <p:cBhvr>
+                                        <p:cTn id="11" dur="1" fill="hold">
+                                          <p:stCondLst>
+                                            <p:cond delay="0"/>
+                                          </p:stCondLst>
+                                        </p:cTn>
+                                        <p:tgtEl>
+                                          <p:spTgt spid="9">
+                                            <p:txEl>
+                                              <p:pRg st="1" end="1"/>
+                                            </p:txEl>
+                                          </p:spTgt>
+                                        </p:tgtEl>
+                                        <p:attrNameLst>
+                                          <p:attrName>style.visibility</p:attrName>
+                                        </p:attrNameLst>
+                                      </p:cBhvr>
+                                      <p:to>
+                                        <p:strVal val="visible"/>
+                                      </p:to>
+                                    </p:set>
+                                    <p:animEffect transition="in" filter="fade">
+                                      <p:cBhvr>
+                                        <p:cTn id="12" dur="500"/>
+                                        <p:tgtEl>
+                                          <p:spTgt spid="9">
+                                            <p:txEl>
+                                              <p:pRg st="1" end="1"/>
+                                            </p:txEl>
+                                          </p:spTgt>
+                                        </p:tgtEl>
+                                      </p:cBhvr>
+                                    </p:animEffect>
+                                  </p:childTnLst>
+                                </p:cTn>
+                              </p:par>
+                            </p:childTnLst>
+                          </p:cTn>
+                        </p:par>
+                      </p:childTnLst>
+                    </p:cTn>
+                  </p:par>
+                  <p:par>
+                    <p:cTn id="13" fill="hold">
+                      <p:stCondLst>
+                        <p:cond delay="indefinite"/>
+                      </p:stCondLst>
+                      <p:childTnLst>
+                        <p:par>
+                          <p:cTn id="14" fill="hold">
+                            <p:stCondLst>
+                              <p:cond delay="0"/>
+                            </p:stCondLst>
+                            <p:childTnLst>
+                              <p:par>
+                                <p:cTn id="15" presetID="10" presetClass="entr" presetSubtype="0" fill="hold" nodeType="clickEffect">
+                                  <p:stCondLst>
+                                    <p:cond delay="0"/>
+                                  </p:stCondLst>
+                                  <p:childTnLst>
+                                    <p:set>
+                                      <p:cBhvr>
+                                        <p:cTn id="16" dur="1" fill="hold">
+                                          <p:stCondLst>
+                                            <p:cond delay="0"/>
+                                          </p:stCondLst>
+                                        </p:cTn>
+                                        <p:tgtEl>
+                                          <p:spTgt spid="9">
+                                            <p:txEl>
+                                              <p:pRg st="2" end="2"/>
+                                            </p:txEl>
+                                          </p:spTgt>
+                                        </p:tgtEl>
+                                        <p:attrNameLst>
+                                          <p:attrName>style.visibility</p:attrName>
+                                        </p:attrNameLst>
+                                      </p:cBhvr>
+                                      <p:to>
+                                        <p:strVal val="visible"/>
+                                      </p:to>
+                                    </p:set>
+                                    <p:animEffect transition="in" filter="fade">
+                                      <p:cBhvr>
+                                        <p:cTn id="17" dur="500"/>
+                                        <p:tgtEl>
+                                          <p:spTgt spid="9">
+                                            <p:txEl>
+                                              <p:pRg st="2" end="2"/>
+                                            </p:txEl>
+                                          </p:spTgt>
+                                        </p:tgtEl>
+                                      </p:cBhvr>
+                                    </p:animEffect>
+                                  </p:childTnLst>
+                                </p:cTn>
+                              </p:par>
+                            </p:childTnLst>
+                          </p:cTn>
+                        </p:par>
+                      </p:childTnLst>
+                    </p:cTn>
+                  </p:par>
+                </p:childTnLst>
+              </p:cTn>
+              <p:prevCondLst>
+                <p:cond evt="onPrev" delay="0">
+                  <p:tgtEl>
+                    <p:sldTgt/>
+                  </p:tgtEl>
+                </p:cond>
+              </p:prevCondLst>
+              <p:nextCondLst>
+                <p:cond evt="onNext" delay="0">
+                  <p:tgtEl>
+                    <p:sldTgt/>
+                  </p:tgtEl>
+                </p:cond>
+              </p:nextCondLst>
+            </p:seq>
+          </p:childTnLst>
+        </p:cTn>
       </p:par>
     </p:tnLst>
   </p:timing>
@@ -7755,7 +11229,274 @@
   <p:timing>
     <p:tnLst>
       <p:par>
-        <p:cTn id="1" dur="indefinite" restart="never" nodeType="tmRoot"/>
+        <p:cTn id="1" dur="indefinite" restart="never" nodeType="tmRoot">
+          <p:childTnLst>
+            <p:seq concurrent="1" nextAc="seek">
+              <p:cTn id="2" dur="indefinite" nodeType="mainSeq">
+                <p:childTnLst>
+                  <p:par>
+                    <p:cTn id="3" fill="hold">
+                      <p:stCondLst>
+                        <p:cond delay="indefinite"/>
+                      </p:stCondLst>
+                      <p:childTnLst>
+                        <p:par>
+                          <p:cTn id="4" fill="hold">
+                            <p:stCondLst>
+                              <p:cond delay="0"/>
+                            </p:stCondLst>
+                            <p:childTnLst>
+                              <p:par>
+                                <p:cTn id="5" presetID="10" presetClass="entr" presetSubtype="0" fill="hold" nodeType="clickEffect">
+                                  <p:stCondLst>
+                                    <p:cond delay="0"/>
+                                  </p:stCondLst>
+                                  <p:childTnLst>
+                                    <p:set>
+                                      <p:cBhvr>
+                                        <p:cTn id="6" dur="1" fill="hold">
+                                          <p:stCondLst>
+                                            <p:cond delay="0"/>
+                                          </p:stCondLst>
+                                        </p:cTn>
+                                        <p:tgtEl>
+                                          <p:spTgt spid="8">
+                                            <p:txEl>
+                                              <p:pRg st="0" end="0"/>
+                                            </p:txEl>
+                                          </p:spTgt>
+                                        </p:tgtEl>
+                                        <p:attrNameLst>
+                                          <p:attrName>style.visibility</p:attrName>
+                                        </p:attrNameLst>
+                                      </p:cBhvr>
+                                      <p:to>
+                                        <p:strVal val="visible"/>
+                                      </p:to>
+                                    </p:set>
+                                    <p:animEffect transition="in" filter="fade">
+                                      <p:cBhvr>
+                                        <p:cTn id="7" dur="500"/>
+                                        <p:tgtEl>
+                                          <p:spTgt spid="8">
+                                            <p:txEl>
+                                              <p:pRg st="0" end="0"/>
+                                            </p:txEl>
+                                          </p:spTgt>
+                                        </p:tgtEl>
+                                      </p:cBhvr>
+                                    </p:animEffect>
+                                  </p:childTnLst>
+                                </p:cTn>
+                              </p:par>
+                            </p:childTnLst>
+                          </p:cTn>
+                        </p:par>
+                      </p:childTnLst>
+                    </p:cTn>
+                  </p:par>
+                  <p:par>
+                    <p:cTn id="8" fill="hold">
+                      <p:stCondLst>
+                        <p:cond delay="indefinite"/>
+                      </p:stCondLst>
+                      <p:childTnLst>
+                        <p:par>
+                          <p:cTn id="9" fill="hold">
+                            <p:stCondLst>
+                              <p:cond delay="0"/>
+                            </p:stCondLst>
+                            <p:childTnLst>
+                              <p:par>
+                                <p:cTn id="10" presetID="10" presetClass="entr" presetSubtype="0" fill="hold" nodeType="clickEffect">
+                                  <p:stCondLst>
+                                    <p:cond delay="0"/>
+                                  </p:stCondLst>
+                                  <p:childTnLst>
+                                    <p:set>
+                                      <p:cBhvr>
+                                        <p:cTn id="11" dur="1" fill="hold">
+                                          <p:stCondLst>
+                                            <p:cond delay="0"/>
+                                          </p:stCondLst>
+                                        </p:cTn>
+                                        <p:tgtEl>
+                                          <p:spTgt spid="8">
+                                            <p:txEl>
+                                              <p:pRg st="1" end="1"/>
+                                            </p:txEl>
+                                          </p:spTgt>
+                                        </p:tgtEl>
+                                        <p:attrNameLst>
+                                          <p:attrName>style.visibility</p:attrName>
+                                        </p:attrNameLst>
+                                      </p:cBhvr>
+                                      <p:to>
+                                        <p:strVal val="visible"/>
+                                      </p:to>
+                                    </p:set>
+                                    <p:animEffect transition="in" filter="fade">
+                                      <p:cBhvr>
+                                        <p:cTn id="12" dur="500"/>
+                                        <p:tgtEl>
+                                          <p:spTgt spid="8">
+                                            <p:txEl>
+                                              <p:pRg st="1" end="1"/>
+                                            </p:txEl>
+                                          </p:spTgt>
+                                        </p:tgtEl>
+                                      </p:cBhvr>
+                                    </p:animEffect>
+                                  </p:childTnLst>
+                                </p:cTn>
+                              </p:par>
+                            </p:childTnLst>
+                          </p:cTn>
+                        </p:par>
+                      </p:childTnLst>
+                    </p:cTn>
+                  </p:par>
+                  <p:par>
+                    <p:cTn id="13" fill="hold">
+                      <p:stCondLst>
+                        <p:cond delay="indefinite"/>
+                      </p:stCondLst>
+                      <p:childTnLst>
+                        <p:par>
+                          <p:cTn id="14" fill="hold">
+                            <p:stCondLst>
+                              <p:cond delay="0"/>
+                            </p:stCondLst>
+                            <p:childTnLst>
+                              <p:par>
+                                <p:cTn id="15" presetID="10" presetClass="entr" presetSubtype="0" fill="hold" nodeType="clickEffect">
+                                  <p:stCondLst>
+                                    <p:cond delay="0"/>
+                                  </p:stCondLst>
+                                  <p:childTnLst>
+                                    <p:set>
+                                      <p:cBhvr>
+                                        <p:cTn id="16" dur="1" fill="hold">
+                                          <p:stCondLst>
+                                            <p:cond delay="0"/>
+                                          </p:stCondLst>
+                                        </p:cTn>
+                                        <p:tgtEl>
+                                          <p:spTgt spid="8">
+                                            <p:txEl>
+                                              <p:pRg st="2" end="2"/>
+                                            </p:txEl>
+                                          </p:spTgt>
+                                        </p:tgtEl>
+                                        <p:attrNameLst>
+                                          <p:attrName>style.visibility</p:attrName>
+                                        </p:attrNameLst>
+                                      </p:cBhvr>
+                                      <p:to>
+                                        <p:strVal val="visible"/>
+                                      </p:to>
+                                    </p:set>
+                                    <p:animEffect transition="in" filter="fade">
+                                      <p:cBhvr>
+                                        <p:cTn id="17" dur="500"/>
+                                        <p:tgtEl>
+                                          <p:spTgt spid="8">
+                                            <p:txEl>
+                                              <p:pRg st="2" end="2"/>
+                                            </p:txEl>
+                                          </p:spTgt>
+                                        </p:tgtEl>
+                                      </p:cBhvr>
+                                    </p:animEffect>
+                                  </p:childTnLst>
+                                </p:cTn>
+                              </p:par>
+                            </p:childTnLst>
+                          </p:cTn>
+                        </p:par>
+                      </p:childTnLst>
+                    </p:cTn>
+                  </p:par>
+                  <p:par>
+                    <p:cTn id="18" fill="hold">
+                      <p:stCondLst>
+                        <p:cond delay="indefinite"/>
+                      </p:stCondLst>
+                      <p:childTnLst>
+                        <p:par>
+                          <p:cTn id="19" fill="hold">
+                            <p:stCondLst>
+                              <p:cond delay="0"/>
+                            </p:stCondLst>
+                            <p:childTnLst>
+                              <p:par>
+                                <p:cTn id="20" presetID="10" presetClass="entr" presetSubtype="0" fill="hold" nodeType="clickEffect">
+                                  <p:stCondLst>
+                                    <p:cond delay="0"/>
+                                  </p:stCondLst>
+                                  <p:childTnLst>
+                                    <p:set>
+                                      <p:cBhvr>
+                                        <p:cTn id="21" dur="1" fill="hold">
+                                          <p:stCondLst>
+                                            <p:cond delay="0"/>
+                                          </p:stCondLst>
+                                        </p:cTn>
+                                        <p:tgtEl>
+                                          <p:spTgt spid="8">
+                                            <p:txEl>
+                                              <p:pRg st="3" end="3"/>
+                                            </p:txEl>
+                                          </p:spTgt>
+                                        </p:tgtEl>
+                                        <p:attrNameLst>
+                                          <p:attrName>style.visibility</p:attrName>
+                                        </p:attrNameLst>
+                                      </p:cBhvr>
+                                      <p:to>
+                                        <p:strVal val="visible"/>
+                                      </p:to>
+                                    </p:set>
+                                    <p:animEffect transition="in" filter="fade">
+                                      <p:cBhvr>
+                                        <p:cTn id="22" dur="500"/>
+                                        <p:tgtEl>
+                                          <p:spTgt spid="8">
+                                            <p:txEl>
+                                              <p:pRg st="3" end="3"/>
+                                            </p:txEl>
+                                          </p:spTgt>
+                                        </p:tgtEl>
+                                      </p:cBhvr>
+                                    </p:animEffect>
+                                  </p:childTnLst>
+                                </p:cTn>
+                              </p:par>
+                            </p:childTnLst>
+                          </p:cTn>
+                        </p:par>
+                      </p:childTnLst>
+                    </p:cTn>
+                  </p:par>
+                </p:childTnLst>
+              </p:cTn>
+              <p:prevCondLst>
+                <p:cond evt="onPrev" delay="0">
+                  <p:tgtEl>
+                    <p:sldTgt/>
+                  </p:tgtEl>
+                </p:cond>
+              </p:prevCondLst>
+              <p:nextCondLst>
+                <p:cond evt="onNext" delay="0">
+                  <p:tgtEl>
+                    <p:sldTgt/>
+                  </p:tgtEl>
+                </p:cond>
+              </p:nextCondLst>
+            </p:seq>
+          </p:childTnLst>
+        </p:cTn>
       </p:par>
     </p:tnLst>
   </p:timing>
@@ -8077,7 +11818,15 @@
                   <a:srgbClr val="002060"/>
                 </a:solidFill>
               </a:rPr>
-              <a:t>VR -- react-</a:t>
+              <a:t>VR -- </a:t>
+            </a:r>
+            <a:r>
+              <a:rPr lang="en-US" altLang="zh-CN" sz="2400" dirty="0" smtClean="0">
+                <a:solidFill>
+                  <a:srgbClr val="002060"/>
+                </a:solidFill>
+              </a:rPr>
+              <a:t>react-</a:t>
             </a:r>
             <a:r>
               <a:rPr lang="en-US" altLang="zh-CN" sz="2400" dirty="0" err="1" smtClean="0">
@@ -8087,26 +11836,20 @@
               </a:rPr>
               <a:t>vr</a:t>
             </a:r>
-            <a:endParaRPr lang="en-US" altLang="zh-CN" sz="2400" dirty="0" smtClean="0">
+            <a:endParaRPr lang="en-US" altLang="zh-CN" sz="2400" dirty="0">
               <a:solidFill>
                 <a:srgbClr val="002060"/>
               </a:solidFill>
             </a:endParaRPr>
           </a:p>
           <a:p>
-            <a:pPr>
+            <a:pPr marL="342900" indent="-342900">
               <a:spcAft>
                 <a:spcPts val="3000"/>
               </a:spcAft>
+              <a:buFontTx/>
+              <a:buAutoNum type="arabicPeriod"/>
             </a:pPr>
-            <a:r>
-              <a:rPr lang="en-US" altLang="zh-CN" sz="2400" dirty="0" smtClean="0">
-                <a:solidFill>
-                  <a:srgbClr val="002060"/>
-                </a:solidFill>
-              </a:rPr>
-              <a:t>5. </a:t>
-            </a:r>
             <a:r>
               <a:rPr lang="en-US" altLang="zh-CN" sz="2400" dirty="0" err="1" smtClean="0">
                 <a:solidFill>
@@ -8203,7 +11946,335 @@
   <p:timing>
     <p:tnLst>
       <p:par>
-        <p:cTn id="1" dur="indefinite" restart="never" nodeType="tmRoot"/>
+        <p:cTn id="1" dur="indefinite" restart="never" nodeType="tmRoot">
+          <p:childTnLst>
+            <p:seq concurrent="1" nextAc="seek">
+              <p:cTn id="2" dur="indefinite" nodeType="mainSeq">
+                <p:childTnLst>
+                  <p:par>
+                    <p:cTn id="3" fill="hold">
+                      <p:stCondLst>
+                        <p:cond delay="indefinite"/>
+                      </p:stCondLst>
+                      <p:childTnLst>
+                        <p:par>
+                          <p:cTn id="4" fill="hold">
+                            <p:stCondLst>
+                              <p:cond delay="0"/>
+                            </p:stCondLst>
+                            <p:childTnLst>
+                              <p:par>
+                                <p:cTn id="5" presetID="10" presetClass="entr" presetSubtype="0" fill="hold" nodeType="clickEffect">
+                                  <p:stCondLst>
+                                    <p:cond delay="0"/>
+                                  </p:stCondLst>
+                                  <p:childTnLst>
+                                    <p:set>
+                                      <p:cBhvr>
+                                        <p:cTn id="6" dur="1" fill="hold">
+                                          <p:stCondLst>
+                                            <p:cond delay="0"/>
+                                          </p:stCondLst>
+                                        </p:cTn>
+                                        <p:tgtEl>
+                                          <p:spTgt spid="8">
+                                            <p:txEl>
+                                              <p:pRg st="0" end="0"/>
+                                            </p:txEl>
+                                          </p:spTgt>
+                                        </p:tgtEl>
+                                        <p:attrNameLst>
+                                          <p:attrName>style.visibility</p:attrName>
+                                        </p:attrNameLst>
+                                      </p:cBhvr>
+                                      <p:to>
+                                        <p:strVal val="visible"/>
+                                      </p:to>
+                                    </p:set>
+                                    <p:animEffect transition="in" filter="fade">
+                                      <p:cBhvr>
+                                        <p:cTn id="7" dur="500"/>
+                                        <p:tgtEl>
+                                          <p:spTgt spid="8">
+                                            <p:txEl>
+                                              <p:pRg st="0" end="0"/>
+                                            </p:txEl>
+                                          </p:spTgt>
+                                        </p:tgtEl>
+                                      </p:cBhvr>
+                                    </p:animEffect>
+                                  </p:childTnLst>
+                                </p:cTn>
+                              </p:par>
+                            </p:childTnLst>
+                          </p:cTn>
+                        </p:par>
+                      </p:childTnLst>
+                    </p:cTn>
+                  </p:par>
+                  <p:par>
+                    <p:cTn id="8" fill="hold">
+                      <p:stCondLst>
+                        <p:cond delay="indefinite"/>
+                      </p:stCondLst>
+                      <p:childTnLst>
+                        <p:par>
+                          <p:cTn id="9" fill="hold">
+                            <p:stCondLst>
+                              <p:cond delay="0"/>
+                            </p:stCondLst>
+                            <p:childTnLst>
+                              <p:par>
+                                <p:cTn id="10" presetID="10" presetClass="entr" presetSubtype="0" fill="hold" nodeType="clickEffect">
+                                  <p:stCondLst>
+                                    <p:cond delay="0"/>
+                                  </p:stCondLst>
+                                  <p:childTnLst>
+                                    <p:set>
+                                      <p:cBhvr>
+                                        <p:cTn id="11" dur="1" fill="hold">
+                                          <p:stCondLst>
+                                            <p:cond delay="0"/>
+                                          </p:stCondLst>
+                                        </p:cTn>
+                                        <p:tgtEl>
+                                          <p:spTgt spid="8">
+                                            <p:txEl>
+                                              <p:pRg st="1" end="1"/>
+                                            </p:txEl>
+                                          </p:spTgt>
+                                        </p:tgtEl>
+                                        <p:attrNameLst>
+                                          <p:attrName>style.visibility</p:attrName>
+                                        </p:attrNameLst>
+                                      </p:cBhvr>
+                                      <p:to>
+                                        <p:strVal val="visible"/>
+                                      </p:to>
+                                    </p:set>
+                                    <p:animEffect transition="in" filter="fade">
+                                      <p:cBhvr>
+                                        <p:cTn id="12" dur="500"/>
+                                        <p:tgtEl>
+                                          <p:spTgt spid="8">
+                                            <p:txEl>
+                                              <p:pRg st="1" end="1"/>
+                                            </p:txEl>
+                                          </p:spTgt>
+                                        </p:tgtEl>
+                                      </p:cBhvr>
+                                    </p:animEffect>
+                                  </p:childTnLst>
+                                </p:cTn>
+                              </p:par>
+                            </p:childTnLst>
+                          </p:cTn>
+                        </p:par>
+                      </p:childTnLst>
+                    </p:cTn>
+                  </p:par>
+                  <p:par>
+                    <p:cTn id="13" fill="hold">
+                      <p:stCondLst>
+                        <p:cond delay="indefinite"/>
+                      </p:stCondLst>
+                      <p:childTnLst>
+                        <p:par>
+                          <p:cTn id="14" fill="hold">
+                            <p:stCondLst>
+                              <p:cond delay="0"/>
+                            </p:stCondLst>
+                            <p:childTnLst>
+                              <p:par>
+                                <p:cTn id="15" presetID="10" presetClass="entr" presetSubtype="0" fill="hold" nodeType="clickEffect">
+                                  <p:stCondLst>
+                                    <p:cond delay="0"/>
+                                  </p:stCondLst>
+                                  <p:childTnLst>
+                                    <p:set>
+                                      <p:cBhvr>
+                                        <p:cTn id="16" dur="1" fill="hold">
+                                          <p:stCondLst>
+                                            <p:cond delay="0"/>
+                                          </p:stCondLst>
+                                        </p:cTn>
+                                        <p:tgtEl>
+                                          <p:spTgt spid="8">
+                                            <p:txEl>
+                                              <p:pRg st="2" end="2"/>
+                                            </p:txEl>
+                                          </p:spTgt>
+                                        </p:tgtEl>
+                                        <p:attrNameLst>
+                                          <p:attrName>style.visibility</p:attrName>
+                                        </p:attrNameLst>
+                                      </p:cBhvr>
+                                      <p:to>
+                                        <p:strVal val="visible"/>
+                                      </p:to>
+                                    </p:set>
+                                    <p:animEffect transition="in" filter="fade">
+                                      <p:cBhvr>
+                                        <p:cTn id="17" dur="500"/>
+                                        <p:tgtEl>
+                                          <p:spTgt spid="8">
+                                            <p:txEl>
+                                              <p:pRg st="2" end="2"/>
+                                            </p:txEl>
+                                          </p:spTgt>
+                                        </p:tgtEl>
+                                      </p:cBhvr>
+                                    </p:animEffect>
+                                  </p:childTnLst>
+                                </p:cTn>
+                              </p:par>
+                            </p:childTnLst>
+                          </p:cTn>
+                        </p:par>
+                      </p:childTnLst>
+                    </p:cTn>
+                  </p:par>
+                  <p:par>
+                    <p:cTn id="18" fill="hold">
+                      <p:stCondLst>
+                        <p:cond delay="indefinite"/>
+                      </p:stCondLst>
+                      <p:childTnLst>
+                        <p:par>
+                          <p:cTn id="19" fill="hold">
+                            <p:stCondLst>
+                              <p:cond delay="0"/>
+                            </p:stCondLst>
+                            <p:childTnLst>
+                              <p:par>
+                                <p:cTn id="20" presetID="10" presetClass="entr" presetSubtype="0" fill="hold" nodeType="clickEffect">
+                                  <p:stCondLst>
+                                    <p:cond delay="0"/>
+                                  </p:stCondLst>
+                                  <p:childTnLst>
+                                    <p:set>
+                                      <p:cBhvr>
+                                        <p:cTn id="21" dur="1" fill="hold">
+                                          <p:stCondLst>
+                                            <p:cond delay="0"/>
+                                          </p:stCondLst>
+                                        </p:cTn>
+                                        <p:tgtEl>
+                                          <p:spTgt spid="8">
+                                            <p:txEl>
+                                              <p:pRg st="3" end="3"/>
+                                            </p:txEl>
+                                          </p:spTgt>
+                                        </p:tgtEl>
+                                        <p:attrNameLst>
+                                          <p:attrName>style.visibility</p:attrName>
+                                        </p:attrNameLst>
+                                      </p:cBhvr>
+                                      <p:to>
+                                        <p:strVal val="visible"/>
+                                      </p:to>
+                                    </p:set>
+                                    <p:animEffect transition="in" filter="fade">
+                                      <p:cBhvr>
+                                        <p:cTn id="22" dur="500"/>
+                                        <p:tgtEl>
+                                          <p:spTgt spid="8">
+                                            <p:txEl>
+                                              <p:pRg st="3" end="3"/>
+                                            </p:txEl>
+                                          </p:spTgt>
+                                        </p:tgtEl>
+                                      </p:cBhvr>
+                                    </p:animEffect>
+                                  </p:childTnLst>
+                                </p:cTn>
+                              </p:par>
+                            </p:childTnLst>
+                          </p:cTn>
+                        </p:par>
+                      </p:childTnLst>
+                    </p:cTn>
+                  </p:par>
+                  <p:par>
+                    <p:cTn id="23" fill="hold">
+                      <p:stCondLst>
+                        <p:cond delay="indefinite"/>
+                      </p:stCondLst>
+                      <p:childTnLst>
+                        <p:par>
+                          <p:cTn id="24" fill="hold">
+                            <p:stCondLst>
+                              <p:cond delay="0"/>
+                            </p:stCondLst>
+                            <p:childTnLst>
+                              <p:par>
+                                <p:cTn id="25" presetID="10" presetClass="entr" presetSubtype="0" fill="hold" nodeType="clickEffect">
+                                  <p:stCondLst>
+                                    <p:cond delay="0"/>
+                                  </p:stCondLst>
+                                  <p:childTnLst>
+                                    <p:set>
+                                      <p:cBhvr>
+                                        <p:cTn id="26" dur="1" fill="hold">
+                                          <p:stCondLst>
+                                            <p:cond delay="0"/>
+                                          </p:stCondLst>
+                                        </p:cTn>
+                                        <p:tgtEl>
+                                          <p:spTgt spid="8">
+                                            <p:txEl>
+                                              <p:pRg st="4" end="4"/>
+                                            </p:txEl>
+                                          </p:spTgt>
+                                        </p:tgtEl>
+                                        <p:attrNameLst>
+                                          <p:attrName>style.visibility</p:attrName>
+                                        </p:attrNameLst>
+                                      </p:cBhvr>
+                                      <p:to>
+                                        <p:strVal val="visible"/>
+                                      </p:to>
+                                    </p:set>
+                                    <p:animEffect transition="in" filter="fade">
+                                      <p:cBhvr>
+                                        <p:cTn id="27" dur="500"/>
+                                        <p:tgtEl>
+                                          <p:spTgt spid="8">
+                                            <p:txEl>
+                                              <p:pRg st="4" end="4"/>
+                                            </p:txEl>
+                                          </p:spTgt>
+                                        </p:tgtEl>
+                                      </p:cBhvr>
+                                    </p:animEffect>
+                                  </p:childTnLst>
+                                </p:cTn>
+                              </p:par>
+                            </p:childTnLst>
+                          </p:cTn>
+                        </p:par>
+                      </p:childTnLst>
+                    </p:cTn>
+                  </p:par>
+                </p:childTnLst>
+              </p:cTn>
+              <p:prevCondLst>
+                <p:cond evt="onPrev" delay="0">
+                  <p:tgtEl>
+                    <p:sldTgt/>
+                  </p:tgtEl>
+                </p:cond>
+              </p:prevCondLst>
+              <p:nextCondLst>
+                <p:cond evt="onNext" delay="0">
+                  <p:tgtEl>
+                    <p:sldTgt/>
+                  </p:tgtEl>
+                </p:cond>
+              </p:nextCondLst>
+            </p:seq>
+          </p:childTnLst>
+        </p:cTn>
       </p:par>
     </p:tnLst>
   </p:timing>
@@ -8607,6 +12678,110 @@
                   <a:ea typeface="-윤고딕330" pitchFamily="18" charset="-127"/>
                 </a:rPr>
                 <a:t>组件化开发</a:t>
+              </a:r>
+              <a:endParaRPr lang="ko-KR" altLang="en-US" sz="3200" dirty="0">
+                <a:solidFill>
+                  <a:srgbClr val="7CA7C5"/>
+                </a:solidFill>
+                <a:latin typeface="-윤고딕330" pitchFamily="18" charset="-127"/>
+                <a:ea typeface="-윤고딕330" pitchFamily="18" charset="-127"/>
+              </a:endParaRPr>
+            </a:p>
+          </p:txBody>
+        </p:sp>
+      </p:grpSp>
+      <p:grpSp>
+        <p:nvGrpSpPr>
+          <p:cNvPr id="13" name="그룹 5"/>
+          <p:cNvGrpSpPr/>
+          <p:nvPr/>
+        </p:nvGrpSpPr>
+        <p:grpSpPr>
+          <a:xfrm>
+            <a:off x="779308" y="3983109"/>
+            <a:ext cx="5228442" cy="836712"/>
+            <a:chOff x="206896" y="216024"/>
+            <a:chExt cx="5228442" cy="836712"/>
+          </a:xfrm>
+        </p:grpSpPr>
+        <p:pic>
+          <p:nvPicPr>
+            <p:cNvPr id="14" name="그림 6"/>
+            <p:cNvPicPr>
+              <a:picLocks noChangeAspect="1"/>
+            </p:cNvPicPr>
+            <p:nvPr/>
+          </p:nvPicPr>
+          <p:blipFill>
+            <a:blip r:embed="rId3" cstate="print">
+              <a:extLst>
+                <a:ext uri="{28A0092B-C50C-407E-A947-70E740481C1C}">
+                  <a14:useLocalDpi xmlns:a14="http://schemas.microsoft.com/office/drawing/2010/main" val="0"/>
+                </a:ext>
+              </a:extLst>
+            </a:blip>
+            <a:stretch>
+              <a:fillRect/>
+            </a:stretch>
+          </p:blipFill>
+          <p:spPr>
+            <a:xfrm>
+              <a:off x="206896" y="216024"/>
+              <a:ext cx="836712" cy="836712"/>
+            </a:xfrm>
+            <a:prstGeom prst="rect">
+              <a:avLst/>
+            </a:prstGeom>
+          </p:spPr>
+        </p:pic>
+        <p:sp>
+          <p:nvSpPr>
+            <p:cNvPr id="15" name="TextBox 7"/>
+            <p:cNvSpPr txBox="1"/>
+            <p:nvPr/>
+          </p:nvSpPr>
+          <p:spPr>
+            <a:xfrm>
+              <a:off x="970842" y="370022"/>
+              <a:ext cx="4464496" cy="584775"/>
+            </a:xfrm>
+            <a:prstGeom prst="rect">
+              <a:avLst/>
+            </a:prstGeom>
+            <a:noFill/>
+            <a:ln>
+              <a:solidFill>
+                <a:schemeClr val="accent1">
+                  <a:alpha val="0"/>
+                </a:schemeClr>
+              </a:solidFill>
+            </a:ln>
+          </p:spPr>
+          <p:txBody>
+            <a:bodyPr wrap="square" rtlCol="0">
+              <a:spAutoFit/>
+            </a:bodyPr>
+            <a:lstStyle/>
+            <a:p>
+              <a:r>
+                <a:rPr lang="en-US" altLang="zh-CN" sz="3200" dirty="0" smtClean="0">
+                  <a:solidFill>
+                    <a:srgbClr val="002060"/>
+                  </a:solidFill>
+                  <a:latin typeface="-윤고딕330" pitchFamily="18" charset="-127"/>
+                  <a:ea typeface="-윤고딕330" pitchFamily="18" charset="-127"/>
+                </a:rPr>
+                <a:t>2.3 </a:t>
+              </a:r>
+              <a:r>
+                <a:rPr lang="zh-CN" altLang="en-US" sz="3200" dirty="0">
+                  <a:solidFill>
+                    <a:srgbClr val="7CA7C5"/>
+                  </a:solidFill>
+                  <a:latin typeface="-윤고딕330" pitchFamily="18" charset="-127"/>
+                  <a:ea typeface="-윤고딕330" pitchFamily="18" charset="-127"/>
+                </a:rPr>
+                <a:t>视图层单元测试</a:t>
               </a:r>
               <a:endParaRPr lang="ko-KR" altLang="en-US" sz="3200" dirty="0">
                 <a:solidFill>
@@ -8879,7 +13054,7 @@
         <p:spPr>
           <a:xfrm>
             <a:off x="532886" y="5187860"/>
-            <a:ext cx="9035550" cy="369332"/>
+            <a:ext cx="7205562" cy="646331"/>
           </a:xfrm>
           <a:prstGeom prst="rect">
             <a:avLst/>
@@ -8922,7 +13097,38 @@
                   <a:srgbClr val="002060"/>
                 </a:solidFill>
               </a:rPr>
-              <a:t>节点和状态的关联，由框架进行更新。</a:t>
+              <a:t>节点和状态的关联</a:t>
+            </a:r>
+            <a:r>
+              <a:rPr lang="zh-CN" altLang="en-US" dirty="0" smtClean="0">
+                <a:solidFill>
+                  <a:srgbClr val="002060"/>
+                </a:solidFill>
+              </a:rPr>
+              <a:t>，</a:t>
+            </a:r>
+            <a:endParaRPr lang="en-US" altLang="zh-CN" dirty="0" smtClean="0">
+              <a:solidFill>
+                <a:srgbClr val="002060"/>
+              </a:solidFill>
+            </a:endParaRPr>
+          </a:p>
+          <a:p>
+            <a:r>
+              <a:rPr lang="zh-CN" altLang="en-US" dirty="0" smtClean="0">
+                <a:solidFill>
+                  <a:srgbClr val="002060"/>
+                </a:solidFill>
+              </a:rPr>
+              <a:t>由</a:t>
+            </a:r>
+            <a:r>
+              <a:rPr lang="zh-CN" altLang="en-US" dirty="0" smtClean="0">
+                <a:solidFill>
+                  <a:srgbClr val="002060"/>
+                </a:solidFill>
+              </a:rPr>
+              <a:t>框架进行更新。</a:t>
             </a:r>
             <a:endParaRPr lang="zh-CN" altLang="en-US" dirty="0">
               <a:solidFill>
@@ -8940,7 +13146,7 @@
         </p:nvSpPr>
         <p:spPr>
           <a:xfrm>
-            <a:off x="532886" y="5650576"/>
+            <a:off x="532886" y="5927575"/>
             <a:ext cx="5014706" cy="369332"/>
           </a:xfrm>
           <a:prstGeom prst="rect">
@@ -9671,6 +13877,41 @@
                                         <p:cTn id="12" dur="500"/>
                                         <p:tgtEl>
                                           <p:spTgt spid="13"/>
+                                        </p:tgtEl>
+                                      </p:cBhvr>
+                                    </p:animEffect>
+                                  </p:childTnLst>
+                                </p:cTn>
+                              </p:par>
+                              <p:par>
+                                <p:cTn id="13" presetID="10" presetClass="entr" presetSubtype="0" fill="hold" nodeType="withEffect">
+                                  <p:stCondLst>
+                                    <p:cond delay="0"/>
+                                  </p:stCondLst>
+                                  <p:childTnLst>
+                                    <p:set>
+                                      <p:cBhvr>
+                                        <p:cTn id="14" dur="1" fill="hold">
+                                          <p:stCondLst>
+                                            <p:cond delay="0"/>
+                                          </p:stCondLst>
+                                        </p:cTn>
+                                        <p:tgtEl>
+                                          <p:spTgt spid="11"/>
+                                        </p:tgtEl>
+                                        <p:attrNameLst>
+                                          <p:attrName>style.visibility</p:attrName>
+                                        </p:attrNameLst>
+                                      </p:cBhvr>
+                                      <p:to>
+                                        <p:strVal val="visible"/>
+                                      </p:to>
+                                    </p:set>
+                                    <p:animEffect transition="in" filter="fade">
+                                      <p:cBhvr>
+                                        <p:cTn id="15" dur="500"/>
+                                        <p:tgtEl>
+                                          <p:spTgt spid="11"/>
                                         </p:tgtEl>
                                       </p:cBhvr>
                                     </p:animEffect>

--- a/new_doc/react share.pptx
+++ b/new_doc/react share.pptx
@@ -23,8 +23,8 @@
     <p:sldId id="271" r:id="rId14"/>
     <p:sldId id="279" r:id="rId15"/>
     <p:sldId id="280" r:id="rId16"/>
-    <p:sldId id="281" r:id="rId17"/>
-    <p:sldId id="282" r:id="rId18"/>
+    <p:sldId id="282" r:id="rId17"/>
+    <p:sldId id="281" r:id="rId18"/>
     <p:sldId id="283" r:id="rId19"/>
     <p:sldId id="284" r:id="rId20"/>
     <p:sldId id="285" r:id="rId21"/>
@@ -243,7 +243,7 @@
           <a:p>
             <a:fld id="{C58C5117-CE6E-4671-B14E-C9D5B5857C24}" type="datetimeFigureOut">
               <a:rPr lang="zh-CN" altLang="en-US" smtClean="0"/>
-              <a:t>2017-04-25</a:t>
+              <a:t>2017-04-26</a:t>
             </a:fld>
             <a:endParaRPr lang="zh-CN" altLang="en-US"/>
           </a:p>
@@ -642,7 +642,7 @@
           <a:p>
             <a:fld id="{962D594F-007C-4B14-9EDA-6CA324581E67}" type="datetimeFigureOut">
               <a:rPr lang="ko-KR" altLang="en-US" smtClean="0"/>
-              <a:t>2017-04-25</a:t>
+              <a:t>2017-04-26</a:t>
             </a:fld>
             <a:endParaRPr lang="ko-KR" altLang="en-US"/>
           </a:p>
@@ -812,7 +812,7 @@
           <a:p>
             <a:fld id="{962D594F-007C-4B14-9EDA-6CA324581E67}" type="datetimeFigureOut">
               <a:rPr lang="ko-KR" altLang="en-US" smtClean="0"/>
-              <a:t>2017-04-25</a:t>
+              <a:t>2017-04-26</a:t>
             </a:fld>
             <a:endParaRPr lang="ko-KR" altLang="en-US"/>
           </a:p>
@@ -992,7 +992,7 @@
           <a:p>
             <a:fld id="{962D594F-007C-4B14-9EDA-6CA324581E67}" type="datetimeFigureOut">
               <a:rPr lang="ko-KR" altLang="en-US" smtClean="0"/>
-              <a:t>2017-04-25</a:t>
+              <a:t>2017-04-26</a:t>
             </a:fld>
             <a:endParaRPr lang="ko-KR" altLang="en-US"/>
           </a:p>
@@ -1162,7 +1162,7 @@
           <a:p>
             <a:fld id="{962D594F-007C-4B14-9EDA-6CA324581E67}" type="datetimeFigureOut">
               <a:rPr lang="ko-KR" altLang="en-US" smtClean="0"/>
-              <a:t>2017-04-25</a:t>
+              <a:t>2017-04-26</a:t>
             </a:fld>
             <a:endParaRPr lang="ko-KR" altLang="en-US"/>
           </a:p>
@@ -1406,7 +1406,7 @@
           <a:p>
             <a:fld id="{962D594F-007C-4B14-9EDA-6CA324581E67}" type="datetimeFigureOut">
               <a:rPr lang="ko-KR" altLang="en-US" smtClean="0"/>
-              <a:t>2017-04-25</a:t>
+              <a:t>2017-04-26</a:t>
             </a:fld>
             <a:endParaRPr lang="ko-KR" altLang="en-US"/>
           </a:p>
@@ -1638,7 +1638,7 @@
           <a:p>
             <a:fld id="{962D594F-007C-4B14-9EDA-6CA324581E67}" type="datetimeFigureOut">
               <a:rPr lang="ko-KR" altLang="en-US" smtClean="0"/>
-              <a:t>2017-04-25</a:t>
+              <a:t>2017-04-26</a:t>
             </a:fld>
             <a:endParaRPr lang="ko-KR" altLang="en-US"/>
           </a:p>
@@ -2005,7 +2005,7 @@
           <a:p>
             <a:fld id="{962D594F-007C-4B14-9EDA-6CA324581E67}" type="datetimeFigureOut">
               <a:rPr lang="ko-KR" altLang="en-US" smtClean="0"/>
-              <a:t>2017-04-25</a:t>
+              <a:t>2017-04-26</a:t>
             </a:fld>
             <a:endParaRPr lang="ko-KR" altLang="en-US"/>
           </a:p>
@@ -2123,7 +2123,7 @@
           <a:p>
             <a:fld id="{962D594F-007C-4B14-9EDA-6CA324581E67}" type="datetimeFigureOut">
               <a:rPr lang="ko-KR" altLang="en-US" smtClean="0"/>
-              <a:t>2017-04-25</a:t>
+              <a:t>2017-04-26</a:t>
             </a:fld>
             <a:endParaRPr lang="ko-KR" altLang="en-US"/>
           </a:p>
@@ -2218,7 +2218,7 @@
           <a:p>
             <a:fld id="{962D594F-007C-4B14-9EDA-6CA324581E67}" type="datetimeFigureOut">
               <a:rPr lang="ko-KR" altLang="en-US" smtClean="0"/>
-              <a:t>2017-04-25</a:t>
+              <a:t>2017-04-26</a:t>
             </a:fld>
             <a:endParaRPr lang="ko-KR" altLang="en-US"/>
           </a:p>
@@ -2495,7 +2495,7 @@
           <a:p>
             <a:fld id="{962D594F-007C-4B14-9EDA-6CA324581E67}" type="datetimeFigureOut">
               <a:rPr lang="ko-KR" altLang="en-US" smtClean="0"/>
-              <a:t>2017-04-25</a:t>
+              <a:t>2017-04-26</a:t>
             </a:fld>
             <a:endParaRPr lang="ko-KR" altLang="en-US"/>
           </a:p>
@@ -2752,7 +2752,7 @@
           <a:p>
             <a:fld id="{962D594F-007C-4B14-9EDA-6CA324581E67}" type="datetimeFigureOut">
               <a:rPr lang="ko-KR" altLang="en-US" smtClean="0"/>
-              <a:t>2017-04-25</a:t>
+              <a:t>2017-04-26</a:t>
             </a:fld>
             <a:endParaRPr lang="ko-KR" altLang="en-US"/>
           </a:p>
@@ -2965,7 +2965,7 @@
           <a:p>
             <a:fld id="{962D594F-007C-4B14-9EDA-6CA324581E67}" type="datetimeFigureOut">
               <a:rPr lang="ko-KR" altLang="en-US" smtClean="0"/>
-              <a:t>2017-04-25</a:t>
+              <a:t>2017-04-26</a:t>
             </a:fld>
             <a:endParaRPr lang="ko-KR" altLang="en-US"/>
           </a:p>
@@ -3768,15 +3768,7 @@
                   <a:srgbClr val="002060"/>
                 </a:solidFill>
               </a:rPr>
-              <a:t>跨</a:t>
-            </a:r>
-            <a:r>
-              <a:rPr lang="zh-CN" altLang="en-US" sz="2400" dirty="0" smtClean="0">
-                <a:solidFill>
-                  <a:srgbClr val="002060"/>
-                </a:solidFill>
-              </a:rPr>
-              <a:t>平台</a:t>
+              <a:t>跨平台</a:t>
             </a:r>
             <a:endParaRPr lang="en-US" altLang="zh-CN" sz="2400" dirty="0" smtClean="0">
               <a:solidFill>
@@ -6398,7 +6390,7 @@
                   <a:latin typeface="-윤고딕330" pitchFamily="18" charset="-127"/>
                   <a:ea typeface="-윤고딕330" pitchFamily="18" charset="-127"/>
                 </a:rPr>
-                <a:t>组件问题</a:t>
+                <a:t>组件和其他组件化思想的区别</a:t>
               </a:r>
               <a:endParaRPr lang="ko-KR" altLang="en-US" dirty="0">
                 <a:solidFill>
@@ -6420,7 +6412,7 @@
         <p:spPr>
           <a:xfrm>
             <a:off x="1043608" y="1772816"/>
-            <a:ext cx="7776864" cy="1215717"/>
+            <a:ext cx="7776864" cy="1969770"/>
           </a:xfrm>
           <a:prstGeom prst="rect">
             <a:avLst/>
@@ -6446,31 +6438,7 @@
                   <a:srgbClr val="002060"/>
                 </a:solidFill>
               </a:rPr>
-              <a:t>过度更新</a:t>
-            </a:r>
-            <a:r>
-              <a:rPr lang="en-US" altLang="zh-CN" sz="2400" dirty="0" smtClean="0">
-                <a:solidFill>
-                  <a:srgbClr val="002060"/>
-                </a:solidFill>
-              </a:rPr>
-              <a:t>----</a:t>
-            </a:r>
-            <a:r>
-              <a:rPr lang="en-US" altLang="zh-CN" sz="2400" dirty="0" err="1" smtClean="0">
-                <a:solidFill>
-                  <a:srgbClr val="002060"/>
-                </a:solidFill>
-              </a:rPr>
-              <a:t>shouldComponentUpdate</a:t>
-            </a:r>
-            <a:r>
-              <a:rPr lang="zh-CN" altLang="en-US" sz="2400" dirty="0" smtClean="0">
-                <a:solidFill>
-                  <a:srgbClr val="002060"/>
-                </a:solidFill>
-              </a:rPr>
-              <a:t>和不可变数据</a:t>
+              <a:t>利用组合来代替继承</a:t>
             </a:r>
             <a:endParaRPr lang="en-US" altLang="zh-CN" sz="2400" dirty="0" smtClean="0">
               <a:solidFill>
@@ -6492,24 +6460,22 @@
                   <a:srgbClr val="002060"/>
                 </a:solidFill>
               </a:rPr>
-              <a:t>传值麻烦</a:t>
-            </a:r>
-            <a:r>
-              <a:rPr lang="en-US" altLang="zh-CN" sz="2400" dirty="0" smtClean="0">
-                <a:solidFill>
-                  <a:srgbClr val="002060"/>
-                </a:solidFill>
-              </a:rPr>
-              <a:t>----</a:t>
-            </a:r>
-            <a:r>
-              <a:rPr lang="zh-CN" altLang="en-US" sz="2400" dirty="0" smtClean="0">
-                <a:solidFill>
-                  <a:srgbClr val="002060"/>
-                </a:solidFill>
-              </a:rPr>
-              <a:t>高阶函数</a:t>
-            </a:r>
+              <a:t>不对外提供接口</a:t>
+            </a:r>
+            <a:endParaRPr lang="en-US" altLang="zh-CN" sz="2400" dirty="0" smtClean="0">
+              <a:solidFill>
+                <a:srgbClr val="002060"/>
+              </a:solidFill>
+            </a:endParaRPr>
+          </a:p>
+          <a:p>
+            <a:pPr marL="342900" indent="-342900">
+              <a:spcAft>
+                <a:spcPts val="3000"/>
+              </a:spcAft>
+              <a:buFontTx/>
+              <a:buAutoNum type="arabicPeriod"/>
+            </a:pPr>
             <a:endParaRPr lang="zh-CN" altLang="en-US" sz="2400" dirty="0">
               <a:solidFill>
                 <a:srgbClr val="002060"/>
@@ -6518,10 +6484,34 @@
           </a:p>
         </p:txBody>
       </p:sp>
+      <p:pic>
+        <p:nvPicPr>
+          <p:cNvPr id="4" name="图片 3"/>
+          <p:cNvPicPr>
+            <a:picLocks noChangeAspect="1"/>
+          </p:cNvPicPr>
+          <p:nvPr/>
+        </p:nvPicPr>
+        <p:blipFill>
+          <a:blip r:embed="rId3"/>
+          <a:stretch>
+            <a:fillRect/>
+          </a:stretch>
+        </p:blipFill>
+        <p:spPr>
+          <a:xfrm>
+            <a:off x="5724128" y="1772816"/>
+            <a:ext cx="1876190" cy="1342857"/>
+          </a:xfrm>
+          <a:prstGeom prst="rect">
+            <a:avLst/>
+          </a:prstGeom>
+        </p:spPr>
+      </p:pic>
     </p:spTree>
     <p:extLst>
       <p:ext uri="{BB962C8B-B14F-4D97-AF65-F5344CB8AC3E}">
-        <p14:creationId xmlns:p14="http://schemas.microsoft.com/office/powerpoint/2010/main" val="1046453186"/>
+        <p14:creationId xmlns:p14="http://schemas.microsoft.com/office/powerpoint/2010/main" val="3171391927"/>
       </p:ext>
     </p:extLst>
   </p:cSld>
@@ -6531,7 +6521,258 @@
   <p:timing>
     <p:tnLst>
       <p:par>
-        <p:cTn id="1" dur="indefinite" restart="never" nodeType="tmRoot"/>
+        <p:cTn id="1" dur="indefinite" restart="never" nodeType="tmRoot">
+          <p:childTnLst>
+            <p:seq concurrent="1" nextAc="seek">
+              <p:cTn id="2" dur="indefinite" nodeType="mainSeq">
+                <p:childTnLst>
+                  <p:par>
+                    <p:cTn id="3" fill="hold">
+                      <p:stCondLst>
+                        <p:cond delay="indefinite"/>
+                      </p:stCondLst>
+                      <p:childTnLst>
+                        <p:par>
+                          <p:cTn id="4" fill="hold">
+                            <p:stCondLst>
+                              <p:cond delay="0"/>
+                            </p:stCondLst>
+                            <p:childTnLst>
+                              <p:par>
+                                <p:cTn id="5" presetID="10" presetClass="entr" presetSubtype="0" fill="hold" nodeType="clickEffect">
+                                  <p:stCondLst>
+                                    <p:cond delay="0"/>
+                                  </p:stCondLst>
+                                  <p:childTnLst>
+                                    <p:set>
+                                      <p:cBhvr>
+                                        <p:cTn id="6" dur="1" fill="hold">
+                                          <p:stCondLst>
+                                            <p:cond delay="0"/>
+                                          </p:stCondLst>
+                                        </p:cTn>
+                                        <p:tgtEl>
+                                          <p:spTgt spid="7">
+                                            <p:txEl>
+                                              <p:pRg st="0" end="0"/>
+                                            </p:txEl>
+                                          </p:spTgt>
+                                        </p:tgtEl>
+                                        <p:attrNameLst>
+                                          <p:attrName>style.visibility</p:attrName>
+                                        </p:attrNameLst>
+                                      </p:cBhvr>
+                                      <p:to>
+                                        <p:strVal val="visible"/>
+                                      </p:to>
+                                    </p:set>
+                                    <p:animEffect transition="in" filter="fade">
+                                      <p:cBhvr>
+                                        <p:cTn id="7" dur="500"/>
+                                        <p:tgtEl>
+                                          <p:spTgt spid="7">
+                                            <p:txEl>
+                                              <p:pRg st="0" end="0"/>
+                                            </p:txEl>
+                                          </p:spTgt>
+                                        </p:tgtEl>
+                                      </p:cBhvr>
+                                    </p:animEffect>
+                                  </p:childTnLst>
+                                </p:cTn>
+                              </p:par>
+                            </p:childTnLst>
+                          </p:cTn>
+                        </p:par>
+                      </p:childTnLst>
+                    </p:cTn>
+                  </p:par>
+                  <p:par>
+                    <p:cTn id="8" fill="hold">
+                      <p:stCondLst>
+                        <p:cond delay="indefinite"/>
+                      </p:stCondLst>
+                      <p:childTnLst>
+                        <p:par>
+                          <p:cTn id="9" fill="hold">
+                            <p:stCondLst>
+                              <p:cond delay="0"/>
+                            </p:stCondLst>
+                            <p:childTnLst>
+                              <p:par>
+                                <p:cTn id="10" presetID="10" presetClass="entr" presetSubtype="0" fill="hold" nodeType="clickEffect">
+                                  <p:stCondLst>
+                                    <p:cond delay="0"/>
+                                  </p:stCondLst>
+                                  <p:childTnLst>
+                                    <p:set>
+                                      <p:cBhvr>
+                                        <p:cTn id="11" dur="1" fill="hold">
+                                          <p:stCondLst>
+                                            <p:cond delay="0"/>
+                                          </p:stCondLst>
+                                        </p:cTn>
+                                        <p:tgtEl>
+                                          <p:spTgt spid="4"/>
+                                        </p:tgtEl>
+                                        <p:attrNameLst>
+                                          <p:attrName>style.visibility</p:attrName>
+                                        </p:attrNameLst>
+                                      </p:cBhvr>
+                                      <p:to>
+                                        <p:strVal val="visible"/>
+                                      </p:to>
+                                    </p:set>
+                                    <p:animEffect transition="in" filter="fade">
+                                      <p:cBhvr>
+                                        <p:cTn id="12" dur="500"/>
+                                        <p:tgtEl>
+                                          <p:spTgt spid="4"/>
+                                        </p:tgtEl>
+                                      </p:cBhvr>
+                                    </p:animEffect>
+                                  </p:childTnLst>
+                                </p:cTn>
+                              </p:par>
+                            </p:childTnLst>
+                          </p:cTn>
+                        </p:par>
+                      </p:childTnLst>
+                    </p:cTn>
+                  </p:par>
+                  <p:par>
+                    <p:cTn id="13" fill="hold">
+                      <p:stCondLst>
+                        <p:cond delay="indefinite"/>
+                      </p:stCondLst>
+                      <p:childTnLst>
+                        <p:par>
+                          <p:cTn id="14" fill="hold">
+                            <p:stCondLst>
+                              <p:cond delay="0"/>
+                            </p:stCondLst>
+                            <p:childTnLst>
+                              <p:par>
+                                <p:cTn id="15" presetID="10" presetClass="exit" presetSubtype="0" fill="hold" nodeType="clickEffect">
+                                  <p:stCondLst>
+                                    <p:cond delay="0"/>
+                                  </p:stCondLst>
+                                  <p:childTnLst>
+                                    <p:animEffect transition="out" filter="fade">
+                                      <p:cBhvr>
+                                        <p:cTn id="16" dur="500"/>
+                                        <p:tgtEl>
+                                          <p:spTgt spid="4"/>
+                                        </p:tgtEl>
+                                      </p:cBhvr>
+                                    </p:animEffect>
+                                    <p:set>
+                                      <p:cBhvr>
+                                        <p:cTn id="17" dur="1" fill="hold">
+                                          <p:stCondLst>
+                                            <p:cond delay="499"/>
+                                          </p:stCondLst>
+                                        </p:cTn>
+                                        <p:tgtEl>
+                                          <p:spTgt spid="4"/>
+                                        </p:tgtEl>
+                                        <p:attrNameLst>
+                                          <p:attrName>style.visibility</p:attrName>
+                                        </p:attrNameLst>
+                                      </p:cBhvr>
+                                      <p:to>
+                                        <p:strVal val="hidden"/>
+                                      </p:to>
+                                    </p:set>
+                                  </p:childTnLst>
+                                </p:cTn>
+                              </p:par>
+                            </p:childTnLst>
+                          </p:cTn>
+                        </p:par>
+                      </p:childTnLst>
+                    </p:cTn>
+                  </p:par>
+                  <p:par>
+                    <p:cTn id="18" fill="hold">
+                      <p:stCondLst>
+                        <p:cond delay="indefinite"/>
+                      </p:stCondLst>
+                      <p:childTnLst>
+                        <p:par>
+                          <p:cTn id="19" fill="hold">
+                            <p:stCondLst>
+                              <p:cond delay="0"/>
+                            </p:stCondLst>
+                            <p:childTnLst>
+                              <p:par>
+                                <p:cTn id="20" presetID="10" presetClass="entr" presetSubtype="0" fill="hold" nodeType="clickEffect">
+                                  <p:stCondLst>
+                                    <p:cond delay="0"/>
+                                  </p:stCondLst>
+                                  <p:childTnLst>
+                                    <p:set>
+                                      <p:cBhvr>
+                                        <p:cTn id="21" dur="1" fill="hold">
+                                          <p:stCondLst>
+                                            <p:cond delay="0"/>
+                                          </p:stCondLst>
+                                        </p:cTn>
+                                        <p:tgtEl>
+                                          <p:spTgt spid="7">
+                                            <p:txEl>
+                                              <p:pRg st="1" end="1"/>
+                                            </p:txEl>
+                                          </p:spTgt>
+                                        </p:tgtEl>
+                                        <p:attrNameLst>
+                                          <p:attrName>style.visibility</p:attrName>
+                                        </p:attrNameLst>
+                                      </p:cBhvr>
+                                      <p:to>
+                                        <p:strVal val="visible"/>
+                                      </p:to>
+                                    </p:set>
+                                    <p:animEffect transition="in" filter="fade">
+                                      <p:cBhvr>
+                                        <p:cTn id="22" dur="500"/>
+                                        <p:tgtEl>
+                                          <p:spTgt spid="7">
+                                            <p:txEl>
+                                              <p:pRg st="1" end="1"/>
+                                            </p:txEl>
+                                          </p:spTgt>
+                                        </p:tgtEl>
+                                      </p:cBhvr>
+                                    </p:animEffect>
+                                  </p:childTnLst>
+                                </p:cTn>
+                              </p:par>
+                            </p:childTnLst>
+                          </p:cTn>
+                        </p:par>
+                      </p:childTnLst>
+                    </p:cTn>
+                  </p:par>
+                </p:childTnLst>
+              </p:cTn>
+              <p:prevCondLst>
+                <p:cond evt="onPrev" delay="0">
+                  <p:tgtEl>
+                    <p:sldTgt/>
+                  </p:tgtEl>
+                </p:cond>
+              </p:prevCondLst>
+              <p:nextCondLst>
+                <p:cond evt="onNext" delay="0">
+                  <p:tgtEl>
+                    <p:sldTgt/>
+                  </p:tgtEl>
+                </p:cond>
+              </p:nextCondLst>
+            </p:seq>
+          </p:childTnLst>
+        </p:cTn>
       </p:par>
     </p:tnLst>
   </p:timing>
@@ -6656,7 +6897,7 @@
                   <a:latin typeface="-윤고딕330" pitchFamily="18" charset="-127"/>
                   <a:ea typeface="-윤고딕330" pitchFamily="18" charset="-127"/>
                 </a:rPr>
-                <a:t>组件和其他组件化思想的区别</a:t>
+                <a:t>组件问题</a:t>
               </a:r>
               <a:endParaRPr lang="ko-KR" altLang="en-US" dirty="0">
                 <a:solidFill>
@@ -6678,7 +6919,7 @@
         <p:spPr>
           <a:xfrm>
             <a:off x="1043608" y="1772816"/>
-            <a:ext cx="7776864" cy="1969770"/>
+            <a:ext cx="7776864" cy="1215717"/>
           </a:xfrm>
           <a:prstGeom prst="rect">
             <a:avLst/>
@@ -6704,7 +6945,31 @@
                   <a:srgbClr val="002060"/>
                 </a:solidFill>
               </a:rPr>
-              <a:t>利用组合来代替继承</a:t>
+              <a:t>过度更新</a:t>
+            </a:r>
+            <a:r>
+              <a:rPr lang="en-US" altLang="zh-CN" sz="2400" dirty="0" smtClean="0">
+                <a:solidFill>
+                  <a:srgbClr val="002060"/>
+                </a:solidFill>
+              </a:rPr>
+              <a:t>----</a:t>
+            </a:r>
+            <a:r>
+              <a:rPr lang="en-US" altLang="zh-CN" sz="2400" dirty="0" err="1" smtClean="0">
+                <a:solidFill>
+                  <a:srgbClr val="002060"/>
+                </a:solidFill>
+              </a:rPr>
+              <a:t>shouldComponentUpdate</a:t>
+            </a:r>
+            <a:r>
+              <a:rPr lang="zh-CN" altLang="en-US" sz="2400" dirty="0" smtClean="0">
+                <a:solidFill>
+                  <a:srgbClr val="002060"/>
+                </a:solidFill>
+              </a:rPr>
+              <a:t>和不可变数据</a:t>
             </a:r>
             <a:endParaRPr lang="en-US" altLang="zh-CN" sz="2400" dirty="0" smtClean="0">
               <a:solidFill>
@@ -6726,22 +6991,16 @@
                   <a:srgbClr val="002060"/>
                 </a:solidFill>
               </a:rPr>
-              <a:t>不对外提供接口</a:t>
-            </a:r>
-            <a:endParaRPr lang="en-US" altLang="zh-CN" sz="2400" dirty="0" smtClean="0">
-              <a:solidFill>
-                <a:srgbClr val="002060"/>
-              </a:solidFill>
-            </a:endParaRPr>
-          </a:p>
-          <a:p>
-            <a:pPr marL="342900" indent="-342900">
-              <a:spcAft>
-                <a:spcPts val="3000"/>
-              </a:spcAft>
-              <a:buFontTx/>
-              <a:buAutoNum type="arabicPeriod"/>
-            </a:pPr>
+              <a:t>传值</a:t>
+            </a:r>
+            <a:r>
+              <a:rPr lang="zh-CN" altLang="en-US" sz="2400" dirty="0" smtClean="0">
+                <a:solidFill>
+                  <a:srgbClr val="002060"/>
+                </a:solidFill>
+              </a:rPr>
+              <a:t>麻烦</a:t>
+            </a:r>
             <a:endParaRPr lang="zh-CN" altLang="en-US" sz="2400" dirty="0">
               <a:solidFill>
                 <a:srgbClr val="002060"/>
@@ -6753,7 +7012,7 @@
     </p:spTree>
     <p:extLst>
       <p:ext uri="{BB962C8B-B14F-4D97-AF65-F5344CB8AC3E}">
-        <p14:creationId xmlns:p14="http://schemas.microsoft.com/office/powerpoint/2010/main" val="3171391927"/>
+        <p14:creationId xmlns:p14="http://schemas.microsoft.com/office/powerpoint/2010/main" val="1046453186"/>
       </p:ext>
     </p:extLst>
   </p:cSld>
@@ -6763,7 +7022,152 @@
   <p:timing>
     <p:tnLst>
       <p:par>
-        <p:cTn id="1" dur="indefinite" restart="never" nodeType="tmRoot"/>
+        <p:cTn id="1" dur="indefinite" restart="never" nodeType="tmRoot">
+          <p:childTnLst>
+            <p:seq concurrent="1" nextAc="seek">
+              <p:cTn id="2" dur="indefinite" nodeType="mainSeq">
+                <p:childTnLst>
+                  <p:par>
+                    <p:cTn id="3" fill="hold">
+                      <p:stCondLst>
+                        <p:cond delay="indefinite"/>
+                      </p:stCondLst>
+                      <p:childTnLst>
+                        <p:par>
+                          <p:cTn id="4" fill="hold">
+                            <p:stCondLst>
+                              <p:cond delay="0"/>
+                            </p:stCondLst>
+                            <p:childTnLst>
+                              <p:par>
+                                <p:cTn id="5" presetID="10" presetClass="entr" presetSubtype="0" fill="hold" nodeType="clickEffect">
+                                  <p:stCondLst>
+                                    <p:cond delay="0"/>
+                                  </p:stCondLst>
+                                  <p:childTnLst>
+                                    <p:set>
+                                      <p:cBhvr>
+                                        <p:cTn id="6" dur="1" fill="hold">
+                                          <p:stCondLst>
+                                            <p:cond delay="0"/>
+                                          </p:stCondLst>
+                                        </p:cTn>
+                                        <p:tgtEl>
+                                          <p:spTgt spid="7">
+                                            <p:txEl>
+                                              <p:pRg st="0" end="0"/>
+                                            </p:txEl>
+                                          </p:spTgt>
+                                        </p:tgtEl>
+                                        <p:attrNameLst>
+                                          <p:attrName>style.visibility</p:attrName>
+                                        </p:attrNameLst>
+                                      </p:cBhvr>
+                                      <p:to>
+                                        <p:strVal val="visible"/>
+                                      </p:to>
+                                    </p:set>
+                                    <p:animEffect transition="in" filter="fade">
+                                      <p:cBhvr>
+                                        <p:cTn id="7" dur="500"/>
+                                        <p:tgtEl>
+                                          <p:spTgt spid="7">
+                                            <p:txEl>
+                                              <p:pRg st="0" end="0"/>
+                                            </p:txEl>
+                                          </p:spTgt>
+                                        </p:tgtEl>
+                                      </p:cBhvr>
+                                    </p:animEffect>
+                                  </p:childTnLst>
+                                </p:cTn>
+                              </p:par>
+                            </p:childTnLst>
+                          </p:cTn>
+                        </p:par>
+                      </p:childTnLst>
+                    </p:cTn>
+                  </p:par>
+                  <p:par>
+                    <p:cTn id="8" fill="hold">
+                      <p:stCondLst>
+                        <p:cond delay="indefinite"/>
+                      </p:stCondLst>
+                      <p:childTnLst>
+                        <p:par>
+                          <p:cTn id="9" fill="hold">
+                            <p:stCondLst>
+                              <p:cond delay="0"/>
+                            </p:stCondLst>
+                            <p:childTnLst>
+                              <p:par>
+                                <p:cTn id="10" presetID="10" presetClass="entr" presetSubtype="0" fill="hold" nodeType="clickEffect">
+                                  <p:stCondLst>
+                                    <p:cond delay="0"/>
+                                  </p:stCondLst>
+                                  <p:childTnLst>
+                                    <p:set>
+                                      <p:cBhvr>
+                                        <p:cTn id="11" dur="1" fill="hold">
+                                          <p:stCondLst>
+                                            <p:cond delay="0"/>
+                                          </p:stCondLst>
+                                        </p:cTn>
+                                        <p:tgtEl>
+                                          <p:spTgt spid="7">
+                                            <p:txEl>
+                                              <p:pRg st="1" end="1"/>
+                                            </p:txEl>
+                                          </p:spTgt>
+                                        </p:tgtEl>
+                                        <p:attrNameLst>
+                                          <p:attrName>style.visibility</p:attrName>
+                                        </p:attrNameLst>
+                                      </p:cBhvr>
+                                      <p:to>
+                                        <p:strVal val="visible"/>
+                                      </p:to>
+                                    </p:set>
+                                    <p:animEffect transition="in" filter="fade">
+                                      <p:cBhvr>
+                                        <p:cTn id="12" dur="500"/>
+                                        <p:tgtEl>
+                                          <p:spTgt spid="7">
+                                            <p:txEl>
+                                              <p:pRg st="1" end="1"/>
+                                            </p:txEl>
+                                          </p:spTgt>
+                                        </p:tgtEl>
+                                      </p:cBhvr>
+                                    </p:animEffect>
+                                  </p:childTnLst>
+                                </p:cTn>
+                              </p:par>
+                            </p:childTnLst>
+                          </p:cTn>
+                        </p:par>
+                      </p:childTnLst>
+                    </p:cTn>
+                  </p:par>
+                </p:childTnLst>
+              </p:cTn>
+              <p:prevCondLst>
+                <p:cond evt="onPrev" delay="0">
+                  <p:tgtEl>
+                    <p:sldTgt/>
+                  </p:tgtEl>
+                </p:cond>
+              </p:prevCondLst>
+              <p:nextCondLst>
+                <p:cond evt="onNext" delay="0">
+                  <p:tgtEl>
+                    <p:sldTgt/>
+                  </p:tgtEl>
+                </p:cond>
+              </p:nextCondLst>
+            </p:seq>
+          </p:childTnLst>
+        </p:cTn>
       </p:par>
     </p:tnLst>
   </p:timing>
@@ -8812,7 +9216,7 @@
       </p:pic>
       <p:pic>
         <p:nvPicPr>
-          <p:cNvPr id="12" name="图片 11"/>
+          <p:cNvPr id="14" name="图片 13"/>
           <p:cNvPicPr>
             <a:picLocks noChangeAspect="1"/>
           </p:cNvPicPr>
@@ -8826,8 +9230,8 @@
         </p:blipFill>
         <p:spPr>
           <a:xfrm>
-            <a:off x="429611" y="4653135"/>
-            <a:ext cx="2264178" cy="1515191"/>
+            <a:off x="5580112" y="4453096"/>
+            <a:ext cx="3345887" cy="1677095"/>
           </a:xfrm>
           <a:prstGeom prst="rect">
             <a:avLst/>
@@ -8836,22 +9240,28 @@
       </p:pic>
       <p:pic>
         <p:nvPicPr>
-          <p:cNvPr id="14" name="图片 13"/>
+          <p:cNvPr id="10" name="图片 9"/>
           <p:cNvPicPr>
             <a:picLocks noChangeAspect="1"/>
           </p:cNvPicPr>
           <p:nvPr/>
         </p:nvPicPr>
         <p:blipFill>
-          <a:blip r:embed="rId6"/>
+          <a:blip r:embed="rId6">
+            <a:extLst>
+              <a:ext uri="{28A0092B-C50C-407E-A947-70E740481C1C}">
+                <a14:useLocalDpi xmlns:a14="http://schemas.microsoft.com/office/drawing/2010/main" val="0"/>
+              </a:ext>
+            </a:extLst>
+          </a:blip>
           <a:stretch>
             <a:fillRect/>
           </a:stretch>
         </p:blipFill>
         <p:spPr>
           <a:xfrm>
-            <a:off x="5580112" y="4453096"/>
-            <a:ext cx="3345887" cy="1677095"/>
+            <a:off x="395536" y="4653136"/>
+            <a:ext cx="2298253" cy="1249386"/>
           </a:xfrm>
           <a:prstGeom prst="rect">
             <a:avLst/>
@@ -9114,11 +9524,6 @@
               </a:rPr>
               <a:t>react</a:t>
             </a:r>
-            <a:endParaRPr lang="en-US" altLang="zh-CN" sz="2400" dirty="0" smtClean="0">
-              <a:solidFill>
-                <a:srgbClr val="002060"/>
-              </a:solidFill>
-            </a:endParaRPr>
           </a:p>
           <a:p>
             <a:pPr marL="342900" indent="-342900">
@@ -10539,7 +10944,7 @@
         <p:spPr>
           <a:xfrm>
             <a:off x="970842" y="1628800"/>
-            <a:ext cx="7272808" cy="3000821"/>
+            <a:ext cx="7272808" cy="6017032"/>
           </a:xfrm>
           <a:prstGeom prst="rect">
             <a:avLst/>
@@ -10657,11 +11062,43 @@
               <a:buAutoNum type="arabicPeriod"/>
             </a:pPr>
             <a:r>
+              <a:rPr lang="zh-CN" altLang="en-US" sz="2400" dirty="0">
+                <a:solidFill>
+                  <a:srgbClr val="002060"/>
+                </a:solidFill>
+              </a:rPr>
+              <a:t>不是一个</a:t>
+            </a:r>
+            <a:r>
+              <a:rPr lang="en-US" altLang="zh-CN" sz="2400" dirty="0">
+                <a:solidFill>
+                  <a:srgbClr val="002060"/>
+                </a:solidFill>
+              </a:rPr>
+              <a:t>MVC</a:t>
+            </a:r>
+            <a:r>
               <a:rPr lang="zh-CN" altLang="en-US" sz="2400" dirty="0" smtClean="0">
                 <a:solidFill>
                   <a:srgbClr val="002060"/>
                 </a:solidFill>
               </a:rPr>
+              <a:t>框架</a:t>
+            </a:r>
+            <a:r>
+              <a:rPr lang="zh-CN" altLang="en-US" sz="2400" dirty="0">
+                <a:solidFill>
+                  <a:srgbClr val="002060"/>
+                </a:solidFill>
+              </a:rPr>
+              <a:t>，</a:t>
+            </a:r>
+            <a:r>
+              <a:rPr lang="zh-CN" altLang="en-US" sz="2400" dirty="0" smtClean="0">
+                <a:solidFill>
+                  <a:srgbClr val="002060"/>
+                </a:solidFill>
+              </a:rPr>
               <a:t>只是</a:t>
             </a:r>
             <a:r>
@@ -10670,7 +11107,7 @@
                   <a:srgbClr val="002060"/>
                 </a:solidFill>
               </a:rPr>
-              <a:t>视图层</a:t>
+              <a:t>视图</a:t>
             </a:r>
             <a:r>
               <a:rPr lang="zh-CN" altLang="en-US" sz="2400" dirty="0" smtClean="0">
@@ -10678,7 +11115,7 @@
                   <a:srgbClr val="002060"/>
                 </a:solidFill>
               </a:rPr>
-              <a:t>库</a:t>
+              <a:t>层的库</a:t>
             </a:r>
             <a:endParaRPr lang="en-US" altLang="zh-CN" sz="2400" dirty="0" smtClean="0">
               <a:solidFill>
@@ -10695,12 +11132,64 @@
               <a:buAutoNum type="arabicPeriod"/>
             </a:pPr>
             <a:r>
+              <a:rPr lang="zh-CN" altLang="en-US" sz="2400" dirty="0" smtClean="0">
+                <a:solidFill>
+                  <a:srgbClr val="002060"/>
+                </a:solidFill>
+              </a:rPr>
+              <a:t>不使用模板</a:t>
+            </a:r>
+            <a:endParaRPr lang="en-US" altLang="zh-CN" sz="2400" dirty="0" smtClean="0">
+              <a:solidFill>
+                <a:srgbClr val="002060"/>
+              </a:solidFill>
+            </a:endParaRPr>
+          </a:p>
+          <a:p>
+            <a:pPr marL="342900" indent="-342900">
+              <a:spcAft>
+                <a:spcPts val="3000"/>
+              </a:spcAft>
+              <a:buFontTx/>
+              <a:buAutoNum type="arabicPeriod"/>
+            </a:pPr>
+            <a:r>
+              <a:rPr lang="zh-CN" altLang="en-US" sz="2400" dirty="0">
+                <a:solidFill>
+                  <a:srgbClr val="002060"/>
+                </a:solidFill>
+              </a:rPr>
+              <a:t>响应式更新非常</a:t>
+            </a:r>
+            <a:r>
+              <a:rPr lang="zh-CN" altLang="en-US" sz="2400" dirty="0" smtClean="0">
+                <a:solidFill>
+                  <a:srgbClr val="002060"/>
+                </a:solidFill>
+              </a:rPr>
+              <a:t>简单</a:t>
+            </a:r>
+            <a:endParaRPr lang="en-US" altLang="zh-CN" sz="2400" dirty="0" smtClean="0">
+              <a:solidFill>
+                <a:srgbClr val="002060"/>
+              </a:solidFill>
+            </a:endParaRPr>
+          </a:p>
+          <a:p>
+            <a:pPr marL="342900" indent="-342900">
+              <a:spcAft>
+                <a:spcPts val="3000"/>
+              </a:spcAft>
+              <a:buFontTx/>
+              <a:buAutoNum type="arabicPeriod"/>
+            </a:pPr>
+            <a:r>
               <a:rPr lang="en-US" altLang="zh-CN" sz="2400" dirty="0">
                 <a:solidFill>
                   <a:srgbClr val="002060"/>
                 </a:solidFill>
               </a:rPr>
-              <a:t>React</a:t>
+              <a:t>HTML5</a:t>
             </a:r>
             <a:r>
               <a:rPr lang="zh-CN" altLang="en-US" sz="2400" dirty="0">
@@ -10708,33 +11197,32 @@
                   <a:srgbClr val="002060"/>
                 </a:solidFill>
               </a:rPr>
-              <a:t>加</a:t>
-            </a:r>
-            <a:r>
-              <a:rPr lang="en-US" altLang="zh-CN" sz="2400" dirty="0">
-                <a:solidFill>
-                  <a:srgbClr val="002060"/>
-                </a:solidFill>
-              </a:rPr>
-              <a:t>flux</a:t>
-            </a:r>
-            <a:r>
-              <a:rPr lang="zh-CN" altLang="en-US" sz="2400" dirty="0">
-                <a:solidFill>
-                  <a:srgbClr val="002060"/>
-                </a:solidFill>
-              </a:rPr>
-              <a:t>能让数据流向更容易被</a:t>
-            </a:r>
-            <a:r>
-              <a:rPr lang="zh-CN" altLang="en-US" sz="2400" dirty="0" smtClean="0">
-                <a:solidFill>
-                  <a:srgbClr val="002060"/>
-                </a:solidFill>
-              </a:rPr>
-              <a:t>预测</a:t>
-            </a:r>
-            <a:endParaRPr lang="en-US" altLang="zh-CN" sz="2400" dirty="0">
+              <a:t>仅仅是个开始</a:t>
+            </a:r>
+          </a:p>
+          <a:p>
+            <a:pPr marL="342900" indent="-342900">
+              <a:spcAft>
+                <a:spcPts val="3000"/>
+              </a:spcAft>
+              <a:buFontTx/>
+              <a:buAutoNum type="arabicPeriod"/>
+            </a:pPr>
+            <a:endParaRPr lang="zh-CN" altLang="en-US" sz="2400" dirty="0">
+              <a:solidFill>
+                <a:srgbClr val="002060"/>
+              </a:solidFill>
+            </a:endParaRPr>
+          </a:p>
+          <a:p>
+            <a:pPr marL="342900" indent="-342900">
+              <a:spcAft>
+                <a:spcPts val="3000"/>
+              </a:spcAft>
+              <a:buFontTx/>
+              <a:buAutoNum type="arabicPeriod"/>
+            </a:pPr>
+            <a:endParaRPr lang="en-US" altLang="zh-CN" sz="2400" dirty="0" smtClean="0">
               <a:solidFill>
                 <a:srgbClr val="002060"/>
               </a:solidFill>
@@ -10949,6 +11437,128 @@
                       </p:childTnLst>
                     </p:cTn>
                   </p:par>
+                  <p:par>
+                    <p:cTn id="18" fill="hold">
+                      <p:stCondLst>
+                        <p:cond delay="indefinite"/>
+                      </p:stCondLst>
+                      <p:childTnLst>
+                        <p:par>
+                          <p:cTn id="19" fill="hold">
+                            <p:stCondLst>
+                              <p:cond delay="0"/>
+                            </p:stCondLst>
+                            <p:childTnLst>
+                              <p:par>
+                                <p:cTn id="20" presetID="10" presetClass="entr" presetSubtype="0" fill="hold" nodeType="clickEffect">
+                                  <p:stCondLst>
+                                    <p:cond delay="0"/>
+                                  </p:stCondLst>
+                                  <p:childTnLst>
+                                    <p:set>
+                                      <p:cBhvr>
+                                        <p:cTn id="21" dur="1" fill="hold">
+                                          <p:stCondLst>
+                                            <p:cond delay="0"/>
+                                          </p:stCondLst>
+                                        </p:cTn>
+                                        <p:tgtEl>
+                                          <p:spTgt spid="9">
+                                            <p:txEl>
+                                              <p:pRg st="3" end="3"/>
+                                            </p:txEl>
+                                          </p:spTgt>
+                                        </p:tgtEl>
+                                        <p:attrNameLst>
+                                          <p:attrName>style.visibility</p:attrName>
+                                        </p:attrNameLst>
+                                      </p:cBhvr>
+                                      <p:to>
+                                        <p:strVal val="visible"/>
+                                      </p:to>
+                                    </p:set>
+                                    <p:animEffect transition="in" filter="fade">
+                                      <p:cBhvr>
+                                        <p:cTn id="22" dur="500"/>
+                                        <p:tgtEl>
+                                          <p:spTgt spid="9">
+                                            <p:txEl>
+                                              <p:pRg st="3" end="3"/>
+                                            </p:txEl>
+                                          </p:spTgt>
+                                        </p:tgtEl>
+                                      </p:cBhvr>
+                                    </p:animEffect>
+                                  </p:childTnLst>
+                                </p:cTn>
+                              </p:par>
+                            </p:childTnLst>
+                          </p:cTn>
+                        </p:par>
+                      </p:childTnLst>
+                    </p:cTn>
+                  </p:par>
+                  <p:par>
+                    <p:cTn id="23" fill="hold">
+                      <p:stCondLst>
+                        <p:cond delay="indefinite"/>
+                      </p:stCondLst>
+                      <p:childTnLst>
+                        <p:par>
+                          <p:cTn id="24" fill="hold">
+                            <p:stCondLst>
+                              <p:cond delay="0"/>
+                            </p:stCondLst>
+                            <p:childTnLst>
+                              <p:par>
+                                <p:cTn id="25" presetID="10" presetClass="entr" presetSubtype="0" fill="hold" nodeType="clickEffect">
+                                  <p:stCondLst>
+                                    <p:cond delay="0"/>
+                                  </p:stCondLst>
+                                  <p:childTnLst>
+                                    <p:set>
+                                      <p:cBhvr>
+                                        <p:cTn id="26" dur="1" fill="hold">
+                                          <p:stCondLst>
+                                            <p:cond delay="0"/>
+                                          </p:stCondLst>
+                                        </p:cTn>
+                                        <p:tgtEl>
+                                          <p:spTgt spid="9">
+                                            <p:txEl>
+                                              <p:pRg st="4" end="4"/>
+                                            </p:txEl>
+                                          </p:spTgt>
+                                        </p:tgtEl>
+                                        <p:attrNameLst>
+                                          <p:attrName>style.visibility</p:attrName>
+                                        </p:attrNameLst>
+                                      </p:cBhvr>
+                                      <p:to>
+                                        <p:strVal val="visible"/>
+                                      </p:to>
+                                    </p:set>
+                                    <p:animEffect transition="in" filter="fade">
+                                      <p:cBhvr>
+                                        <p:cTn id="27" dur="500"/>
+                                        <p:tgtEl>
+                                          <p:spTgt spid="9">
+                                            <p:txEl>
+                                              <p:pRg st="4" end="4"/>
+                                            </p:txEl>
+                                          </p:spTgt>
+                                        </p:tgtEl>
+                                      </p:cBhvr>
+                                    </p:animEffect>
+                                  </p:childTnLst>
+                                </p:cTn>
+                              </p:par>
+                            </p:childTnLst>
+                          </p:cTn>
+                        </p:par>
+                      </p:childTnLst>
+                    </p:cTn>
+                  </p:par>
                 </p:childTnLst>
               </p:cTn>
               <p:prevCondLst>
@@ -11135,14 +11745,14 @@
               <a:buAutoNum type="arabicPeriod"/>
             </a:pPr>
             <a:r>
-              <a:rPr lang="zh-CN" altLang="en-US" sz="2400" dirty="0">
-                <a:solidFill>
-                  <a:srgbClr val="002060"/>
-                </a:solidFill>
-              </a:rPr>
-              <a:t>声明式设计</a:t>
-            </a:r>
-            <a:endParaRPr lang="en-US" altLang="zh-CN" sz="2400" dirty="0">
+              <a:rPr lang="zh-CN" altLang="zh-CN" sz="2400" dirty="0" smtClean="0">
+                <a:solidFill>
+                  <a:srgbClr val="002060"/>
+                </a:solidFill>
+              </a:rPr>
+              <a:t>状态机</a:t>
+            </a:r>
+            <a:endParaRPr lang="en-US" altLang="zh-CN" sz="2400" dirty="0" smtClean="0">
               <a:solidFill>
                 <a:srgbClr val="002060"/>
               </a:solidFill>
@@ -11157,12 +11767,20 @@
               <a:buAutoNum type="arabicPeriod"/>
             </a:pPr>
             <a:r>
+              <a:rPr lang="zh-CN" altLang="en-US" sz="2400" dirty="0" smtClean="0">
+                <a:solidFill>
+                  <a:srgbClr val="002060"/>
+                </a:solidFill>
+              </a:rPr>
+              <a:t>声明</a:t>
+            </a:r>
+            <a:r>
               <a:rPr lang="zh-CN" altLang="en-US" sz="2400" dirty="0">
                 <a:solidFill>
                   <a:srgbClr val="002060"/>
                 </a:solidFill>
               </a:rPr>
-              <a:t>高效</a:t>
+              <a:t>式设计</a:t>
             </a:r>
             <a:endParaRPr lang="en-US" altLang="zh-CN" sz="2400" dirty="0">
               <a:solidFill>
@@ -11179,12 +11797,12 @@
               <a:buAutoNum type="arabicPeriod"/>
             </a:pPr>
             <a:r>
-              <a:rPr lang="zh-CN" altLang="zh-CN" sz="2400" dirty="0">
-                <a:solidFill>
-                  <a:srgbClr val="002060"/>
-                </a:solidFill>
-              </a:rPr>
-              <a:t>状态机</a:t>
+              <a:rPr lang="zh-CN" altLang="en-US" sz="2400" dirty="0">
+                <a:solidFill>
+                  <a:srgbClr val="002060"/>
+                </a:solidFill>
+              </a:rPr>
+              <a:t>高效</a:t>
             </a:r>
             <a:endParaRPr lang="en-US" altLang="zh-CN" sz="2400" dirty="0">
               <a:solidFill>
@@ -11201,7 +11819,7 @@
               <a:buAutoNum type="arabicPeriod"/>
             </a:pPr>
             <a:r>
-              <a:rPr lang="zh-CN" altLang="zh-CN" sz="2400" dirty="0">
+              <a:rPr lang="zh-CN" altLang="zh-CN" sz="2400" dirty="0" smtClean="0">
                 <a:solidFill>
                   <a:srgbClr val="002060"/>
                 </a:solidFill>
@@ -11818,15 +12436,7 @@
                   <a:srgbClr val="002060"/>
                 </a:solidFill>
               </a:rPr>
-              <a:t>VR -- </a:t>
-            </a:r>
-            <a:r>
-              <a:rPr lang="en-US" altLang="zh-CN" sz="2400" dirty="0" smtClean="0">
-                <a:solidFill>
-                  <a:srgbClr val="002060"/>
-                </a:solidFill>
-              </a:rPr>
-              <a:t>react-</a:t>
+              <a:t>VR -- react-</a:t>
             </a:r>
             <a:r>
               <a:rPr lang="en-US" altLang="zh-CN" sz="2400" dirty="0" err="1" smtClean="0">
@@ -13097,15 +13707,7 @@
                   <a:srgbClr val="002060"/>
                 </a:solidFill>
               </a:rPr>
-              <a:t>节点和状态的关联</a:t>
-            </a:r>
-            <a:r>
-              <a:rPr lang="zh-CN" altLang="en-US" dirty="0" smtClean="0">
-                <a:solidFill>
-                  <a:srgbClr val="002060"/>
-                </a:solidFill>
-              </a:rPr>
-              <a:t>，</a:t>
+              <a:t>节点和状态的关联，</a:t>
             </a:r>
             <a:endParaRPr lang="en-US" altLang="zh-CN" dirty="0" smtClean="0">
               <a:solidFill>
@@ -13120,15 +13722,7 @@
                   <a:srgbClr val="002060"/>
                 </a:solidFill>
               </a:rPr>
-              <a:t>由</a:t>
-            </a:r>
-            <a:r>
-              <a:rPr lang="zh-CN" altLang="en-US" dirty="0" smtClean="0">
-                <a:solidFill>
-                  <a:srgbClr val="002060"/>
-                </a:solidFill>
-              </a:rPr>
-              <a:t>框架进行更新。</a:t>
+              <a:t>由框架进行更新。</a:t>
             </a:r>
             <a:endParaRPr lang="zh-CN" altLang="en-US" dirty="0">
               <a:solidFill>
